--- a/erb_supporting_docs/Packaging_Resources/lib/ERB/Projects/Explore/Goals/Default_Goal/Supporting_DOC/Indicator_Card_Template.pptx
+++ b/erb_supporting_docs/Packaging_Resources/lib/ERB/Projects/Explore/Goals/Default_Goal/Supporting_DOC/Indicator_Card_Template.pptx
@@ -2,18 +2,18 @@
 <file path=ppt/presentation.xml><?xml version="1.0" encoding="utf-8"?>
 <p:presentation xmlns:a="http://schemas.openxmlformats.org/drawingml/2006/main" xmlns:r="http://schemas.openxmlformats.org/officeDocument/2006/relationships" xmlns:p="http://schemas.openxmlformats.org/presentationml/2006/main" saveSubsetFonts="1">
   <p:sldMasterIdLst>
-    <p:sldMasterId id="2147483648" r:id="rId5"/>
+    <p:sldMasterId id="2147483648" r:id="rId4"/>
   </p:sldMasterIdLst>
   <p:notesMasterIdLst>
-    <p:notesMasterId r:id="rId12"/>
+    <p:notesMasterId r:id="rId11"/>
   </p:notesMasterIdLst>
   <p:sldIdLst>
-    <p:sldId id="267" r:id="rId6"/>
-    <p:sldId id="261" r:id="rId7"/>
-    <p:sldId id="260" r:id="rId8"/>
-    <p:sldId id="262" r:id="rId9"/>
-    <p:sldId id="259" r:id="rId10"/>
-    <p:sldId id="264" r:id="rId11"/>
+    <p:sldId id="267" r:id="rId5"/>
+    <p:sldId id="261" r:id="rId6"/>
+    <p:sldId id="260" r:id="rId7"/>
+    <p:sldId id="262" r:id="rId8"/>
+    <p:sldId id="259" r:id="rId9"/>
+    <p:sldId id="264" r:id="rId10"/>
   </p:sldIdLst>
   <p:sldSz cx="12192000" cy="6858000"/>
   <p:notesSz cx="6858000" cy="9144000"/>
@@ -126,249 +126,8 @@
 </p188:authorLst>
 </file>
 
-<file path=ppt/revisionInfo.xml><?xml version="1.0" encoding="utf-8"?>
-<p1510:revInfo xmlns:a="http://schemas.openxmlformats.org/drawingml/2006/main" xmlns:r="http://schemas.openxmlformats.org/officeDocument/2006/relationships" xmlns:p1510="http://schemas.microsoft.com/office/powerpoint/2015/10/main">
-  <p1510:revLst>
-    <p1510:client id="{003A89AD-F3E6-241F-AB04-42E60A029CD3}" v="599" dt="2023-04-12T16:44:50.729"/>
-    <p1510:client id="{632F3DEB-3C4F-DC12-C904-B8389F019239}" v="1471" dt="2023-04-12T16:10:31.966"/>
-    <p1510:client id="{9D2B54E9-2AB2-4536-8C94-4FF25EC11963}" v="1934" vWet="1938" dt="2023-04-12T15:48:48.458"/>
-    <p1510:client id="{AAB842FB-4B70-408E-96D7-FB47D7CAC5A4}" v="2" dt="2023-04-12T15:43:19.539"/>
-    <p1510:client id="{AC588CDA-5816-5958-4E83-ABAB33815F28}" v="2859" dt="2023-04-11T16:57:36.370"/>
-    <p1510:client id="{BCF4F10D-1701-433C-8F39-6EAF882CAC0B}" v="5" dt="2023-04-12T13:00:33.593"/>
-    <p1510:client id="{E666E214-8DBF-4FC1-8652-30E9224AA5F4}" v="462" dt="2023-04-12T15:36:20.183"/>
-    <p1510:client id="{ED08E105-D996-7BC6-595E-6ECE20BE6630}" v="388" dt="2023-04-11T16:55:24.762"/>
-  </p1510:revLst>
-</p1510:revInfo>
-</file>
-
 <file path=ppt/changesInfos/changesInfo1.xml><?xml version="1.0" encoding="utf-8"?>
 <pc:chgInfo xmlns:a="http://schemas.openxmlformats.org/drawingml/2006/main" xmlns:r="http://schemas.openxmlformats.org/officeDocument/2006/relationships" xmlns:ac="http://schemas.microsoft.com/office/drawing/2013/main/command" xmlns:pc="http://schemas.microsoft.com/office/powerpoint/2013/main/command">
-  <pc:docChgLst>
-    <pc:chgData name="Varner, Paige (she/her/hers)" userId="S::varner.paige@epa.gov::fc0f6d83-b290-4717-9f0d-95009db32cbd" providerId="AD" clId="Web-{ED08E105-D996-7BC6-595E-6ECE20BE6630}"/>
-    <pc:docChg chg="addSld modSld sldOrd">
-      <pc:chgData name="Varner, Paige (she/her/hers)" userId="S::varner.paige@epa.gov::fc0f6d83-b290-4717-9f0d-95009db32cbd" providerId="AD" clId="Web-{ED08E105-D996-7BC6-595E-6ECE20BE6630}" dt="2023-04-11T16:55:24.762" v="209" actId="1076"/>
-      <pc:docMkLst>
-        <pc:docMk/>
-      </pc:docMkLst>
-      <pc:sldChg chg="addSp modSp mod setBg">
-        <pc:chgData name="Varner, Paige (she/her/hers)" userId="S::varner.paige@epa.gov::fc0f6d83-b290-4717-9f0d-95009db32cbd" providerId="AD" clId="Web-{ED08E105-D996-7BC6-595E-6ECE20BE6630}" dt="2023-04-11T15:26:59.240" v="6" actId="1076"/>
-        <pc:sldMkLst>
-          <pc:docMk/>
-          <pc:sldMk cId="3145412834" sldId="256"/>
-        </pc:sldMkLst>
-        <pc:spChg chg="add">
-          <ac:chgData name="Varner, Paige (she/her/hers)" userId="S::varner.paige@epa.gov::fc0f6d83-b290-4717-9f0d-95009db32cbd" providerId="AD" clId="Web-{ED08E105-D996-7BC6-595E-6ECE20BE6630}" dt="2023-04-11T15:25:49.974" v="1"/>
-          <ac:spMkLst>
-            <pc:docMk/>
-            <pc:sldMk cId="3145412834" sldId="256"/>
-            <ac:spMk id="9" creationId="{42A4FC2C-047E-45A5-965D-8E1E3BF09BC6}"/>
-          </ac:spMkLst>
-        </pc:spChg>
-        <pc:picChg chg="add mod modCrop">
-          <ac:chgData name="Varner, Paige (she/her/hers)" userId="S::varner.paige@epa.gov::fc0f6d83-b290-4717-9f0d-95009db32cbd" providerId="AD" clId="Web-{ED08E105-D996-7BC6-595E-6ECE20BE6630}" dt="2023-04-11T15:26:59.240" v="6" actId="1076"/>
-          <ac:picMkLst>
-            <pc:docMk/>
-            <pc:sldMk cId="3145412834" sldId="256"/>
-            <ac:picMk id="4" creationId="{C3277DBE-73E6-5781-4B8B-6E6B3551EEEB}"/>
-          </ac:picMkLst>
-        </pc:picChg>
-      </pc:sldChg>
-      <pc:sldChg chg="modSp new">
-        <pc:chgData name="Varner, Paige (she/her/hers)" userId="S::varner.paige@epa.gov::fc0f6d83-b290-4717-9f0d-95009db32cbd" providerId="AD" clId="Web-{ED08E105-D996-7BC6-595E-6ECE20BE6630}" dt="2023-04-11T16:44:04.377" v="95" actId="20577"/>
-        <pc:sldMkLst>
-          <pc:docMk/>
-          <pc:sldMk cId="2637366253" sldId="257"/>
-        </pc:sldMkLst>
-        <pc:spChg chg="mod">
-          <ac:chgData name="Varner, Paige (she/her/hers)" userId="S::varner.paige@epa.gov::fc0f6d83-b290-4717-9f0d-95009db32cbd" providerId="AD" clId="Web-{ED08E105-D996-7BC6-595E-6ECE20BE6630}" dt="2023-04-11T16:43:55.595" v="82" actId="20577"/>
-          <ac:spMkLst>
-            <pc:docMk/>
-            <pc:sldMk cId="2637366253" sldId="257"/>
-            <ac:spMk id="4" creationId="{6774AB7A-3034-44B5-8BBD-58941BACFBE9}"/>
-          </ac:spMkLst>
-        </pc:spChg>
-        <pc:spChg chg="mod">
-          <ac:chgData name="Varner, Paige (she/her/hers)" userId="S::varner.paige@epa.gov::fc0f6d83-b290-4717-9f0d-95009db32cbd" providerId="AD" clId="Web-{ED08E105-D996-7BC6-595E-6ECE20BE6630}" dt="2023-04-11T16:44:04.377" v="95" actId="20577"/>
-          <ac:spMkLst>
-            <pc:docMk/>
-            <pc:sldMk cId="2637366253" sldId="257"/>
-            <ac:spMk id="5" creationId="{479FD662-7FA9-1241-E357-1CD586678554}"/>
-          </ac:spMkLst>
-        </pc:spChg>
-      </pc:sldChg>
-      <pc:sldChg chg="modSp">
-        <pc:chgData name="Varner, Paige (she/her/hers)" userId="S::varner.paige@epa.gov::fc0f6d83-b290-4717-9f0d-95009db32cbd" providerId="AD" clId="Web-{ED08E105-D996-7BC6-595E-6ECE20BE6630}" dt="2023-04-11T15:41:08.612" v="30" actId="20577"/>
-        <pc:sldMkLst>
-          <pc:docMk/>
-          <pc:sldMk cId="3419876165" sldId="258"/>
-        </pc:sldMkLst>
-        <pc:spChg chg="mod">
-          <ac:chgData name="Varner, Paige (she/her/hers)" userId="S::varner.paige@epa.gov::fc0f6d83-b290-4717-9f0d-95009db32cbd" providerId="AD" clId="Web-{ED08E105-D996-7BC6-595E-6ECE20BE6630}" dt="2023-04-11T15:41:08.612" v="30" actId="20577"/>
-          <ac:spMkLst>
-            <pc:docMk/>
-            <pc:sldMk cId="3419876165" sldId="258"/>
-            <ac:spMk id="4" creationId="{6774AB7A-3034-44B5-8BBD-58941BACFBE9}"/>
-          </ac:spMkLst>
-        </pc:spChg>
-        <pc:spChg chg="mod">
-          <ac:chgData name="Varner, Paige (she/her/hers)" userId="S::varner.paige@epa.gov::fc0f6d83-b290-4717-9f0d-95009db32cbd" providerId="AD" clId="Web-{ED08E105-D996-7BC6-595E-6ECE20BE6630}" dt="2023-04-11T15:40:57.830" v="28" actId="20577"/>
-          <ac:spMkLst>
-            <pc:docMk/>
-            <pc:sldMk cId="3419876165" sldId="258"/>
-            <ac:spMk id="5" creationId="{479FD662-7FA9-1241-E357-1CD586678554}"/>
-          </ac:spMkLst>
-        </pc:spChg>
-      </pc:sldChg>
-      <pc:sldChg chg="modSp">
-        <pc:chgData name="Varner, Paige (she/her/hers)" userId="S::varner.paige@epa.gov::fc0f6d83-b290-4717-9f0d-95009db32cbd" providerId="AD" clId="Web-{ED08E105-D996-7BC6-595E-6ECE20BE6630}" dt="2023-04-11T16:40:24.608" v="70" actId="20577"/>
-        <pc:sldMkLst>
-          <pc:docMk/>
-          <pc:sldMk cId="3989611827" sldId="259"/>
-        </pc:sldMkLst>
-        <pc:spChg chg="mod">
-          <ac:chgData name="Varner, Paige (she/her/hers)" userId="S::varner.paige@epa.gov::fc0f6d83-b290-4717-9f0d-95009db32cbd" providerId="AD" clId="Web-{ED08E105-D996-7BC6-595E-6ECE20BE6630}" dt="2023-04-11T16:35:26.291" v="49"/>
-          <ac:spMkLst>
-            <pc:docMk/>
-            <pc:sldMk cId="3989611827" sldId="259"/>
-            <ac:spMk id="2" creationId="{6427F933-EFFA-5187-6A06-328B41BF4BE4}"/>
-          </ac:spMkLst>
-        </pc:spChg>
-        <pc:spChg chg="mod">
-          <ac:chgData name="Varner, Paige (she/her/hers)" userId="S::varner.paige@epa.gov::fc0f6d83-b290-4717-9f0d-95009db32cbd" providerId="AD" clId="Web-{ED08E105-D996-7BC6-595E-6ECE20BE6630}" dt="2023-04-11T16:35:29.697" v="50"/>
-          <ac:spMkLst>
-            <pc:docMk/>
-            <pc:sldMk cId="3989611827" sldId="259"/>
-            <ac:spMk id="3" creationId="{DAC9B4E7-F773-02AC-A796-357838431F91}"/>
-          </ac:spMkLst>
-        </pc:spChg>
-        <pc:spChg chg="mod">
-          <ac:chgData name="Varner, Paige (she/her/hers)" userId="S::varner.paige@epa.gov::fc0f6d83-b290-4717-9f0d-95009db32cbd" providerId="AD" clId="Web-{ED08E105-D996-7BC6-595E-6ECE20BE6630}" dt="2023-04-11T16:40:24.608" v="70" actId="20577"/>
-          <ac:spMkLst>
-            <pc:docMk/>
-            <pc:sldMk cId="3989611827" sldId="259"/>
-            <ac:spMk id="4" creationId="{6774AB7A-3034-44B5-8BBD-58941BACFBE9}"/>
-          </ac:spMkLst>
-        </pc:spChg>
-        <pc:spChg chg="mod">
-          <ac:chgData name="Varner, Paige (she/her/hers)" userId="S::varner.paige@epa.gov::fc0f6d83-b290-4717-9f0d-95009db32cbd" providerId="AD" clId="Web-{ED08E105-D996-7BC6-595E-6ECE20BE6630}" dt="2023-04-11T16:38:41.997" v="67" actId="20577"/>
-          <ac:spMkLst>
-            <pc:docMk/>
-            <pc:sldMk cId="3989611827" sldId="259"/>
-            <ac:spMk id="5" creationId="{479FD662-7FA9-1241-E357-1CD586678554}"/>
-          </ac:spMkLst>
-        </pc:spChg>
-      </pc:sldChg>
-      <pc:sldChg chg="addSp modSp">
-        <pc:chgData name="Varner, Paige (she/her/hers)" userId="S::varner.paige@epa.gov::fc0f6d83-b290-4717-9f0d-95009db32cbd" providerId="AD" clId="Web-{ED08E105-D996-7BC6-595E-6ECE20BE6630}" dt="2023-04-11T16:51:19.915" v="200"/>
-        <pc:sldMkLst>
-          <pc:docMk/>
-          <pc:sldMk cId="1226469851" sldId="260"/>
-        </pc:sldMkLst>
-        <pc:spChg chg="mod">
-          <ac:chgData name="Varner, Paige (she/her/hers)" userId="S::varner.paige@epa.gov::fc0f6d83-b290-4717-9f0d-95009db32cbd" providerId="AD" clId="Web-{ED08E105-D996-7BC6-595E-6ECE20BE6630}" dt="2023-04-11T16:49:56.070" v="145"/>
-          <ac:spMkLst>
-            <pc:docMk/>
-            <pc:sldMk cId="1226469851" sldId="260"/>
-            <ac:spMk id="2" creationId="{6427F933-EFFA-5187-6A06-328B41BF4BE4}"/>
-          </ac:spMkLst>
-        </pc:spChg>
-        <pc:spChg chg="mod">
-          <ac:chgData name="Varner, Paige (she/her/hers)" userId="S::varner.paige@epa.gov::fc0f6d83-b290-4717-9f0d-95009db32cbd" providerId="AD" clId="Web-{ED08E105-D996-7BC6-595E-6ECE20BE6630}" dt="2023-04-11T16:49:58.507" v="146"/>
-          <ac:spMkLst>
-            <pc:docMk/>
-            <pc:sldMk cId="1226469851" sldId="260"/>
-            <ac:spMk id="3" creationId="{DAC9B4E7-F773-02AC-A796-357838431F91}"/>
-          </ac:spMkLst>
-        </pc:spChg>
-        <pc:spChg chg="mod">
-          <ac:chgData name="Varner, Paige (she/her/hers)" userId="S::varner.paige@epa.gov::fc0f6d83-b290-4717-9f0d-95009db32cbd" providerId="AD" clId="Web-{ED08E105-D996-7BC6-595E-6ECE20BE6630}" dt="2023-04-11T16:49:09.256" v="144" actId="20577"/>
-          <ac:spMkLst>
-            <pc:docMk/>
-            <pc:sldMk cId="1226469851" sldId="260"/>
-            <ac:spMk id="4" creationId="{6774AB7A-3034-44B5-8BBD-58941BACFBE9}"/>
-          </ac:spMkLst>
-        </pc:spChg>
-        <pc:spChg chg="mod">
-          <ac:chgData name="Varner, Paige (she/her/hers)" userId="S::varner.paige@epa.gov::fc0f6d83-b290-4717-9f0d-95009db32cbd" providerId="AD" clId="Web-{ED08E105-D996-7BC6-595E-6ECE20BE6630}" dt="2023-04-11T16:48:42.397" v="113" actId="20577"/>
-          <ac:spMkLst>
-            <pc:docMk/>
-            <pc:sldMk cId="1226469851" sldId="260"/>
-            <ac:spMk id="5" creationId="{479FD662-7FA9-1241-E357-1CD586678554}"/>
-          </ac:spMkLst>
-        </pc:spChg>
-        <pc:spChg chg="add mod">
-          <ac:chgData name="Varner, Paige (she/her/hers)" userId="S::varner.paige@epa.gov::fc0f6d83-b290-4717-9f0d-95009db32cbd" providerId="AD" clId="Web-{ED08E105-D996-7BC6-595E-6ECE20BE6630}" dt="2023-04-11T16:51:19.915" v="200"/>
-          <ac:spMkLst>
-            <pc:docMk/>
-            <pc:sldMk cId="1226469851" sldId="260"/>
-            <ac:spMk id="12" creationId="{AA23B7E6-73AA-C926-F8C8-47839B07FAF7}"/>
-          </ac:spMkLst>
-        </pc:spChg>
-      </pc:sldChg>
-      <pc:sldChg chg="addSp delSp modSp ord">
-        <pc:chgData name="Varner, Paige (she/her/hers)" userId="S::varner.paige@epa.gov::fc0f6d83-b290-4717-9f0d-95009db32cbd" providerId="AD" clId="Web-{ED08E105-D996-7BC6-595E-6ECE20BE6630}" dt="2023-04-11T16:55:24.762" v="209" actId="1076"/>
-        <pc:sldMkLst>
-          <pc:docMk/>
-          <pc:sldMk cId="3243331262" sldId="261"/>
-        </pc:sldMkLst>
-        <pc:spChg chg="add mod">
-          <ac:chgData name="Varner, Paige (she/her/hers)" userId="S::varner.paige@epa.gov::fc0f6d83-b290-4717-9f0d-95009db32cbd" providerId="AD" clId="Web-{ED08E105-D996-7BC6-595E-6ECE20BE6630}" dt="2023-04-11T16:50:53.805" v="192" actId="14100"/>
-          <ac:spMkLst>
-            <pc:docMk/>
-            <pc:sldMk cId="3243331262" sldId="261"/>
-            <ac:spMk id="10" creationId="{5CE2C573-7270-5C96-F8CB-9B37D5E68572}"/>
-          </ac:spMkLst>
-        </pc:spChg>
-        <pc:picChg chg="del">
-          <ac:chgData name="Varner, Paige (she/her/hers)" userId="S::varner.paige@epa.gov::fc0f6d83-b290-4717-9f0d-95009db32cbd" providerId="AD" clId="Web-{ED08E105-D996-7BC6-595E-6ECE20BE6630}" dt="2023-04-11T16:54:39.027" v="205"/>
-          <ac:picMkLst>
-            <pc:docMk/>
-            <pc:sldMk cId="3243331262" sldId="261"/>
-            <ac:picMk id="8" creationId="{62A38EE5-B6F5-D8C4-0F85-75FC3F61DF4F}"/>
-          </ac:picMkLst>
-        </pc:picChg>
-        <pc:picChg chg="add mod">
-          <ac:chgData name="Varner, Paige (she/her/hers)" userId="S::varner.paige@epa.gov::fc0f6d83-b290-4717-9f0d-95009db32cbd" providerId="AD" clId="Web-{ED08E105-D996-7BC6-595E-6ECE20BE6630}" dt="2023-04-11T16:55:24.762" v="209" actId="1076"/>
-          <ac:picMkLst>
-            <pc:docMk/>
-            <pc:sldMk cId="3243331262" sldId="261"/>
-            <ac:picMk id="11" creationId="{B0ADD72F-D75F-F94E-08F0-1CC5231BFB3F}"/>
-          </ac:picMkLst>
-        </pc:picChg>
-      </pc:sldChg>
-      <pc:sldChg chg="addSp modSp">
-        <pc:chgData name="Varner, Paige (she/her/hers)" userId="S::varner.paige@epa.gov::fc0f6d83-b290-4717-9f0d-95009db32cbd" providerId="AD" clId="Web-{ED08E105-D996-7BC6-595E-6ECE20BE6630}" dt="2023-04-11T16:51:27.118" v="201"/>
-        <pc:sldMkLst>
-          <pc:docMk/>
-          <pc:sldMk cId="1997747637" sldId="262"/>
-        </pc:sldMkLst>
-        <pc:spChg chg="mod">
-          <ac:chgData name="Varner, Paige (she/her/hers)" userId="S::varner.paige@epa.gov::fc0f6d83-b290-4717-9f0d-95009db32cbd" providerId="AD" clId="Web-{ED08E105-D996-7BC6-595E-6ECE20BE6630}" dt="2023-04-11T16:51:09.133" v="198"/>
-          <ac:spMkLst>
-            <pc:docMk/>
-            <pc:sldMk cId="1997747637" sldId="262"/>
-            <ac:spMk id="2" creationId="{6427F933-EFFA-5187-6A06-328B41BF4BE4}"/>
-          </ac:spMkLst>
-        </pc:spChg>
-        <pc:spChg chg="mod">
-          <ac:chgData name="Varner, Paige (she/her/hers)" userId="S::varner.paige@epa.gov::fc0f6d83-b290-4717-9f0d-95009db32cbd" providerId="AD" clId="Web-{ED08E105-D996-7BC6-595E-6ECE20BE6630}" dt="2023-04-11T16:51:11.368" v="199"/>
-          <ac:spMkLst>
-            <pc:docMk/>
-            <pc:sldMk cId="1997747637" sldId="262"/>
-            <ac:spMk id="3" creationId="{DAC9B4E7-F773-02AC-A796-357838431F91}"/>
-          </ac:spMkLst>
-        </pc:spChg>
-        <pc:spChg chg="add mod">
-          <ac:chgData name="Varner, Paige (she/her/hers)" userId="S::varner.paige@epa.gov::fc0f6d83-b290-4717-9f0d-95009db32cbd" providerId="AD" clId="Web-{ED08E105-D996-7BC6-595E-6ECE20BE6630}" dt="2023-04-11T16:51:27.118" v="201"/>
-          <ac:spMkLst>
-            <pc:docMk/>
-            <pc:sldMk cId="1997747637" sldId="262"/>
-            <ac:spMk id="10" creationId="{389757B4-DDB7-938D-30F7-5784962CECB6}"/>
-          </ac:spMkLst>
-        </pc:spChg>
-      </pc:sldChg>
-    </pc:docChg>
-  </pc:docChgLst>
   <pc:docChgLst>
     <pc:chgData name="Matsler, Marissa (she/her/hers)" userId="1410ffa4-cd32-4727-bdae-74e62a85ae1d" providerId="ADAL" clId="{9D2B54E9-2AB2-4536-8C94-4FF25EC11963}"/>
     <pc:docChg chg="undo custSel addSld delSld modSld sldOrd">
@@ -826,24 +585,24 @@
     </pc:docChg>
   </pc:docChgLst>
   <pc:docChgLst>
-    <pc:chgData name="Varner, Paige (she/her/hers)" userId="S::varner.paige@epa.gov::fc0f6d83-b290-4717-9f0d-95009db32cbd" providerId="AD" clId="Web-{003A89AD-F3E6-241F-AB04-42E60A029CD3}"/>
+    <pc:chgData name="Fry, Meridith (she/her/hers)" userId="S::fry.meridith@epa.gov::744b0799-9c5f-4010-b84c-816c454cc486" providerId="AD" clId="Web-{BCF4F10D-1701-433C-8F39-6EAF882CAC0B}"/>
     <pc:docChg chg="modSld">
-      <pc:chgData name="Varner, Paige (she/her/hers)" userId="S::varner.paige@epa.gov::fc0f6d83-b290-4717-9f0d-95009db32cbd" providerId="AD" clId="Web-{003A89AD-F3E6-241F-AB04-42E60A029CD3}" dt="2023-04-12T16:44:50.729" v="290" actId="20577"/>
+      <pc:chgData name="Fry, Meridith (she/her/hers)" userId="S::fry.meridith@epa.gov::744b0799-9c5f-4010-b84c-816c454cc486" providerId="AD" clId="Web-{BCF4F10D-1701-433C-8F39-6EAF882CAC0B}" dt="2023-04-12T13:00:32.437" v="1" actId="20577"/>
       <pc:docMkLst>
         <pc:docMk/>
       </pc:docMkLst>
       <pc:sldChg chg="modSp">
-        <pc:chgData name="Varner, Paige (she/her/hers)" userId="S::varner.paige@epa.gov::fc0f6d83-b290-4717-9f0d-95009db32cbd" providerId="AD" clId="Web-{003A89AD-F3E6-241F-AB04-42E60A029CD3}" dt="2023-04-12T16:44:50.729" v="290" actId="20577"/>
+        <pc:chgData name="Fry, Meridith (she/her/hers)" userId="S::fry.meridith@epa.gov::744b0799-9c5f-4010-b84c-816c454cc486" providerId="AD" clId="Web-{BCF4F10D-1701-433C-8F39-6EAF882CAC0B}" dt="2023-04-12T13:00:32.437" v="1" actId="20577"/>
         <pc:sldMkLst>
           <pc:docMk/>
-          <pc:sldMk cId="3524633860" sldId="267"/>
+          <pc:sldMk cId="3989611827" sldId="259"/>
         </pc:sldMkLst>
         <pc:spChg chg="mod">
-          <ac:chgData name="Varner, Paige (she/her/hers)" userId="S::varner.paige@epa.gov::fc0f6d83-b290-4717-9f0d-95009db32cbd" providerId="AD" clId="Web-{003A89AD-F3E6-241F-AB04-42E60A029CD3}" dt="2023-04-12T16:44:50.729" v="290" actId="20577"/>
-          <ac:spMkLst>
-            <pc:docMk/>
-            <pc:sldMk cId="3524633860" sldId="267"/>
-            <ac:spMk id="4" creationId="{EA7FD89D-F11C-3331-50F1-55E61EDC50AA}"/>
+          <ac:chgData name="Fry, Meridith (she/her/hers)" userId="S::fry.meridith@epa.gov::744b0799-9c5f-4010-b84c-816c454cc486" providerId="AD" clId="Web-{BCF4F10D-1701-433C-8F39-6EAF882CAC0B}" dt="2023-04-12T13:00:32.437" v="1" actId="20577"/>
+          <ac:spMkLst>
+            <pc:docMk/>
+            <pc:sldMk cId="3989611827" sldId="259"/>
+            <ac:spMk id="4" creationId="{6774AB7A-3034-44B5-8BBD-58941BACFBE9}"/>
           </ac:spMkLst>
         </pc:spChg>
       </pc:sldChg>
@@ -1144,6 +903,456 @@
             <pc:docMk/>
             <pc:sldMk cId="1124510751" sldId="263"/>
             <ac:spMk id="11" creationId="{1BBCA1B9-3604-1E3D-6503-2B434E7364F1}"/>
+          </ac:spMkLst>
+        </pc:spChg>
+      </pc:sldChg>
+    </pc:docChg>
+  </pc:docChgLst>
+  <pc:docChgLst>
+    <pc:chgData name="Roemer, Kelli" userId="S::roemer.kelli@epa.gov::cdc1d093-60ef-47f5-9329-cda3558f2540" providerId="AD" clId="Web-{E666E214-8DBF-4FC1-8652-30E9224AA5F4}"/>
+    <pc:docChg chg="addSld delSld modSld">
+      <pc:chgData name="Roemer, Kelli" userId="S::roemer.kelli@epa.gov::cdc1d093-60ef-47f5-9329-cda3558f2540" providerId="AD" clId="Web-{E666E214-8DBF-4FC1-8652-30E9224AA5F4}" dt="2023-04-12T15:36:20.183" v="251" actId="20577"/>
+      <pc:docMkLst>
+        <pc:docMk/>
+      </pc:docMkLst>
+      <pc:sldChg chg="modSp">
+        <pc:chgData name="Roemer, Kelli" userId="S::roemer.kelli@epa.gov::cdc1d093-60ef-47f5-9329-cda3558f2540" providerId="AD" clId="Web-{E666E214-8DBF-4FC1-8652-30E9224AA5F4}" dt="2023-04-12T15:36:20.183" v="251" actId="20577"/>
+        <pc:sldMkLst>
+          <pc:docMk/>
+          <pc:sldMk cId="3989611827" sldId="259"/>
+        </pc:sldMkLst>
+        <pc:spChg chg="mod">
+          <ac:chgData name="Roemer, Kelli" userId="S::roemer.kelli@epa.gov::cdc1d093-60ef-47f5-9329-cda3558f2540" providerId="AD" clId="Web-{E666E214-8DBF-4FC1-8652-30E9224AA5F4}" dt="2023-04-12T15:36:20.183" v="251" actId="20577"/>
+          <ac:spMkLst>
+            <pc:docMk/>
+            <pc:sldMk cId="3989611827" sldId="259"/>
+            <ac:spMk id="13" creationId="{32F63358-C413-5F0C-AA2C-84B1790960E2}"/>
+          </ac:spMkLst>
+        </pc:spChg>
+      </pc:sldChg>
+      <pc:sldChg chg="addSp modSp">
+        <pc:chgData name="Roemer, Kelli" userId="S::roemer.kelli@epa.gov::cdc1d093-60ef-47f5-9329-cda3558f2540" providerId="AD" clId="Web-{E666E214-8DBF-4FC1-8652-30E9224AA5F4}" dt="2023-04-12T15:18:55.700" v="57" actId="14100"/>
+        <pc:sldMkLst>
+          <pc:docMk/>
+          <pc:sldMk cId="3402338812" sldId="264"/>
+        </pc:sldMkLst>
+        <pc:spChg chg="add mod">
+          <ac:chgData name="Roemer, Kelli" userId="S::roemer.kelli@epa.gov::cdc1d093-60ef-47f5-9329-cda3558f2540" providerId="AD" clId="Web-{E666E214-8DBF-4FC1-8652-30E9224AA5F4}" dt="2023-04-12T15:18:55.700" v="57" actId="14100"/>
+          <ac:spMkLst>
+            <pc:docMk/>
+            <pc:sldMk cId="3402338812" sldId="264"/>
+            <ac:spMk id="15" creationId="{CBEB9FD7-71D9-3E6D-AC9B-3D00553D039A}"/>
+          </ac:spMkLst>
+        </pc:spChg>
+      </pc:sldChg>
+      <pc:sldChg chg="addSp modSp">
+        <pc:chgData name="Roemer, Kelli" userId="S::roemer.kelli@epa.gov::cdc1d093-60ef-47f5-9329-cda3558f2540" providerId="AD" clId="Web-{E666E214-8DBF-4FC1-8652-30E9224AA5F4}" dt="2023-04-12T15:27:59.020" v="238" actId="20577"/>
+        <pc:sldMkLst>
+          <pc:docMk/>
+          <pc:sldMk cId="431036989" sldId="265"/>
+        </pc:sldMkLst>
+        <pc:spChg chg="mod">
+          <ac:chgData name="Roemer, Kelli" userId="S::roemer.kelli@epa.gov::cdc1d093-60ef-47f5-9329-cda3558f2540" providerId="AD" clId="Web-{E666E214-8DBF-4FC1-8652-30E9224AA5F4}" dt="2023-04-12T15:27:59.020" v="238" actId="20577"/>
+          <ac:spMkLst>
+            <pc:docMk/>
+            <pc:sldMk cId="431036989" sldId="265"/>
+            <ac:spMk id="15" creationId="{3DA06D0A-88ED-BBC7-5940-82343BD55444}"/>
+          </ac:spMkLst>
+        </pc:spChg>
+        <pc:cxnChg chg="add mod">
+          <ac:chgData name="Roemer, Kelli" userId="S::roemer.kelli@epa.gov::cdc1d093-60ef-47f5-9329-cda3558f2540" providerId="AD" clId="Web-{E666E214-8DBF-4FC1-8652-30E9224AA5F4}" dt="2023-04-12T15:26:09.034" v="177" actId="14100"/>
+          <ac:cxnSpMkLst>
+            <pc:docMk/>
+            <pc:sldMk cId="431036989" sldId="265"/>
+            <ac:cxnSpMk id="6" creationId="{1355C48F-E32E-39DE-93DD-7FEFC47F75CA}"/>
+          </ac:cxnSpMkLst>
+        </pc:cxnChg>
+        <pc:cxnChg chg="add mod">
+          <ac:chgData name="Roemer, Kelli" userId="S::roemer.kelli@epa.gov::cdc1d093-60ef-47f5-9329-cda3558f2540" providerId="AD" clId="Web-{E666E214-8DBF-4FC1-8652-30E9224AA5F4}" dt="2023-04-12T15:24:39.611" v="115" actId="14100"/>
+          <ac:cxnSpMkLst>
+            <pc:docMk/>
+            <pc:sldMk cId="431036989" sldId="265"/>
+            <ac:cxnSpMk id="7" creationId="{34A63D27-F8F9-1239-C667-6847C9FC9892}"/>
+          </ac:cxnSpMkLst>
+        </pc:cxnChg>
+      </pc:sldChg>
+      <pc:sldChg chg="delSp modSp add del replId">
+        <pc:chgData name="Roemer, Kelli" userId="S::roemer.kelli@epa.gov::cdc1d093-60ef-47f5-9329-cda3558f2540" providerId="AD" clId="Web-{E666E214-8DBF-4FC1-8652-30E9224AA5F4}" dt="2023-04-12T15:23:10.500" v="106"/>
+        <pc:sldMkLst>
+          <pc:docMk/>
+          <pc:sldMk cId="986803219" sldId="266"/>
+        </pc:sldMkLst>
+        <pc:spChg chg="mod">
+          <ac:chgData name="Roemer, Kelli" userId="S::roemer.kelli@epa.gov::cdc1d093-60ef-47f5-9329-cda3558f2540" providerId="AD" clId="Web-{E666E214-8DBF-4FC1-8652-30E9224AA5F4}" dt="2023-04-12T15:22:27.765" v="105" actId="20577"/>
+          <ac:spMkLst>
+            <pc:docMk/>
+            <pc:sldMk cId="986803219" sldId="266"/>
+            <ac:spMk id="4" creationId="{6774AB7A-3034-44B5-8BBD-58941BACFBE9}"/>
+          </ac:spMkLst>
+        </pc:spChg>
+        <pc:spChg chg="del">
+          <ac:chgData name="Roemer, Kelli" userId="S::roemer.kelli@epa.gov::cdc1d093-60ef-47f5-9329-cda3558f2540" providerId="AD" clId="Web-{E666E214-8DBF-4FC1-8652-30E9224AA5F4}" dt="2023-04-12T15:21:38.702" v="74"/>
+          <ac:spMkLst>
+            <pc:docMk/>
+            <pc:sldMk cId="986803219" sldId="266"/>
+            <ac:spMk id="9" creationId="{54FF9B3B-D48F-86CC-9B69-1201EE6DF0B4}"/>
+          </ac:spMkLst>
+        </pc:spChg>
+        <pc:picChg chg="mod">
+          <ac:chgData name="Roemer, Kelli" userId="S::roemer.kelli@epa.gov::cdc1d093-60ef-47f5-9329-cda3558f2540" providerId="AD" clId="Web-{E666E214-8DBF-4FC1-8652-30E9224AA5F4}" dt="2023-04-12T15:21:56.155" v="87" actId="1076"/>
+          <ac:picMkLst>
+            <pc:docMk/>
+            <pc:sldMk cId="986803219" sldId="266"/>
+            <ac:picMk id="8" creationId="{62A38EE5-B6F5-D8C4-0F85-75FC3F61DF4F}"/>
+          </ac:picMkLst>
+        </pc:picChg>
+      </pc:sldChg>
+    </pc:docChg>
+  </pc:docChgLst>
+  <pc:docChgLst>
+    <pc:chgData name="Varner, Paige (she/her/hers)" userId="S::varner.paige@epa.gov::fc0f6d83-b290-4717-9f0d-95009db32cbd" providerId="AD" clId="Web-{ED08E105-D996-7BC6-595E-6ECE20BE6630}"/>
+    <pc:docChg chg="addSld modSld sldOrd">
+      <pc:chgData name="Varner, Paige (she/her/hers)" userId="S::varner.paige@epa.gov::fc0f6d83-b290-4717-9f0d-95009db32cbd" providerId="AD" clId="Web-{ED08E105-D996-7BC6-595E-6ECE20BE6630}" dt="2023-04-11T16:55:24.762" v="209" actId="1076"/>
+      <pc:docMkLst>
+        <pc:docMk/>
+      </pc:docMkLst>
+      <pc:sldChg chg="addSp modSp mod setBg">
+        <pc:chgData name="Varner, Paige (she/her/hers)" userId="S::varner.paige@epa.gov::fc0f6d83-b290-4717-9f0d-95009db32cbd" providerId="AD" clId="Web-{ED08E105-D996-7BC6-595E-6ECE20BE6630}" dt="2023-04-11T15:26:59.240" v="6" actId="1076"/>
+        <pc:sldMkLst>
+          <pc:docMk/>
+          <pc:sldMk cId="3145412834" sldId="256"/>
+        </pc:sldMkLst>
+        <pc:spChg chg="add">
+          <ac:chgData name="Varner, Paige (she/her/hers)" userId="S::varner.paige@epa.gov::fc0f6d83-b290-4717-9f0d-95009db32cbd" providerId="AD" clId="Web-{ED08E105-D996-7BC6-595E-6ECE20BE6630}" dt="2023-04-11T15:25:49.974" v="1"/>
+          <ac:spMkLst>
+            <pc:docMk/>
+            <pc:sldMk cId="3145412834" sldId="256"/>
+            <ac:spMk id="9" creationId="{42A4FC2C-047E-45A5-965D-8E1E3BF09BC6}"/>
+          </ac:spMkLst>
+        </pc:spChg>
+        <pc:picChg chg="add mod modCrop">
+          <ac:chgData name="Varner, Paige (she/her/hers)" userId="S::varner.paige@epa.gov::fc0f6d83-b290-4717-9f0d-95009db32cbd" providerId="AD" clId="Web-{ED08E105-D996-7BC6-595E-6ECE20BE6630}" dt="2023-04-11T15:26:59.240" v="6" actId="1076"/>
+          <ac:picMkLst>
+            <pc:docMk/>
+            <pc:sldMk cId="3145412834" sldId="256"/>
+            <ac:picMk id="4" creationId="{C3277DBE-73E6-5781-4B8B-6E6B3551EEEB}"/>
+          </ac:picMkLst>
+        </pc:picChg>
+      </pc:sldChg>
+      <pc:sldChg chg="modSp new">
+        <pc:chgData name="Varner, Paige (she/her/hers)" userId="S::varner.paige@epa.gov::fc0f6d83-b290-4717-9f0d-95009db32cbd" providerId="AD" clId="Web-{ED08E105-D996-7BC6-595E-6ECE20BE6630}" dt="2023-04-11T16:44:04.377" v="95" actId="20577"/>
+        <pc:sldMkLst>
+          <pc:docMk/>
+          <pc:sldMk cId="2637366253" sldId="257"/>
+        </pc:sldMkLst>
+        <pc:spChg chg="mod">
+          <ac:chgData name="Varner, Paige (she/her/hers)" userId="S::varner.paige@epa.gov::fc0f6d83-b290-4717-9f0d-95009db32cbd" providerId="AD" clId="Web-{ED08E105-D996-7BC6-595E-6ECE20BE6630}" dt="2023-04-11T16:43:55.595" v="82" actId="20577"/>
+          <ac:spMkLst>
+            <pc:docMk/>
+            <pc:sldMk cId="2637366253" sldId="257"/>
+            <ac:spMk id="4" creationId="{6774AB7A-3034-44B5-8BBD-58941BACFBE9}"/>
+          </ac:spMkLst>
+        </pc:spChg>
+        <pc:spChg chg="mod">
+          <ac:chgData name="Varner, Paige (she/her/hers)" userId="S::varner.paige@epa.gov::fc0f6d83-b290-4717-9f0d-95009db32cbd" providerId="AD" clId="Web-{ED08E105-D996-7BC6-595E-6ECE20BE6630}" dt="2023-04-11T16:44:04.377" v="95" actId="20577"/>
+          <ac:spMkLst>
+            <pc:docMk/>
+            <pc:sldMk cId="2637366253" sldId="257"/>
+            <ac:spMk id="5" creationId="{479FD662-7FA9-1241-E357-1CD586678554}"/>
+          </ac:spMkLst>
+        </pc:spChg>
+      </pc:sldChg>
+      <pc:sldChg chg="modSp">
+        <pc:chgData name="Varner, Paige (she/her/hers)" userId="S::varner.paige@epa.gov::fc0f6d83-b290-4717-9f0d-95009db32cbd" providerId="AD" clId="Web-{ED08E105-D996-7BC6-595E-6ECE20BE6630}" dt="2023-04-11T15:41:08.612" v="30" actId="20577"/>
+        <pc:sldMkLst>
+          <pc:docMk/>
+          <pc:sldMk cId="3419876165" sldId="258"/>
+        </pc:sldMkLst>
+        <pc:spChg chg="mod">
+          <ac:chgData name="Varner, Paige (she/her/hers)" userId="S::varner.paige@epa.gov::fc0f6d83-b290-4717-9f0d-95009db32cbd" providerId="AD" clId="Web-{ED08E105-D996-7BC6-595E-6ECE20BE6630}" dt="2023-04-11T15:41:08.612" v="30" actId="20577"/>
+          <ac:spMkLst>
+            <pc:docMk/>
+            <pc:sldMk cId="3419876165" sldId="258"/>
+            <ac:spMk id="4" creationId="{6774AB7A-3034-44B5-8BBD-58941BACFBE9}"/>
+          </ac:spMkLst>
+        </pc:spChg>
+        <pc:spChg chg="mod">
+          <ac:chgData name="Varner, Paige (she/her/hers)" userId="S::varner.paige@epa.gov::fc0f6d83-b290-4717-9f0d-95009db32cbd" providerId="AD" clId="Web-{ED08E105-D996-7BC6-595E-6ECE20BE6630}" dt="2023-04-11T15:40:57.830" v="28" actId="20577"/>
+          <ac:spMkLst>
+            <pc:docMk/>
+            <pc:sldMk cId="3419876165" sldId="258"/>
+            <ac:spMk id="5" creationId="{479FD662-7FA9-1241-E357-1CD586678554}"/>
+          </ac:spMkLst>
+        </pc:spChg>
+      </pc:sldChg>
+      <pc:sldChg chg="modSp">
+        <pc:chgData name="Varner, Paige (she/her/hers)" userId="S::varner.paige@epa.gov::fc0f6d83-b290-4717-9f0d-95009db32cbd" providerId="AD" clId="Web-{ED08E105-D996-7BC6-595E-6ECE20BE6630}" dt="2023-04-11T16:40:24.608" v="70" actId="20577"/>
+        <pc:sldMkLst>
+          <pc:docMk/>
+          <pc:sldMk cId="3989611827" sldId="259"/>
+        </pc:sldMkLst>
+        <pc:spChg chg="mod">
+          <ac:chgData name="Varner, Paige (she/her/hers)" userId="S::varner.paige@epa.gov::fc0f6d83-b290-4717-9f0d-95009db32cbd" providerId="AD" clId="Web-{ED08E105-D996-7BC6-595E-6ECE20BE6630}" dt="2023-04-11T16:35:26.291" v="49"/>
+          <ac:spMkLst>
+            <pc:docMk/>
+            <pc:sldMk cId="3989611827" sldId="259"/>
+            <ac:spMk id="2" creationId="{6427F933-EFFA-5187-6A06-328B41BF4BE4}"/>
+          </ac:spMkLst>
+        </pc:spChg>
+        <pc:spChg chg="mod">
+          <ac:chgData name="Varner, Paige (she/her/hers)" userId="S::varner.paige@epa.gov::fc0f6d83-b290-4717-9f0d-95009db32cbd" providerId="AD" clId="Web-{ED08E105-D996-7BC6-595E-6ECE20BE6630}" dt="2023-04-11T16:35:29.697" v="50"/>
+          <ac:spMkLst>
+            <pc:docMk/>
+            <pc:sldMk cId="3989611827" sldId="259"/>
+            <ac:spMk id="3" creationId="{DAC9B4E7-F773-02AC-A796-357838431F91}"/>
+          </ac:spMkLst>
+        </pc:spChg>
+        <pc:spChg chg="mod">
+          <ac:chgData name="Varner, Paige (she/her/hers)" userId="S::varner.paige@epa.gov::fc0f6d83-b290-4717-9f0d-95009db32cbd" providerId="AD" clId="Web-{ED08E105-D996-7BC6-595E-6ECE20BE6630}" dt="2023-04-11T16:40:24.608" v="70" actId="20577"/>
+          <ac:spMkLst>
+            <pc:docMk/>
+            <pc:sldMk cId="3989611827" sldId="259"/>
+            <ac:spMk id="4" creationId="{6774AB7A-3034-44B5-8BBD-58941BACFBE9}"/>
+          </ac:spMkLst>
+        </pc:spChg>
+        <pc:spChg chg="mod">
+          <ac:chgData name="Varner, Paige (she/her/hers)" userId="S::varner.paige@epa.gov::fc0f6d83-b290-4717-9f0d-95009db32cbd" providerId="AD" clId="Web-{ED08E105-D996-7BC6-595E-6ECE20BE6630}" dt="2023-04-11T16:38:41.997" v="67" actId="20577"/>
+          <ac:spMkLst>
+            <pc:docMk/>
+            <pc:sldMk cId="3989611827" sldId="259"/>
+            <ac:spMk id="5" creationId="{479FD662-7FA9-1241-E357-1CD586678554}"/>
+          </ac:spMkLst>
+        </pc:spChg>
+      </pc:sldChg>
+      <pc:sldChg chg="addSp modSp">
+        <pc:chgData name="Varner, Paige (she/her/hers)" userId="S::varner.paige@epa.gov::fc0f6d83-b290-4717-9f0d-95009db32cbd" providerId="AD" clId="Web-{ED08E105-D996-7BC6-595E-6ECE20BE6630}" dt="2023-04-11T16:51:19.915" v="200"/>
+        <pc:sldMkLst>
+          <pc:docMk/>
+          <pc:sldMk cId="1226469851" sldId="260"/>
+        </pc:sldMkLst>
+        <pc:spChg chg="mod">
+          <ac:chgData name="Varner, Paige (she/her/hers)" userId="S::varner.paige@epa.gov::fc0f6d83-b290-4717-9f0d-95009db32cbd" providerId="AD" clId="Web-{ED08E105-D996-7BC6-595E-6ECE20BE6630}" dt="2023-04-11T16:49:56.070" v="145"/>
+          <ac:spMkLst>
+            <pc:docMk/>
+            <pc:sldMk cId="1226469851" sldId="260"/>
+            <ac:spMk id="2" creationId="{6427F933-EFFA-5187-6A06-328B41BF4BE4}"/>
+          </ac:spMkLst>
+        </pc:spChg>
+        <pc:spChg chg="mod">
+          <ac:chgData name="Varner, Paige (she/her/hers)" userId="S::varner.paige@epa.gov::fc0f6d83-b290-4717-9f0d-95009db32cbd" providerId="AD" clId="Web-{ED08E105-D996-7BC6-595E-6ECE20BE6630}" dt="2023-04-11T16:49:58.507" v="146"/>
+          <ac:spMkLst>
+            <pc:docMk/>
+            <pc:sldMk cId="1226469851" sldId="260"/>
+            <ac:spMk id="3" creationId="{DAC9B4E7-F773-02AC-A796-357838431F91}"/>
+          </ac:spMkLst>
+        </pc:spChg>
+        <pc:spChg chg="mod">
+          <ac:chgData name="Varner, Paige (she/her/hers)" userId="S::varner.paige@epa.gov::fc0f6d83-b290-4717-9f0d-95009db32cbd" providerId="AD" clId="Web-{ED08E105-D996-7BC6-595E-6ECE20BE6630}" dt="2023-04-11T16:49:09.256" v="144" actId="20577"/>
+          <ac:spMkLst>
+            <pc:docMk/>
+            <pc:sldMk cId="1226469851" sldId="260"/>
+            <ac:spMk id="4" creationId="{6774AB7A-3034-44B5-8BBD-58941BACFBE9}"/>
+          </ac:spMkLst>
+        </pc:spChg>
+        <pc:spChg chg="mod">
+          <ac:chgData name="Varner, Paige (she/her/hers)" userId="S::varner.paige@epa.gov::fc0f6d83-b290-4717-9f0d-95009db32cbd" providerId="AD" clId="Web-{ED08E105-D996-7BC6-595E-6ECE20BE6630}" dt="2023-04-11T16:48:42.397" v="113" actId="20577"/>
+          <ac:spMkLst>
+            <pc:docMk/>
+            <pc:sldMk cId="1226469851" sldId="260"/>
+            <ac:spMk id="5" creationId="{479FD662-7FA9-1241-E357-1CD586678554}"/>
+          </ac:spMkLst>
+        </pc:spChg>
+        <pc:spChg chg="add mod">
+          <ac:chgData name="Varner, Paige (she/her/hers)" userId="S::varner.paige@epa.gov::fc0f6d83-b290-4717-9f0d-95009db32cbd" providerId="AD" clId="Web-{ED08E105-D996-7BC6-595E-6ECE20BE6630}" dt="2023-04-11T16:51:19.915" v="200"/>
+          <ac:spMkLst>
+            <pc:docMk/>
+            <pc:sldMk cId="1226469851" sldId="260"/>
+            <ac:spMk id="12" creationId="{AA23B7E6-73AA-C926-F8C8-47839B07FAF7}"/>
+          </ac:spMkLst>
+        </pc:spChg>
+      </pc:sldChg>
+      <pc:sldChg chg="addSp delSp modSp ord">
+        <pc:chgData name="Varner, Paige (she/her/hers)" userId="S::varner.paige@epa.gov::fc0f6d83-b290-4717-9f0d-95009db32cbd" providerId="AD" clId="Web-{ED08E105-D996-7BC6-595E-6ECE20BE6630}" dt="2023-04-11T16:55:24.762" v="209" actId="1076"/>
+        <pc:sldMkLst>
+          <pc:docMk/>
+          <pc:sldMk cId="3243331262" sldId="261"/>
+        </pc:sldMkLst>
+        <pc:spChg chg="add mod">
+          <ac:chgData name="Varner, Paige (she/her/hers)" userId="S::varner.paige@epa.gov::fc0f6d83-b290-4717-9f0d-95009db32cbd" providerId="AD" clId="Web-{ED08E105-D996-7BC6-595E-6ECE20BE6630}" dt="2023-04-11T16:50:53.805" v="192" actId="14100"/>
+          <ac:spMkLst>
+            <pc:docMk/>
+            <pc:sldMk cId="3243331262" sldId="261"/>
+            <ac:spMk id="10" creationId="{5CE2C573-7270-5C96-F8CB-9B37D5E68572}"/>
+          </ac:spMkLst>
+        </pc:spChg>
+        <pc:picChg chg="del">
+          <ac:chgData name="Varner, Paige (she/her/hers)" userId="S::varner.paige@epa.gov::fc0f6d83-b290-4717-9f0d-95009db32cbd" providerId="AD" clId="Web-{ED08E105-D996-7BC6-595E-6ECE20BE6630}" dt="2023-04-11T16:54:39.027" v="205"/>
+          <ac:picMkLst>
+            <pc:docMk/>
+            <pc:sldMk cId="3243331262" sldId="261"/>
+            <ac:picMk id="8" creationId="{62A38EE5-B6F5-D8C4-0F85-75FC3F61DF4F}"/>
+          </ac:picMkLst>
+        </pc:picChg>
+        <pc:picChg chg="add mod">
+          <ac:chgData name="Varner, Paige (she/her/hers)" userId="S::varner.paige@epa.gov::fc0f6d83-b290-4717-9f0d-95009db32cbd" providerId="AD" clId="Web-{ED08E105-D996-7BC6-595E-6ECE20BE6630}" dt="2023-04-11T16:55:24.762" v="209" actId="1076"/>
+          <ac:picMkLst>
+            <pc:docMk/>
+            <pc:sldMk cId="3243331262" sldId="261"/>
+            <ac:picMk id="11" creationId="{B0ADD72F-D75F-F94E-08F0-1CC5231BFB3F}"/>
+          </ac:picMkLst>
+        </pc:picChg>
+      </pc:sldChg>
+      <pc:sldChg chg="addSp modSp">
+        <pc:chgData name="Varner, Paige (she/her/hers)" userId="S::varner.paige@epa.gov::fc0f6d83-b290-4717-9f0d-95009db32cbd" providerId="AD" clId="Web-{ED08E105-D996-7BC6-595E-6ECE20BE6630}" dt="2023-04-11T16:51:27.118" v="201"/>
+        <pc:sldMkLst>
+          <pc:docMk/>
+          <pc:sldMk cId="1997747637" sldId="262"/>
+        </pc:sldMkLst>
+        <pc:spChg chg="mod">
+          <ac:chgData name="Varner, Paige (she/her/hers)" userId="S::varner.paige@epa.gov::fc0f6d83-b290-4717-9f0d-95009db32cbd" providerId="AD" clId="Web-{ED08E105-D996-7BC6-595E-6ECE20BE6630}" dt="2023-04-11T16:51:09.133" v="198"/>
+          <ac:spMkLst>
+            <pc:docMk/>
+            <pc:sldMk cId="1997747637" sldId="262"/>
+            <ac:spMk id="2" creationId="{6427F933-EFFA-5187-6A06-328B41BF4BE4}"/>
+          </ac:spMkLst>
+        </pc:spChg>
+        <pc:spChg chg="mod">
+          <ac:chgData name="Varner, Paige (she/her/hers)" userId="S::varner.paige@epa.gov::fc0f6d83-b290-4717-9f0d-95009db32cbd" providerId="AD" clId="Web-{ED08E105-D996-7BC6-595E-6ECE20BE6630}" dt="2023-04-11T16:51:11.368" v="199"/>
+          <ac:spMkLst>
+            <pc:docMk/>
+            <pc:sldMk cId="1997747637" sldId="262"/>
+            <ac:spMk id="3" creationId="{DAC9B4E7-F773-02AC-A796-357838431F91}"/>
+          </ac:spMkLst>
+        </pc:spChg>
+        <pc:spChg chg="add mod">
+          <ac:chgData name="Varner, Paige (she/her/hers)" userId="S::varner.paige@epa.gov::fc0f6d83-b290-4717-9f0d-95009db32cbd" providerId="AD" clId="Web-{ED08E105-D996-7BC6-595E-6ECE20BE6630}" dt="2023-04-11T16:51:27.118" v="201"/>
+          <ac:spMkLst>
+            <pc:docMk/>
+            <pc:sldMk cId="1997747637" sldId="262"/>
+            <ac:spMk id="10" creationId="{389757B4-DDB7-938D-30F7-5784962CECB6}"/>
+          </ac:spMkLst>
+        </pc:spChg>
+      </pc:sldChg>
+    </pc:docChg>
+  </pc:docChgLst>
+  <pc:docChgLst>
+    <pc:chgData name="Varner, Paige (she/her/hers)" userId="S::varner.paige@epa.gov::fc0f6d83-b290-4717-9f0d-95009db32cbd" providerId="AD" clId="Web-{003A89AD-F3E6-241F-AB04-42E60A029CD3}"/>
+    <pc:docChg chg="modSld">
+      <pc:chgData name="Varner, Paige (she/her/hers)" userId="S::varner.paige@epa.gov::fc0f6d83-b290-4717-9f0d-95009db32cbd" providerId="AD" clId="Web-{003A89AD-F3E6-241F-AB04-42E60A029CD3}" dt="2023-04-12T16:44:50.729" v="290" actId="20577"/>
+      <pc:docMkLst>
+        <pc:docMk/>
+      </pc:docMkLst>
+      <pc:sldChg chg="modSp">
+        <pc:chgData name="Varner, Paige (she/her/hers)" userId="S::varner.paige@epa.gov::fc0f6d83-b290-4717-9f0d-95009db32cbd" providerId="AD" clId="Web-{003A89AD-F3E6-241F-AB04-42E60A029CD3}" dt="2023-04-12T16:44:50.729" v="290" actId="20577"/>
+        <pc:sldMkLst>
+          <pc:docMk/>
+          <pc:sldMk cId="3524633860" sldId="267"/>
+        </pc:sldMkLst>
+        <pc:spChg chg="mod">
+          <ac:chgData name="Varner, Paige (she/her/hers)" userId="S::varner.paige@epa.gov::fc0f6d83-b290-4717-9f0d-95009db32cbd" providerId="AD" clId="Web-{003A89AD-F3E6-241F-AB04-42E60A029CD3}" dt="2023-04-12T16:44:50.729" v="290" actId="20577"/>
+          <ac:spMkLst>
+            <pc:docMk/>
+            <pc:sldMk cId="3524633860" sldId="267"/>
+            <ac:spMk id="4" creationId="{EA7FD89D-F11C-3331-50F1-55E61EDC50AA}"/>
+          </ac:spMkLst>
+        </pc:spChg>
+      </pc:sldChg>
+    </pc:docChg>
+  </pc:docChgLst>
+  <pc:docChgLst>
+    <pc:chgData name="Fry, Meridith (she/her/hers)" userId="744b0799-9c5f-4010-b84c-816c454cc486" providerId="ADAL" clId="{B448CFAC-879E-423A-8E7D-4DD1035F7C5E}"/>
+    <pc:docChg chg="custSel modSld">
+      <pc:chgData name="Fry, Meridith (she/her/hers)" userId="744b0799-9c5f-4010-b84c-816c454cc486" providerId="ADAL" clId="{B448CFAC-879E-423A-8E7D-4DD1035F7C5E}" dt="2023-06-14T16:46:49.366" v="31" actId="20577"/>
+      <pc:docMkLst>
+        <pc:docMk/>
+      </pc:docMkLst>
+      <pc:sldChg chg="modSp mod">
+        <pc:chgData name="Fry, Meridith (she/her/hers)" userId="744b0799-9c5f-4010-b84c-816c454cc486" providerId="ADAL" clId="{B448CFAC-879E-423A-8E7D-4DD1035F7C5E}" dt="2023-06-14T16:45:10.374" v="4" actId="33524"/>
+        <pc:sldMkLst>
+          <pc:docMk/>
+          <pc:sldMk cId="3989611827" sldId="259"/>
+        </pc:sldMkLst>
+        <pc:spChg chg="mod">
+          <ac:chgData name="Fry, Meridith (she/her/hers)" userId="744b0799-9c5f-4010-b84c-816c454cc486" providerId="ADAL" clId="{B448CFAC-879E-423A-8E7D-4DD1035F7C5E}" dt="2023-06-14T16:45:10.374" v="4" actId="33524"/>
+          <ac:spMkLst>
+            <pc:docMk/>
+            <pc:sldMk cId="3989611827" sldId="259"/>
+            <ac:spMk id="4" creationId="{6774AB7A-3034-44B5-8BBD-58941BACFBE9}"/>
+          </ac:spMkLst>
+        </pc:spChg>
+      </pc:sldChg>
+      <pc:sldChg chg="modSp mod">
+        <pc:chgData name="Fry, Meridith (she/her/hers)" userId="744b0799-9c5f-4010-b84c-816c454cc486" providerId="ADAL" clId="{B448CFAC-879E-423A-8E7D-4DD1035F7C5E}" dt="2023-06-14T16:44:35.796" v="1" actId="20577"/>
+        <pc:sldMkLst>
+          <pc:docMk/>
+          <pc:sldMk cId="1226469851" sldId="260"/>
+        </pc:sldMkLst>
+        <pc:spChg chg="mod">
+          <ac:chgData name="Fry, Meridith (she/her/hers)" userId="744b0799-9c5f-4010-b84c-816c454cc486" providerId="ADAL" clId="{B448CFAC-879E-423A-8E7D-4DD1035F7C5E}" dt="2023-06-14T16:44:35.796" v="1" actId="20577"/>
+          <ac:spMkLst>
+            <pc:docMk/>
+            <pc:sldMk cId="1226469851" sldId="260"/>
+            <ac:spMk id="4" creationId="{6774AB7A-3034-44B5-8BBD-58941BACFBE9}"/>
+          </ac:spMkLst>
+        </pc:spChg>
+      </pc:sldChg>
+      <pc:sldChg chg="modSp mod">
+        <pc:chgData name="Fry, Meridith (she/her/hers)" userId="744b0799-9c5f-4010-b84c-816c454cc486" providerId="ADAL" clId="{B448CFAC-879E-423A-8E7D-4DD1035F7C5E}" dt="2023-06-14T16:44:31.714" v="0" actId="20577"/>
+        <pc:sldMkLst>
+          <pc:docMk/>
+          <pc:sldMk cId="3243331262" sldId="261"/>
+        </pc:sldMkLst>
+        <pc:spChg chg="mod">
+          <ac:chgData name="Fry, Meridith (she/her/hers)" userId="744b0799-9c5f-4010-b84c-816c454cc486" providerId="ADAL" clId="{B448CFAC-879E-423A-8E7D-4DD1035F7C5E}" dt="2023-06-14T16:44:31.714" v="0" actId="20577"/>
+          <ac:spMkLst>
+            <pc:docMk/>
+            <pc:sldMk cId="3243331262" sldId="261"/>
+            <ac:spMk id="4" creationId="{6774AB7A-3034-44B5-8BBD-58941BACFBE9}"/>
+          </ac:spMkLst>
+        </pc:spChg>
+      </pc:sldChg>
+      <pc:sldChg chg="modSp mod">
+        <pc:chgData name="Fry, Meridith (she/her/hers)" userId="744b0799-9c5f-4010-b84c-816c454cc486" providerId="ADAL" clId="{B448CFAC-879E-423A-8E7D-4DD1035F7C5E}" dt="2023-06-14T16:44:57.791" v="2" actId="6549"/>
+        <pc:sldMkLst>
+          <pc:docMk/>
+          <pc:sldMk cId="1997747637" sldId="262"/>
+        </pc:sldMkLst>
+        <pc:spChg chg="mod">
+          <ac:chgData name="Fry, Meridith (she/her/hers)" userId="744b0799-9c5f-4010-b84c-816c454cc486" providerId="ADAL" clId="{B448CFAC-879E-423A-8E7D-4DD1035F7C5E}" dt="2023-06-14T16:44:57.791" v="2" actId="6549"/>
+          <ac:spMkLst>
+            <pc:docMk/>
+            <pc:sldMk cId="1997747637" sldId="262"/>
+            <ac:spMk id="4" creationId="{6774AB7A-3034-44B5-8BBD-58941BACFBE9}"/>
+          </ac:spMkLst>
+        </pc:spChg>
+      </pc:sldChg>
+      <pc:sldChg chg="modSp mod">
+        <pc:chgData name="Fry, Meridith (she/her/hers)" userId="744b0799-9c5f-4010-b84c-816c454cc486" providerId="ADAL" clId="{B448CFAC-879E-423A-8E7D-4DD1035F7C5E}" dt="2023-06-14T16:45:21.341" v="6" actId="6549"/>
+        <pc:sldMkLst>
+          <pc:docMk/>
+          <pc:sldMk cId="3402338812" sldId="264"/>
+        </pc:sldMkLst>
+        <pc:spChg chg="mod">
+          <ac:chgData name="Fry, Meridith (she/her/hers)" userId="744b0799-9c5f-4010-b84c-816c454cc486" providerId="ADAL" clId="{B448CFAC-879E-423A-8E7D-4DD1035F7C5E}" dt="2023-06-14T16:45:21.341" v="6" actId="6549"/>
+          <ac:spMkLst>
+            <pc:docMk/>
+            <pc:sldMk cId="3402338812" sldId="264"/>
+            <ac:spMk id="4" creationId="{6774AB7A-3034-44B5-8BBD-58941BACFBE9}"/>
+          </ac:spMkLst>
+        </pc:spChg>
+      </pc:sldChg>
+      <pc:sldChg chg="modSp mod">
+        <pc:chgData name="Fry, Meridith (she/her/hers)" userId="744b0799-9c5f-4010-b84c-816c454cc486" providerId="ADAL" clId="{B448CFAC-879E-423A-8E7D-4DD1035F7C5E}" dt="2023-06-14T16:46:49.366" v="31" actId="20577"/>
+        <pc:sldMkLst>
+          <pc:docMk/>
+          <pc:sldMk cId="3524633860" sldId="267"/>
+        </pc:sldMkLst>
+        <pc:spChg chg="mod">
+          <ac:chgData name="Fry, Meridith (she/her/hers)" userId="744b0799-9c5f-4010-b84c-816c454cc486" providerId="ADAL" clId="{B448CFAC-879E-423A-8E7D-4DD1035F7C5E}" dt="2023-06-14T16:46:49.366" v="31" actId="20577"/>
+          <ac:spMkLst>
+            <pc:docMk/>
+            <pc:sldMk cId="3524633860" sldId="267"/>
+            <ac:spMk id="4" creationId="{EA7FD89D-F11C-3331-50F1-55E61EDC50AA}"/>
           </ac:spMkLst>
         </pc:spChg>
       </pc:sldChg>
@@ -1347,131 +1556,6 @@
           <pc:docMk/>
           <pc:sldMk cId="3164985413" sldId="269"/>
         </pc:sldMkLst>
-      </pc:sldChg>
-    </pc:docChg>
-  </pc:docChgLst>
-  <pc:docChgLst>
-    <pc:chgData name="Fry, Meridith (she/her/hers)" userId="S::fry.meridith@epa.gov::744b0799-9c5f-4010-b84c-816c454cc486" providerId="AD" clId="Web-{BCF4F10D-1701-433C-8F39-6EAF882CAC0B}"/>
-    <pc:docChg chg="modSld">
-      <pc:chgData name="Fry, Meridith (she/her/hers)" userId="S::fry.meridith@epa.gov::744b0799-9c5f-4010-b84c-816c454cc486" providerId="AD" clId="Web-{BCF4F10D-1701-433C-8F39-6EAF882CAC0B}" dt="2023-04-12T13:00:32.437" v="1" actId="20577"/>
-      <pc:docMkLst>
-        <pc:docMk/>
-      </pc:docMkLst>
-      <pc:sldChg chg="modSp">
-        <pc:chgData name="Fry, Meridith (she/her/hers)" userId="S::fry.meridith@epa.gov::744b0799-9c5f-4010-b84c-816c454cc486" providerId="AD" clId="Web-{BCF4F10D-1701-433C-8F39-6EAF882CAC0B}" dt="2023-04-12T13:00:32.437" v="1" actId="20577"/>
-        <pc:sldMkLst>
-          <pc:docMk/>
-          <pc:sldMk cId="3989611827" sldId="259"/>
-        </pc:sldMkLst>
-        <pc:spChg chg="mod">
-          <ac:chgData name="Fry, Meridith (she/her/hers)" userId="S::fry.meridith@epa.gov::744b0799-9c5f-4010-b84c-816c454cc486" providerId="AD" clId="Web-{BCF4F10D-1701-433C-8F39-6EAF882CAC0B}" dt="2023-04-12T13:00:32.437" v="1" actId="20577"/>
-          <ac:spMkLst>
-            <pc:docMk/>
-            <pc:sldMk cId="3989611827" sldId="259"/>
-            <ac:spMk id="4" creationId="{6774AB7A-3034-44B5-8BBD-58941BACFBE9}"/>
-          </ac:spMkLst>
-        </pc:spChg>
-      </pc:sldChg>
-    </pc:docChg>
-  </pc:docChgLst>
-  <pc:docChgLst>
-    <pc:chgData name="Roemer, Kelli" userId="S::roemer.kelli@epa.gov::cdc1d093-60ef-47f5-9329-cda3558f2540" providerId="AD" clId="Web-{E666E214-8DBF-4FC1-8652-30E9224AA5F4}"/>
-    <pc:docChg chg="addSld delSld modSld">
-      <pc:chgData name="Roemer, Kelli" userId="S::roemer.kelli@epa.gov::cdc1d093-60ef-47f5-9329-cda3558f2540" providerId="AD" clId="Web-{E666E214-8DBF-4FC1-8652-30E9224AA5F4}" dt="2023-04-12T15:36:20.183" v="251" actId="20577"/>
-      <pc:docMkLst>
-        <pc:docMk/>
-      </pc:docMkLst>
-      <pc:sldChg chg="modSp">
-        <pc:chgData name="Roemer, Kelli" userId="S::roemer.kelli@epa.gov::cdc1d093-60ef-47f5-9329-cda3558f2540" providerId="AD" clId="Web-{E666E214-8DBF-4FC1-8652-30E9224AA5F4}" dt="2023-04-12T15:36:20.183" v="251" actId="20577"/>
-        <pc:sldMkLst>
-          <pc:docMk/>
-          <pc:sldMk cId="3989611827" sldId="259"/>
-        </pc:sldMkLst>
-        <pc:spChg chg="mod">
-          <ac:chgData name="Roemer, Kelli" userId="S::roemer.kelli@epa.gov::cdc1d093-60ef-47f5-9329-cda3558f2540" providerId="AD" clId="Web-{E666E214-8DBF-4FC1-8652-30E9224AA5F4}" dt="2023-04-12T15:36:20.183" v="251" actId="20577"/>
-          <ac:spMkLst>
-            <pc:docMk/>
-            <pc:sldMk cId="3989611827" sldId="259"/>
-            <ac:spMk id="13" creationId="{32F63358-C413-5F0C-AA2C-84B1790960E2}"/>
-          </ac:spMkLst>
-        </pc:spChg>
-      </pc:sldChg>
-      <pc:sldChg chg="addSp modSp">
-        <pc:chgData name="Roemer, Kelli" userId="S::roemer.kelli@epa.gov::cdc1d093-60ef-47f5-9329-cda3558f2540" providerId="AD" clId="Web-{E666E214-8DBF-4FC1-8652-30E9224AA5F4}" dt="2023-04-12T15:18:55.700" v="57" actId="14100"/>
-        <pc:sldMkLst>
-          <pc:docMk/>
-          <pc:sldMk cId="3402338812" sldId="264"/>
-        </pc:sldMkLst>
-        <pc:spChg chg="add mod">
-          <ac:chgData name="Roemer, Kelli" userId="S::roemer.kelli@epa.gov::cdc1d093-60ef-47f5-9329-cda3558f2540" providerId="AD" clId="Web-{E666E214-8DBF-4FC1-8652-30E9224AA5F4}" dt="2023-04-12T15:18:55.700" v="57" actId="14100"/>
-          <ac:spMkLst>
-            <pc:docMk/>
-            <pc:sldMk cId="3402338812" sldId="264"/>
-            <ac:spMk id="15" creationId="{CBEB9FD7-71D9-3E6D-AC9B-3D00553D039A}"/>
-          </ac:spMkLst>
-        </pc:spChg>
-      </pc:sldChg>
-      <pc:sldChg chg="addSp modSp">
-        <pc:chgData name="Roemer, Kelli" userId="S::roemer.kelli@epa.gov::cdc1d093-60ef-47f5-9329-cda3558f2540" providerId="AD" clId="Web-{E666E214-8DBF-4FC1-8652-30E9224AA5F4}" dt="2023-04-12T15:27:59.020" v="238" actId="20577"/>
-        <pc:sldMkLst>
-          <pc:docMk/>
-          <pc:sldMk cId="431036989" sldId="265"/>
-        </pc:sldMkLst>
-        <pc:spChg chg="mod">
-          <ac:chgData name="Roemer, Kelli" userId="S::roemer.kelli@epa.gov::cdc1d093-60ef-47f5-9329-cda3558f2540" providerId="AD" clId="Web-{E666E214-8DBF-4FC1-8652-30E9224AA5F4}" dt="2023-04-12T15:27:59.020" v="238" actId="20577"/>
-          <ac:spMkLst>
-            <pc:docMk/>
-            <pc:sldMk cId="431036989" sldId="265"/>
-            <ac:spMk id="15" creationId="{3DA06D0A-88ED-BBC7-5940-82343BD55444}"/>
-          </ac:spMkLst>
-        </pc:spChg>
-        <pc:cxnChg chg="add mod">
-          <ac:chgData name="Roemer, Kelli" userId="S::roemer.kelli@epa.gov::cdc1d093-60ef-47f5-9329-cda3558f2540" providerId="AD" clId="Web-{E666E214-8DBF-4FC1-8652-30E9224AA5F4}" dt="2023-04-12T15:26:09.034" v="177" actId="14100"/>
-          <ac:cxnSpMkLst>
-            <pc:docMk/>
-            <pc:sldMk cId="431036989" sldId="265"/>
-            <ac:cxnSpMk id="6" creationId="{1355C48F-E32E-39DE-93DD-7FEFC47F75CA}"/>
-          </ac:cxnSpMkLst>
-        </pc:cxnChg>
-        <pc:cxnChg chg="add mod">
-          <ac:chgData name="Roemer, Kelli" userId="S::roemer.kelli@epa.gov::cdc1d093-60ef-47f5-9329-cda3558f2540" providerId="AD" clId="Web-{E666E214-8DBF-4FC1-8652-30E9224AA5F4}" dt="2023-04-12T15:24:39.611" v="115" actId="14100"/>
-          <ac:cxnSpMkLst>
-            <pc:docMk/>
-            <pc:sldMk cId="431036989" sldId="265"/>
-            <ac:cxnSpMk id="7" creationId="{34A63D27-F8F9-1239-C667-6847C9FC9892}"/>
-          </ac:cxnSpMkLst>
-        </pc:cxnChg>
-      </pc:sldChg>
-      <pc:sldChg chg="delSp modSp add del replId">
-        <pc:chgData name="Roemer, Kelli" userId="S::roemer.kelli@epa.gov::cdc1d093-60ef-47f5-9329-cda3558f2540" providerId="AD" clId="Web-{E666E214-8DBF-4FC1-8652-30E9224AA5F4}" dt="2023-04-12T15:23:10.500" v="106"/>
-        <pc:sldMkLst>
-          <pc:docMk/>
-          <pc:sldMk cId="986803219" sldId="266"/>
-        </pc:sldMkLst>
-        <pc:spChg chg="mod">
-          <ac:chgData name="Roemer, Kelli" userId="S::roemer.kelli@epa.gov::cdc1d093-60ef-47f5-9329-cda3558f2540" providerId="AD" clId="Web-{E666E214-8DBF-4FC1-8652-30E9224AA5F4}" dt="2023-04-12T15:22:27.765" v="105" actId="20577"/>
-          <ac:spMkLst>
-            <pc:docMk/>
-            <pc:sldMk cId="986803219" sldId="266"/>
-            <ac:spMk id="4" creationId="{6774AB7A-3034-44B5-8BBD-58941BACFBE9}"/>
-          </ac:spMkLst>
-        </pc:spChg>
-        <pc:spChg chg="del">
-          <ac:chgData name="Roemer, Kelli" userId="S::roemer.kelli@epa.gov::cdc1d093-60ef-47f5-9329-cda3558f2540" providerId="AD" clId="Web-{E666E214-8DBF-4FC1-8652-30E9224AA5F4}" dt="2023-04-12T15:21:38.702" v="74"/>
-          <ac:spMkLst>
-            <pc:docMk/>
-            <pc:sldMk cId="986803219" sldId="266"/>
-            <ac:spMk id="9" creationId="{54FF9B3B-D48F-86CC-9B69-1201EE6DF0B4}"/>
-          </ac:spMkLst>
-        </pc:spChg>
-        <pc:picChg chg="mod">
-          <ac:chgData name="Roemer, Kelli" userId="S::roemer.kelli@epa.gov::cdc1d093-60ef-47f5-9329-cda3558f2540" providerId="AD" clId="Web-{E666E214-8DBF-4FC1-8652-30E9224AA5F4}" dt="2023-04-12T15:21:56.155" v="87" actId="1076"/>
-          <ac:picMkLst>
-            <pc:docMk/>
-            <pc:sldMk cId="986803219" sldId="266"/>
-            <ac:picMk id="8" creationId="{62A38EE5-B6F5-D8C4-0F85-75FC3F61DF4F}"/>
-          </ac:picMkLst>
-        </pc:picChg>
       </pc:sldChg>
     </pc:docChg>
   </pc:docChgLst>
@@ -1560,7 +1644,7 @@
           <a:p>
             <a:fld id="{9E6ED5E1-6901-4F50-9885-93F2D4E535B8}" type="datetimeFigureOut">
               <a:rPr lang="en-US" smtClean="0"/>
-              <a:t>4/12/2023</a:t>
+              <a:t>6/14/2023</a:t>
             </a:fld>
             <a:endParaRPr lang="en-US"/>
           </a:p>
@@ -2058,7 +2142,7 @@
           <a:p>
             <a:fld id="{F92F5159-0039-4F61-9C82-ED7B693482C3}" type="datetimeFigureOut">
               <a:rPr lang="en-US" smtClean="0"/>
-              <a:t>4/12/2023</a:t>
+              <a:t>6/14/2023</a:t>
             </a:fld>
             <a:endParaRPr lang="en-US"/>
           </a:p>
@@ -2256,7 +2340,7 @@
           <a:p>
             <a:fld id="{F92F5159-0039-4F61-9C82-ED7B693482C3}" type="datetimeFigureOut">
               <a:rPr lang="en-US" smtClean="0"/>
-              <a:t>4/12/2023</a:t>
+              <a:t>6/14/2023</a:t>
             </a:fld>
             <a:endParaRPr lang="en-US"/>
           </a:p>
@@ -2464,7 +2548,7 @@
           <a:p>
             <a:fld id="{F92F5159-0039-4F61-9C82-ED7B693482C3}" type="datetimeFigureOut">
               <a:rPr lang="en-US" smtClean="0"/>
-              <a:t>4/12/2023</a:t>
+              <a:t>6/14/2023</a:t>
             </a:fld>
             <a:endParaRPr lang="en-US"/>
           </a:p>
@@ -2662,7 +2746,7 @@
           <a:p>
             <a:fld id="{F92F5159-0039-4F61-9C82-ED7B693482C3}" type="datetimeFigureOut">
               <a:rPr lang="en-US" smtClean="0"/>
-              <a:t>4/12/2023</a:t>
+              <a:t>6/14/2023</a:t>
             </a:fld>
             <a:endParaRPr lang="en-US"/>
           </a:p>
@@ -2937,7 +3021,7 @@
           <a:p>
             <a:fld id="{F92F5159-0039-4F61-9C82-ED7B693482C3}" type="datetimeFigureOut">
               <a:rPr lang="en-US" smtClean="0"/>
-              <a:t>4/12/2023</a:t>
+              <a:t>6/14/2023</a:t>
             </a:fld>
             <a:endParaRPr lang="en-US"/>
           </a:p>
@@ -3202,7 +3286,7 @@
           <a:p>
             <a:fld id="{F92F5159-0039-4F61-9C82-ED7B693482C3}" type="datetimeFigureOut">
               <a:rPr lang="en-US" smtClean="0"/>
-              <a:t>4/12/2023</a:t>
+              <a:t>6/14/2023</a:t>
             </a:fld>
             <a:endParaRPr lang="en-US"/>
           </a:p>
@@ -3614,7 +3698,7 @@
           <a:p>
             <a:fld id="{F92F5159-0039-4F61-9C82-ED7B693482C3}" type="datetimeFigureOut">
               <a:rPr lang="en-US" smtClean="0"/>
-              <a:t>4/12/2023</a:t>
+              <a:t>6/14/2023</a:t>
             </a:fld>
             <a:endParaRPr lang="en-US"/>
           </a:p>
@@ -3755,7 +3839,7 @@
           <a:p>
             <a:fld id="{F92F5159-0039-4F61-9C82-ED7B693482C3}" type="datetimeFigureOut">
               <a:rPr lang="en-US" smtClean="0"/>
-              <a:t>4/12/2023</a:t>
+              <a:t>6/14/2023</a:t>
             </a:fld>
             <a:endParaRPr lang="en-US"/>
           </a:p>
@@ -3868,7 +3952,7 @@
           <a:p>
             <a:fld id="{F92F5159-0039-4F61-9C82-ED7B693482C3}" type="datetimeFigureOut">
               <a:rPr lang="en-US" smtClean="0"/>
-              <a:t>4/12/2023</a:t>
+              <a:t>6/14/2023</a:t>
             </a:fld>
             <a:endParaRPr lang="en-US"/>
           </a:p>
@@ -4179,7 +4263,7 @@
           <a:p>
             <a:fld id="{F92F5159-0039-4F61-9C82-ED7B693482C3}" type="datetimeFigureOut">
               <a:rPr lang="en-US" smtClean="0"/>
-              <a:t>4/12/2023</a:t>
+              <a:t>6/14/2023</a:t>
             </a:fld>
             <a:endParaRPr lang="en-US"/>
           </a:p>
@@ -4467,7 +4551,7 @@
           <a:p>
             <a:fld id="{F92F5159-0039-4F61-9C82-ED7B693482C3}" type="datetimeFigureOut">
               <a:rPr lang="en-US" smtClean="0"/>
-              <a:t>4/12/2023</a:t>
+              <a:t>6/14/2023</a:t>
             </a:fld>
             <a:endParaRPr lang="en-US"/>
           </a:p>
@@ -4708,7 +4792,7 @@
           <a:p>
             <a:fld id="{F92F5159-0039-4F61-9C82-ED7B693482C3}" type="datetimeFigureOut">
               <a:rPr lang="en-US" smtClean="0"/>
-              <a:t>4/12/2023</a:t>
+              <a:t>6/14/2023</a:t>
             </a:fld>
             <a:endParaRPr lang="en-US"/>
           </a:p>
@@ -5193,19 +5277,19 @@
           <a:lstStyle/>
           <a:p>
             <a:r>
-              <a:rPr lang="en-US" sz="2000" b="1">
+              <a:rPr lang="en-US" sz="2000" b="1" dirty="0">
                 <a:cs typeface="Calibri" panose="020F0502020204030204"/>
               </a:rPr>
               <a:t>Description:</a:t>
             </a:r>
             <a:r>
-              <a:rPr lang="en-US" sz="2000">
+              <a:rPr lang="en-US" sz="2000" dirty="0">
                 <a:cs typeface="Calibri" panose="020F0502020204030204"/>
               </a:rPr>
               <a:t> </a:t>
             </a:r>
             <a:r>
-              <a:rPr lang="en-US" sz="2000">
+              <a:rPr lang="en-US" sz="2000" dirty="0">
                 <a:ea typeface="+mn-lt"/>
                 <a:cs typeface="+mn-lt"/>
               </a:rPr>
@@ -5213,32 +5297,32 @@
             </a:r>
           </a:p>
           <a:p>
-            <a:endParaRPr lang="en-US" sz="2000">
+            <a:endParaRPr lang="en-US" sz="2000" dirty="0">
               <a:cs typeface="Calibri" panose="020F0502020204030204"/>
             </a:endParaRPr>
           </a:p>
           <a:p>
             <a:r>
-              <a:rPr lang="en-US" sz="2000" b="1">
+              <a:rPr lang="en-US" sz="2000" b="1" dirty="0">
                 <a:cs typeface="Calibri" panose="020F0502020204030204"/>
               </a:rPr>
               <a:t>Why do this:</a:t>
             </a:r>
             <a:r>
-              <a:rPr lang="en-US" sz="2000">
+              <a:rPr lang="en-US" sz="2000" dirty="0">
                 <a:cs typeface="Calibri" panose="020F0502020204030204"/>
               </a:rPr>
               <a:t> The indicators for each system can be used to assess how well that system is doing relative to its potential for supporting equitable resilience. </a:t>
             </a:r>
           </a:p>
           <a:p>
-            <a:endParaRPr lang="en-US" sz="2000">
+            <a:endParaRPr lang="en-US" sz="2000" dirty="0">
               <a:cs typeface="Calibri" panose="020F0502020204030204"/>
             </a:endParaRPr>
           </a:p>
           <a:p>
             <a:r>
-              <a:rPr lang="en-US" sz="2000" b="1">
+              <a:rPr lang="en-US" sz="2000" b="1" dirty="0">
                 <a:cs typeface="Calibri" panose="020F0502020204030204"/>
               </a:rPr>
               <a:t>How do to this: </a:t>
@@ -5249,10 +5333,10 @@
               <a:buAutoNum type="arabicPeriod"/>
             </a:pPr>
             <a:r>
-              <a:rPr lang="en-US" sz="2000"/>
-              <a:t>Use the following card templates to create a card for each indicator you chose for your community from the Master Indicators List using data you collected within the Master Indicators List spreadsheet.</a:t>
-            </a:r>
-            <a:endParaRPr lang="en-US" sz="2000">
+              <a:rPr lang="en-US" sz="2000" dirty="0"/>
+              <a:t>Use the following card templates to create a card for each indicator you chose for your community from the Indicators List using data you collected within the Indicators List spreadsheet.</a:t>
+            </a:r>
+            <a:endParaRPr lang="en-US" sz="2000" dirty="0">
               <a:cs typeface="Calibri"/>
             </a:endParaRPr>
           </a:p>
@@ -5261,11 +5345,11 @@
               <a:buAutoNum type="arabicPeriod"/>
             </a:pPr>
             <a:r>
-              <a:rPr lang="en-US" sz="2000"/>
+              <a:rPr lang="en-US" sz="2000" dirty="0"/>
               <a:t>Use</a:t>
             </a:r>
             <a:r>
-              <a:rPr lang="en-US" sz="2000">
+              <a:rPr lang="en-US" sz="2000" dirty="0">
                 <a:cs typeface="Calibri"/>
               </a:rPr>
               <a:t> the color and icons to designate the 3 different resilient systems (social, built, and natural) for each indicator you chose to be used for the card sorting activity.</a:t>
@@ -5276,10 +5360,10 @@
               <a:buAutoNum type="arabicPeriod"/>
             </a:pPr>
             <a:r>
-              <a:rPr lang="en-US" sz="2000">
+              <a:rPr lang="en-US" sz="2000" dirty="0">
                 <a:cs typeface="Calibri"/>
               </a:rPr>
-              <a:t>Match up the information in the columns of the Master Indicator List to the sections on the indicator card to create each card.</a:t>
+              <a:t>Match up the information in the columns of the Indicator List to the sections on the indicator card to create each card.</a:t>
             </a:r>
           </a:p>
           <a:p>
@@ -5287,7 +5371,7 @@
               <a:buAutoNum type="arabicPeriod"/>
             </a:pPr>
             <a:r>
-              <a:rPr lang="en-US" sz="2000">
+              <a:rPr lang="en-US" sz="2000" dirty="0">
                 <a:cs typeface="Calibri"/>
               </a:rPr>
               <a:t>See slides 5 and 6 for an example of a filled out indicator card.</a:t>
@@ -5298,13 +5382,13 @@
               <a:buAutoNum type="arabicPeriod"/>
             </a:pPr>
             <a:r>
-              <a:rPr lang="en-US" sz="2000">
+              <a:rPr lang="en-US" sz="2000" dirty="0">
                 <a:ea typeface="+mn-lt"/>
                 <a:cs typeface="+mn-lt"/>
               </a:rPr>
               <a:t>Print out the completed indicator cards to use in the community workshop card sorting activity.</a:t>
             </a:r>
-            <a:endParaRPr lang="en-US" sz="2000">
+            <a:endParaRPr lang="en-US" sz="2000" dirty="0">
               <a:cs typeface="Calibri"/>
             </a:endParaRPr>
           </a:p>
@@ -5475,15 +5559,15 @@
           </a:bodyPr>
           <a:lstStyle/>
           <a:p>
-            <a:endParaRPr lang="en-US" sz="2400" b="1"/>
-          </a:p>
-          <a:p>
-            <a:endParaRPr lang="en-US" sz="2400" b="1"/>
+            <a:endParaRPr lang="en-US" sz="2400" b="1" dirty="0"/>
+          </a:p>
+          <a:p>
+            <a:endParaRPr lang="en-US" sz="2400" b="1" dirty="0"/>
           </a:p>
           <a:p>
             <a:pPr algn="ctr"/>
             <a:r>
-              <a:rPr lang="en-US" sz="2400" b="1">
+              <a:rPr lang="en-US" sz="2400" b="1" dirty="0">
                 <a:cs typeface="Calibri"/>
               </a:rPr>
               <a:t>Indicator </a:t>
@@ -5492,25 +5576,25 @@
           <a:p>
             <a:pPr algn="ctr"/>
             <a:r>
-              <a:rPr lang="en-US" sz="1400" i="1">
+              <a:rPr lang="en-US" sz="1400" i="1" dirty="0">
                 <a:ea typeface="+mn-lt"/>
                 <a:cs typeface="+mn-lt"/>
               </a:rPr>
               <a:t>Definition</a:t>
             </a:r>
-            <a:endParaRPr lang="en-US"/>
-          </a:p>
-          <a:p>
-            <a:endParaRPr lang="en-US" sz="1200">
+            <a:endParaRPr lang="en-US" dirty="0"/>
+          </a:p>
+          <a:p>
+            <a:endParaRPr lang="en-US" sz="1200" dirty="0">
               <a:cs typeface="Calibri"/>
             </a:endParaRPr>
           </a:p>
           <a:p>
             <a:r>
-              <a:rPr lang="en-US" b="1"/>
+              <a:rPr lang="en-US" b="1" dirty="0"/>
               <a:t>Data Points</a:t>
             </a:r>
-            <a:endParaRPr lang="en-US" b="1">
+            <a:endParaRPr lang="en-US" b="1" dirty="0">
               <a:cs typeface="Calibri"/>
             </a:endParaRPr>
           </a:p>
@@ -5520,10 +5604,10 @@
               <a:buChar char="•"/>
             </a:pPr>
             <a:r>
-              <a:rPr lang="en-US" sz="1400"/>
+              <a:rPr lang="en-US" sz="1400" dirty="0"/>
               <a:t>Qualitative data found</a:t>
             </a:r>
-            <a:endParaRPr lang="en-US" sz="1400">
+            <a:endParaRPr lang="en-US" sz="1400" dirty="0">
               <a:cs typeface="Calibri"/>
             </a:endParaRPr>
           </a:p>
@@ -5533,7 +5617,7 @@
               <a:buChar char="•"/>
             </a:pPr>
             <a:r>
-              <a:rPr lang="en-US" sz="1400">
+              <a:rPr lang="en-US" sz="1400" dirty="0">
                 <a:cs typeface="Calibri"/>
               </a:rPr>
               <a:t>Quantitative data found (source)</a:t>
@@ -5545,7 +5629,7 @@
               <a:buChar char="•"/>
             </a:pPr>
             <a:r>
-              <a:rPr lang="en-US" sz="1400">
+              <a:rPr lang="en-US" sz="1400" dirty="0">
                 <a:cs typeface="Calibri"/>
               </a:rPr>
               <a:t>Qualitative data found</a:t>
@@ -5557,7 +5641,7 @@
               <a:buChar char="•"/>
             </a:pPr>
             <a:r>
-              <a:rPr lang="en-US" sz="1400">
+              <a:rPr lang="en-US" sz="1400" dirty="0">
                 <a:cs typeface="Calibri"/>
               </a:rPr>
               <a:t>Quantitative data found (source)</a:t>
@@ -5568,20 +5652,20 @@
               <a:buFont typeface="Arial" panose="020B0604020202020204" pitchFamily="34" charset="0"/>
               <a:buChar char="•"/>
             </a:pPr>
-            <a:endParaRPr lang="en-US" sz="1400">
+            <a:endParaRPr lang="en-US" sz="1400" dirty="0">
               <a:cs typeface="Calibri"/>
             </a:endParaRPr>
           </a:p>
           <a:p>
             <a:r>
-              <a:rPr lang="en-US" b="1"/>
-              <a:t>Thresholds/Comparisons: </a:t>
-            </a:r>
-            <a:r>
-              <a:rPr lang="en-US"/>
+              <a:rPr lang="en-US" b="1" dirty="0"/>
+              <a:t>Thresholds/Comparisons </a:t>
+            </a:r>
+            <a:r>
+              <a:rPr lang="en-US" dirty="0"/>
               <a:t> </a:t>
             </a:r>
-            <a:endParaRPr lang="en-US">
+            <a:endParaRPr lang="en-US" dirty="0">
               <a:cs typeface="Calibri"/>
             </a:endParaRPr>
           </a:p>
@@ -5591,17 +5675,17 @@
               <a:buChar char="•"/>
             </a:pPr>
             <a:r>
-              <a:rPr lang="en-US" sz="1400">
+              <a:rPr lang="en-US" sz="1400" dirty="0">
                 <a:cs typeface="Calibri"/>
               </a:rPr>
               <a:t>Data found</a:t>
             </a:r>
           </a:p>
           <a:p>
-            <a:endParaRPr lang="en-US"/>
-          </a:p>
-          <a:p>
-            <a:endParaRPr lang="en-US"/>
+            <a:endParaRPr lang="en-US" dirty="0"/>
+          </a:p>
+          <a:p>
+            <a:endParaRPr lang="en-US" dirty="0"/>
           </a:p>
         </p:txBody>
       </p:sp>
@@ -6044,15 +6128,15 @@
           </a:bodyPr>
           <a:lstStyle/>
           <a:p>
-            <a:endParaRPr lang="en-US" sz="2400" b="1"/>
-          </a:p>
-          <a:p>
-            <a:endParaRPr lang="en-US" sz="2400" b="1"/>
+            <a:endParaRPr lang="en-US" sz="2400" b="1" dirty="0"/>
+          </a:p>
+          <a:p>
+            <a:endParaRPr lang="en-US" sz="2400" b="1" dirty="0"/>
           </a:p>
           <a:p>
             <a:pPr algn="ctr"/>
             <a:r>
-              <a:rPr lang="en-US" sz="2400" b="1">
+              <a:rPr lang="en-US" sz="2400" b="1" dirty="0">
                 <a:cs typeface="Calibri"/>
               </a:rPr>
               <a:t>Indicator </a:t>
@@ -6061,25 +6145,25 @@
           <a:p>
             <a:pPr algn="ctr"/>
             <a:r>
-              <a:rPr lang="en-US" sz="1400" i="1">
+              <a:rPr lang="en-US" sz="1400" i="1" dirty="0">
                 <a:ea typeface="+mn-lt"/>
                 <a:cs typeface="+mn-lt"/>
               </a:rPr>
               <a:t>Definition</a:t>
             </a:r>
-            <a:endParaRPr lang="en-US"/>
-          </a:p>
-          <a:p>
-            <a:endParaRPr lang="en-US" sz="1200">
+            <a:endParaRPr lang="en-US" dirty="0"/>
+          </a:p>
+          <a:p>
+            <a:endParaRPr lang="en-US" sz="1200" dirty="0">
               <a:cs typeface="Calibri"/>
             </a:endParaRPr>
           </a:p>
           <a:p>
             <a:r>
-              <a:rPr lang="en-US" b="1"/>
+              <a:rPr lang="en-US" b="1" dirty="0"/>
               <a:t>Data Points</a:t>
             </a:r>
-            <a:endParaRPr lang="en-US" b="1">
+            <a:endParaRPr lang="en-US" b="1" dirty="0">
               <a:cs typeface="Calibri"/>
             </a:endParaRPr>
           </a:p>
@@ -6089,10 +6173,10 @@
               <a:buChar char="•"/>
             </a:pPr>
             <a:r>
-              <a:rPr lang="en-US" sz="1400"/>
+              <a:rPr lang="en-US" sz="1400" dirty="0"/>
               <a:t>Qualitative data found</a:t>
             </a:r>
-            <a:endParaRPr lang="en-US" sz="1400">
+            <a:endParaRPr lang="en-US" sz="1400" dirty="0">
               <a:cs typeface="Calibri"/>
             </a:endParaRPr>
           </a:p>
@@ -6102,7 +6186,7 @@
               <a:buChar char="•"/>
             </a:pPr>
             <a:r>
-              <a:rPr lang="en-US" sz="1400">
+              <a:rPr lang="en-US" sz="1400" dirty="0">
                 <a:cs typeface="Calibri"/>
               </a:rPr>
               <a:t>Quantitative data found (source)</a:t>
@@ -6114,7 +6198,7 @@
               <a:buChar char="•"/>
             </a:pPr>
             <a:r>
-              <a:rPr lang="en-US" sz="1400">
+              <a:rPr lang="en-US" sz="1400" dirty="0">
                 <a:cs typeface="Calibri"/>
               </a:rPr>
               <a:t>Qualitative data found</a:t>
@@ -6126,7 +6210,7 @@
               <a:buChar char="•"/>
             </a:pPr>
             <a:r>
-              <a:rPr lang="en-US" sz="1400">
+              <a:rPr lang="en-US" sz="1400" dirty="0">
                 <a:cs typeface="Calibri"/>
               </a:rPr>
               <a:t>Quantitative data found (source)</a:t>
@@ -6137,20 +6221,20 @@
               <a:buFont typeface="Arial" panose="020B0604020202020204" pitchFamily="34" charset="0"/>
               <a:buChar char="•"/>
             </a:pPr>
-            <a:endParaRPr lang="en-US" sz="1400">
+            <a:endParaRPr lang="en-US" sz="1400" dirty="0">
               <a:cs typeface="Calibri"/>
             </a:endParaRPr>
           </a:p>
           <a:p>
             <a:r>
-              <a:rPr lang="en-US" b="1"/>
-              <a:t>Thresholds/Comparisons: </a:t>
-            </a:r>
-            <a:r>
-              <a:rPr lang="en-US"/>
+              <a:rPr lang="en-US" b="1" dirty="0"/>
+              <a:t>Thresholds/Comparisons </a:t>
+            </a:r>
+            <a:r>
+              <a:rPr lang="en-US" dirty="0"/>
               <a:t> </a:t>
             </a:r>
-            <a:endParaRPr lang="en-US">
+            <a:endParaRPr lang="en-US" dirty="0">
               <a:cs typeface="Calibri"/>
             </a:endParaRPr>
           </a:p>
@@ -6160,17 +6244,17 @@
               <a:buChar char="•"/>
             </a:pPr>
             <a:r>
-              <a:rPr lang="en-US" sz="1400">
+              <a:rPr lang="en-US" sz="1400" dirty="0">
                 <a:cs typeface="Calibri"/>
               </a:rPr>
               <a:t>Data found</a:t>
             </a:r>
           </a:p>
           <a:p>
-            <a:endParaRPr lang="en-US"/>
-          </a:p>
-          <a:p>
-            <a:endParaRPr lang="en-US"/>
+            <a:endParaRPr lang="en-US" dirty="0"/>
+          </a:p>
+          <a:p>
+            <a:endParaRPr lang="en-US" dirty="0"/>
           </a:p>
         </p:txBody>
       </p:sp>
@@ -6615,15 +6699,15 @@
           </a:bodyPr>
           <a:lstStyle/>
           <a:p>
-            <a:endParaRPr lang="en-US" sz="2400" b="1"/>
-          </a:p>
-          <a:p>
-            <a:endParaRPr lang="en-US" sz="2400" b="1"/>
+            <a:endParaRPr lang="en-US" sz="2400" b="1" dirty="0"/>
+          </a:p>
+          <a:p>
+            <a:endParaRPr lang="en-US" sz="2400" b="1" dirty="0"/>
           </a:p>
           <a:p>
             <a:pPr algn="ctr"/>
             <a:r>
-              <a:rPr lang="en-US" sz="2400" b="1">
+              <a:rPr lang="en-US" sz="2400" b="1" dirty="0">
                 <a:cs typeface="Calibri"/>
               </a:rPr>
               <a:t>Indicator </a:t>
@@ -6632,25 +6716,25 @@
           <a:p>
             <a:pPr algn="ctr"/>
             <a:r>
-              <a:rPr lang="en-US" sz="1400" i="1">
+              <a:rPr lang="en-US" sz="1400" i="1" dirty="0">
                 <a:ea typeface="+mn-lt"/>
                 <a:cs typeface="+mn-lt"/>
               </a:rPr>
               <a:t>Definition</a:t>
             </a:r>
-            <a:endParaRPr lang="en-US"/>
-          </a:p>
-          <a:p>
-            <a:endParaRPr lang="en-US" sz="1200">
+            <a:endParaRPr lang="en-US" dirty="0"/>
+          </a:p>
+          <a:p>
+            <a:endParaRPr lang="en-US" sz="1200" dirty="0">
               <a:cs typeface="Calibri"/>
             </a:endParaRPr>
           </a:p>
           <a:p>
             <a:r>
-              <a:rPr lang="en-US" b="1"/>
+              <a:rPr lang="en-US" b="1" dirty="0"/>
               <a:t>Data Points</a:t>
             </a:r>
-            <a:endParaRPr lang="en-US" b="1">
+            <a:endParaRPr lang="en-US" b="1" dirty="0">
               <a:cs typeface="Calibri"/>
             </a:endParaRPr>
           </a:p>
@@ -6660,10 +6744,10 @@
               <a:buChar char="•"/>
             </a:pPr>
             <a:r>
-              <a:rPr lang="en-US" sz="1400"/>
+              <a:rPr lang="en-US" sz="1400" dirty="0"/>
               <a:t>Qualitative data found</a:t>
             </a:r>
-            <a:endParaRPr lang="en-US" sz="1400">
+            <a:endParaRPr lang="en-US" sz="1400" dirty="0">
               <a:cs typeface="Calibri"/>
             </a:endParaRPr>
           </a:p>
@@ -6673,7 +6757,7 @@
               <a:buChar char="•"/>
             </a:pPr>
             <a:r>
-              <a:rPr lang="en-US" sz="1400">
+              <a:rPr lang="en-US" sz="1400" dirty="0">
                 <a:cs typeface="Calibri"/>
               </a:rPr>
               <a:t>Quantitative data found (source)</a:t>
@@ -6685,7 +6769,7 @@
               <a:buChar char="•"/>
             </a:pPr>
             <a:r>
-              <a:rPr lang="en-US" sz="1400">
+              <a:rPr lang="en-US" sz="1400" dirty="0">
                 <a:cs typeface="Calibri"/>
               </a:rPr>
               <a:t>Qualitative data found</a:t>
@@ -6697,7 +6781,7 @@
               <a:buChar char="•"/>
             </a:pPr>
             <a:r>
-              <a:rPr lang="en-US" sz="1400">
+              <a:rPr lang="en-US" sz="1400" dirty="0">
                 <a:cs typeface="Calibri"/>
               </a:rPr>
               <a:t>Quantitative data found (source)</a:t>
@@ -6708,20 +6792,20 @@
               <a:buFont typeface="Arial" panose="020B0604020202020204" pitchFamily="34" charset="0"/>
               <a:buChar char="•"/>
             </a:pPr>
-            <a:endParaRPr lang="en-US" sz="1400">
+            <a:endParaRPr lang="en-US" sz="1400" dirty="0">
               <a:cs typeface="Calibri"/>
             </a:endParaRPr>
           </a:p>
           <a:p>
             <a:r>
-              <a:rPr lang="en-US" b="1"/>
-              <a:t>Thresholds/Comparisons: </a:t>
-            </a:r>
-            <a:r>
-              <a:rPr lang="en-US"/>
+              <a:rPr lang="en-US" b="1" dirty="0"/>
+              <a:t>Thresholds/Comparisons </a:t>
+            </a:r>
+            <a:r>
+              <a:rPr lang="en-US" dirty="0"/>
               <a:t> </a:t>
             </a:r>
-            <a:endParaRPr lang="en-US">
+            <a:endParaRPr lang="en-US" dirty="0">
               <a:cs typeface="Calibri"/>
             </a:endParaRPr>
           </a:p>
@@ -6731,17 +6815,17 @@
               <a:buChar char="•"/>
             </a:pPr>
             <a:r>
-              <a:rPr lang="en-US" sz="1400">
+              <a:rPr lang="en-US" sz="1400" dirty="0">
                 <a:cs typeface="Calibri"/>
               </a:rPr>
               <a:t>Data found</a:t>
             </a:r>
           </a:p>
           <a:p>
-            <a:endParaRPr lang="en-US"/>
-          </a:p>
-          <a:p>
-            <a:endParaRPr lang="en-US"/>
+            <a:endParaRPr lang="en-US" dirty="0"/>
+          </a:p>
+          <a:p>
+            <a:endParaRPr lang="en-US" dirty="0"/>
           </a:p>
         </p:txBody>
       </p:sp>
@@ -7186,20 +7270,20 @@
           </a:bodyPr>
           <a:lstStyle/>
           <a:p>
-            <a:endParaRPr lang="en-US" sz="2400" b="1"/>
-          </a:p>
-          <a:p>
-            <a:endParaRPr lang="en-US" sz="2400" b="1"/>
+            <a:endParaRPr lang="en-US" sz="2400" b="1" dirty="0"/>
+          </a:p>
+          <a:p>
+            <a:endParaRPr lang="en-US" sz="2400" b="1" dirty="0"/>
           </a:p>
           <a:p>
             <a:pPr algn="ctr"/>
             <a:r>
-              <a:rPr lang="en-US" sz="2400" b="1">
+              <a:rPr lang="en-US" sz="2400" b="1" dirty="0">
                 <a:cs typeface="Calibri"/>
               </a:rPr>
               <a:t>Proximity to </a:t>
             </a:r>
-            <a:endParaRPr lang="en-US" sz="2400" b="1">
+            <a:endParaRPr lang="en-US" sz="2400" b="1" dirty="0">
               <a:ea typeface="Calibri"/>
               <a:cs typeface="Calibri"/>
             </a:endParaRPr>
@@ -7207,12 +7291,12 @@
           <a:p>
             <a:pPr algn="ctr"/>
             <a:r>
-              <a:rPr lang="en-US" sz="2400" b="1">
+              <a:rPr lang="en-US" sz="2400" b="1" dirty="0">
                 <a:cs typeface="Calibri"/>
               </a:rPr>
               <a:t>Superfund Sites</a:t>
             </a:r>
-            <a:endParaRPr lang="en-US" sz="2400" b="1">
+            <a:endParaRPr lang="en-US" sz="2400" b="1" dirty="0">
               <a:ea typeface="Calibri"/>
               <a:cs typeface="Calibri"/>
             </a:endParaRPr>
@@ -7220,32 +7304,32 @@
           <a:p>
             <a:pPr algn="ctr"/>
             <a:r>
-              <a:rPr lang="en-US" sz="1400" i="1">
+              <a:rPr lang="en-US" sz="1400" i="1" dirty="0">
                 <a:ea typeface="+mn-lt"/>
                 <a:cs typeface="+mn-lt"/>
               </a:rPr>
               <a:t>The number and condition of Superfund sites within or in close proximity to the community.</a:t>
             </a:r>
             <a:r>
-              <a:rPr lang="en-US" sz="1400">
+              <a:rPr lang="en-US" sz="1400" dirty="0">
                 <a:ea typeface="+mn-lt"/>
                 <a:cs typeface="+mn-lt"/>
               </a:rPr>
               <a:t> </a:t>
             </a:r>
-            <a:endParaRPr lang="en-US"/>
-          </a:p>
-          <a:p>
-            <a:endParaRPr lang="en-US" sz="1200">
+            <a:endParaRPr lang="en-US" dirty="0"/>
+          </a:p>
+          <a:p>
+            <a:endParaRPr lang="en-US" sz="1200" dirty="0">
               <a:cs typeface="Calibri"/>
             </a:endParaRPr>
           </a:p>
           <a:p>
             <a:r>
-              <a:rPr lang="en-US" b="1"/>
+              <a:rPr lang="en-US" b="1" dirty="0"/>
               <a:t>Data Points</a:t>
             </a:r>
-            <a:endParaRPr lang="en-US" b="1">
+            <a:endParaRPr lang="en-US" b="1" dirty="0">
               <a:cs typeface="Calibri"/>
             </a:endParaRPr>
           </a:p>
@@ -7255,10 +7339,10 @@
               <a:buChar char="•"/>
             </a:pPr>
             <a:r>
-              <a:rPr lang="en-US" sz="1400"/>
+              <a:rPr lang="en-US" sz="1400" dirty="0"/>
               <a:t># of sites (discussions with EPA officials)</a:t>
             </a:r>
-            <a:endParaRPr lang="en-US" sz="1400">
+            <a:endParaRPr lang="en-US" sz="1400" dirty="0">
               <a:cs typeface="Calibri"/>
             </a:endParaRPr>
           </a:p>
@@ -7268,7 +7352,7 @@
               <a:buChar char="•"/>
             </a:pPr>
             <a:r>
-              <a:rPr lang="en-US" sz="1400"/>
+              <a:rPr lang="en-US" sz="1400" dirty="0"/>
               <a:t>Contaminants of concern (discussions with EPA officials)</a:t>
             </a:r>
           </a:p>
@@ -7278,12 +7362,12 @@
               <a:buChar char="•"/>
             </a:pPr>
             <a:r>
-              <a:rPr lang="en-US" sz="1400">
+              <a:rPr lang="en-US" sz="1400" dirty="0">
                 <a:cs typeface="Calibri"/>
               </a:rPr>
               <a:t>[community input from workshops]</a:t>
             </a:r>
-            <a:endParaRPr lang="en-US" sz="1400">
+            <a:endParaRPr lang="en-US" sz="1400" dirty="0">
               <a:ea typeface="Calibri"/>
               <a:cs typeface="Calibri"/>
             </a:endParaRPr>
@@ -7294,12 +7378,12 @@
               <a:buChar char="•"/>
             </a:pPr>
             <a:r>
-              <a:rPr lang="en-US" sz="1400">
+              <a:rPr lang="en-US" sz="1400" dirty="0">
                 <a:cs typeface="Calibri"/>
               </a:rPr>
               <a:t># of people work at this site</a:t>
             </a:r>
-            <a:endParaRPr lang="en-US" sz="1400">
+            <a:endParaRPr lang="en-US" sz="1400" dirty="0">
               <a:ea typeface="Calibri"/>
               <a:cs typeface="Calibri"/>
             </a:endParaRPr>
@@ -7310,12 +7394,12 @@
               <a:buChar char="•"/>
             </a:pPr>
             <a:r>
-              <a:rPr lang="en-US" sz="1400">
+              <a:rPr lang="en-US" sz="1400" dirty="0">
                 <a:cs typeface="Calibri"/>
               </a:rPr>
-              <a:t>Condition of the site, i.e. where at in the clean-up process </a:t>
-            </a:r>
-            <a:endParaRPr lang="en-US" sz="1400">
+              <a:t>Condition of the site, i.e., where at in the clean-up process </a:t>
+            </a:r>
+            <a:endParaRPr lang="en-US" sz="1400" dirty="0">
               <a:ea typeface="Calibri"/>
               <a:cs typeface="Calibri"/>
             </a:endParaRPr>
@@ -7325,20 +7409,20 @@
               <a:buFont typeface="Arial" panose="020B0604020202020204" pitchFamily="34" charset="0"/>
               <a:buChar char="•"/>
             </a:pPr>
-            <a:endParaRPr lang="en-US" sz="1400">
+            <a:endParaRPr lang="en-US" sz="1400" dirty="0">
               <a:cs typeface="Calibri"/>
             </a:endParaRPr>
           </a:p>
           <a:p>
             <a:r>
-              <a:rPr lang="en-US" b="1"/>
-              <a:t>Thresholds/Comparisons: </a:t>
-            </a:r>
-            <a:r>
-              <a:rPr lang="en-US"/>
+              <a:rPr lang="en-US" b="1" dirty="0"/>
+              <a:t>Thresholds/Comparisons </a:t>
+            </a:r>
+            <a:r>
+              <a:rPr lang="en-US" dirty="0"/>
               <a:t> </a:t>
             </a:r>
-            <a:endParaRPr lang="en-US">
+            <a:endParaRPr lang="en-US" dirty="0">
               <a:cs typeface="Calibri"/>
             </a:endParaRPr>
           </a:p>
@@ -7348,12 +7432,12 @@
               <a:buChar char="•"/>
             </a:pPr>
             <a:r>
-              <a:rPr lang="en-US" sz="1400">
+              <a:rPr lang="en-US" sz="1400" dirty="0">
                 <a:cs typeface="Calibri"/>
               </a:rPr>
               <a:t>XX percentile Superfund Proximity (EJ Screen)</a:t>
             </a:r>
-            <a:endParaRPr lang="en-US" sz="1400">
+            <a:endParaRPr lang="en-US" sz="1400" dirty="0">
               <a:ea typeface="Calibri"/>
               <a:cs typeface="Calibri"/>
             </a:endParaRPr>
@@ -7364,12 +7448,12 @@
               <a:buChar char="•"/>
             </a:pPr>
             <a:r>
-              <a:rPr lang="en-US" sz="1400">
+              <a:rPr lang="en-US" sz="1400" dirty="0">
                 <a:cs typeface="Calibri"/>
               </a:rPr>
               <a:t>XX percentile low income (EJ Screen)</a:t>
             </a:r>
-            <a:endParaRPr lang="en-US" sz="1400"/>
+            <a:endParaRPr lang="en-US" sz="1400" dirty="0"/>
           </a:p>
           <a:p>
             <a:pPr marL="285750" indent="-285750">
@@ -7377,23 +7461,23 @@
               <a:buChar char="•"/>
             </a:pPr>
             <a:r>
-              <a:rPr lang="en-US" sz="1400">
+              <a:rPr lang="en-US" sz="1400" dirty="0">
                 <a:cs typeface="Calibri"/>
               </a:rPr>
               <a:t>XX percentile people of color (EJ Screen)</a:t>
             </a:r>
-            <a:endParaRPr lang="en-US" sz="1400"/>
-          </a:p>
-          <a:p>
-            <a:endParaRPr lang="en-US" sz="1400">
+            <a:endParaRPr lang="en-US" sz="1400" dirty="0"/>
+          </a:p>
+          <a:p>
+            <a:endParaRPr lang="en-US" sz="1400" dirty="0">
               <a:cs typeface="Calibri"/>
             </a:endParaRPr>
           </a:p>
           <a:p>
-            <a:endParaRPr lang="en-US"/>
-          </a:p>
-          <a:p>
-            <a:endParaRPr lang="en-US"/>
+            <a:endParaRPr lang="en-US" dirty="0"/>
+          </a:p>
+          <a:p>
+            <a:endParaRPr lang="en-US" dirty="0"/>
           </a:p>
         </p:txBody>
       </p:sp>
@@ -8015,20 +8099,20 @@
           </a:bodyPr>
           <a:lstStyle/>
           <a:p>
-            <a:endParaRPr lang="en-US" sz="2400" b="1"/>
-          </a:p>
-          <a:p>
-            <a:endParaRPr lang="en-US" sz="2400" b="1"/>
+            <a:endParaRPr lang="en-US" sz="2400" b="1" dirty="0"/>
+          </a:p>
+          <a:p>
+            <a:endParaRPr lang="en-US" sz="2400" b="1" dirty="0"/>
           </a:p>
           <a:p>
             <a:pPr algn="ctr"/>
             <a:r>
-              <a:rPr lang="en-US" sz="2400" b="1">
+              <a:rPr lang="en-US" sz="2400" b="1" dirty="0">
                 <a:cs typeface="Calibri"/>
               </a:rPr>
               <a:t>Proximity to </a:t>
             </a:r>
-            <a:endParaRPr lang="en-US" sz="2400" b="1">
+            <a:endParaRPr lang="en-US" sz="2400" b="1" dirty="0">
               <a:ea typeface="Calibri"/>
               <a:cs typeface="Calibri"/>
             </a:endParaRPr>
@@ -8036,12 +8120,12 @@
           <a:p>
             <a:pPr algn="ctr"/>
             <a:r>
-              <a:rPr lang="en-US" sz="2400" b="1">
+              <a:rPr lang="en-US" sz="2400" b="1" dirty="0">
                 <a:cs typeface="Calibri"/>
               </a:rPr>
               <a:t>Superfund Sites</a:t>
             </a:r>
-            <a:endParaRPr lang="en-US" sz="2400" b="1">
+            <a:endParaRPr lang="en-US" sz="2400" b="1" dirty="0">
               <a:ea typeface="Calibri"/>
               <a:cs typeface="Calibri"/>
             </a:endParaRPr>
@@ -8049,32 +8133,32 @@
           <a:p>
             <a:pPr algn="ctr"/>
             <a:r>
-              <a:rPr lang="en-US" sz="1400" i="1">
+              <a:rPr lang="en-US" sz="1400" i="1" dirty="0">
                 <a:ea typeface="+mn-lt"/>
                 <a:cs typeface="+mn-lt"/>
               </a:rPr>
               <a:t>The number and condition of Superfund sites within or in close proximity to the community.</a:t>
             </a:r>
             <a:r>
-              <a:rPr lang="en-US" sz="1400">
+              <a:rPr lang="en-US" sz="1400" dirty="0">
                 <a:ea typeface="+mn-lt"/>
                 <a:cs typeface="+mn-lt"/>
               </a:rPr>
               <a:t> </a:t>
             </a:r>
-            <a:endParaRPr lang="en-US"/>
-          </a:p>
-          <a:p>
-            <a:endParaRPr lang="en-US" sz="1200">
+            <a:endParaRPr lang="en-US" dirty="0"/>
+          </a:p>
+          <a:p>
+            <a:endParaRPr lang="en-US" sz="1200" dirty="0">
               <a:cs typeface="Calibri"/>
             </a:endParaRPr>
           </a:p>
           <a:p>
             <a:r>
-              <a:rPr lang="en-US" b="1"/>
+              <a:rPr lang="en-US" b="1" dirty="0"/>
               <a:t>Data Points</a:t>
             </a:r>
-            <a:endParaRPr lang="en-US" b="1">
+            <a:endParaRPr lang="en-US" b="1" dirty="0">
               <a:cs typeface="Calibri"/>
             </a:endParaRPr>
           </a:p>
@@ -8084,10 +8168,10 @@
               <a:buChar char="•"/>
             </a:pPr>
             <a:r>
-              <a:rPr lang="en-US" sz="1400"/>
+              <a:rPr lang="en-US" sz="1400" dirty="0"/>
               <a:t># of sites (discussions with EPA officials)</a:t>
             </a:r>
-            <a:endParaRPr lang="en-US" sz="1400">
+            <a:endParaRPr lang="en-US" sz="1400" dirty="0">
               <a:cs typeface="Calibri"/>
             </a:endParaRPr>
           </a:p>
@@ -8097,7 +8181,7 @@
               <a:buChar char="•"/>
             </a:pPr>
             <a:r>
-              <a:rPr lang="en-US" sz="1400"/>
+              <a:rPr lang="en-US" sz="1400" dirty="0"/>
               <a:t>Contaminants of concern (discussions with EPA officials)</a:t>
             </a:r>
           </a:p>
@@ -8107,12 +8191,12 @@
               <a:buChar char="•"/>
             </a:pPr>
             <a:r>
-              <a:rPr lang="en-US" sz="1400">
+              <a:rPr lang="en-US" sz="1400" dirty="0">
                 <a:cs typeface="Calibri"/>
               </a:rPr>
               <a:t>[community input from workshops]</a:t>
             </a:r>
-            <a:endParaRPr lang="en-US" sz="1400">
+            <a:endParaRPr lang="en-US" sz="1400" dirty="0">
               <a:ea typeface="Calibri"/>
               <a:cs typeface="Calibri"/>
             </a:endParaRPr>
@@ -8123,12 +8207,12 @@
               <a:buChar char="•"/>
             </a:pPr>
             <a:r>
-              <a:rPr lang="en-US" sz="1400">
+              <a:rPr lang="en-US" sz="1400" dirty="0">
                 <a:cs typeface="Calibri"/>
               </a:rPr>
               <a:t># of people work at this site</a:t>
             </a:r>
-            <a:endParaRPr lang="en-US" sz="1400">
+            <a:endParaRPr lang="en-US" sz="1400" dirty="0">
               <a:ea typeface="Calibri"/>
               <a:cs typeface="Calibri"/>
             </a:endParaRPr>
@@ -8139,12 +8223,12 @@
               <a:buChar char="•"/>
             </a:pPr>
             <a:r>
-              <a:rPr lang="en-US" sz="1400">
+              <a:rPr lang="en-US" sz="1400" dirty="0">
                 <a:cs typeface="Calibri"/>
               </a:rPr>
-              <a:t>Condition of the site, i.e. where at in the clean-up process </a:t>
-            </a:r>
-            <a:endParaRPr lang="en-US" sz="1400">
+              <a:t>Condition of the site, i.e., where at in the clean-up process </a:t>
+            </a:r>
+            <a:endParaRPr lang="en-US" sz="1400" dirty="0">
               <a:ea typeface="Calibri"/>
               <a:cs typeface="Calibri"/>
             </a:endParaRPr>
@@ -8154,20 +8238,20 @@
               <a:buFont typeface="Arial" panose="020B0604020202020204" pitchFamily="34" charset="0"/>
               <a:buChar char="•"/>
             </a:pPr>
-            <a:endParaRPr lang="en-US" sz="1400">
+            <a:endParaRPr lang="en-US" sz="1400" dirty="0">
               <a:cs typeface="Calibri"/>
             </a:endParaRPr>
           </a:p>
           <a:p>
             <a:r>
-              <a:rPr lang="en-US" b="1"/>
-              <a:t>Thresholds/Comparisons: </a:t>
-            </a:r>
-            <a:r>
-              <a:rPr lang="en-US"/>
+              <a:rPr lang="en-US" b="1" dirty="0"/>
+              <a:t>Thresholds/Comparisons </a:t>
+            </a:r>
+            <a:r>
+              <a:rPr lang="en-US" dirty="0"/>
               <a:t> </a:t>
             </a:r>
-            <a:endParaRPr lang="en-US">
+            <a:endParaRPr lang="en-US" dirty="0">
               <a:cs typeface="Calibri"/>
             </a:endParaRPr>
           </a:p>
@@ -8177,12 +8261,12 @@
               <a:buChar char="•"/>
             </a:pPr>
             <a:r>
-              <a:rPr lang="en-US" sz="1400">
+              <a:rPr lang="en-US" sz="1400" dirty="0">
                 <a:cs typeface="Calibri"/>
               </a:rPr>
               <a:t>XX percentile Superfund Proximity (EJ Screen)</a:t>
             </a:r>
-            <a:endParaRPr lang="en-US" sz="1400">
+            <a:endParaRPr lang="en-US" sz="1400" dirty="0">
               <a:ea typeface="Calibri"/>
               <a:cs typeface="Calibri"/>
             </a:endParaRPr>
@@ -8193,12 +8277,12 @@
               <a:buChar char="•"/>
             </a:pPr>
             <a:r>
-              <a:rPr lang="en-US" sz="1400">
+              <a:rPr lang="en-US" sz="1400" dirty="0">
                 <a:cs typeface="Calibri"/>
               </a:rPr>
               <a:t>XX percentile low income (EJ Screen)</a:t>
             </a:r>
-            <a:endParaRPr lang="en-US" sz="1400"/>
+            <a:endParaRPr lang="en-US" sz="1400" dirty="0"/>
           </a:p>
           <a:p>
             <a:pPr marL="285750" indent="-285750">
@@ -8206,23 +8290,23 @@
               <a:buChar char="•"/>
             </a:pPr>
             <a:r>
-              <a:rPr lang="en-US" sz="1400">
+              <a:rPr lang="en-US" sz="1400" dirty="0">
                 <a:cs typeface="Calibri"/>
               </a:rPr>
               <a:t>XX percentile people of color (EJ Screen)</a:t>
             </a:r>
-            <a:endParaRPr lang="en-US" sz="1400"/>
-          </a:p>
-          <a:p>
-            <a:endParaRPr lang="en-US" sz="1400">
+            <a:endParaRPr lang="en-US" sz="1400" dirty="0"/>
+          </a:p>
+          <a:p>
+            <a:endParaRPr lang="en-US" sz="1400" dirty="0">
               <a:cs typeface="Calibri"/>
             </a:endParaRPr>
           </a:p>
           <a:p>
-            <a:endParaRPr lang="en-US"/>
-          </a:p>
-          <a:p>
-            <a:endParaRPr lang="en-US"/>
+            <a:endParaRPr lang="en-US" dirty="0"/>
+          </a:p>
+          <a:p>
+            <a:endParaRPr lang="en-US" dirty="0"/>
           </a:p>
         </p:txBody>
       </p:sp>
@@ -9425,12 +9509,54 @@
 </file>
 
 <file path=customXml/item1.xml><?xml version="1.0" encoding="utf-8"?>
-<?mso-contentType ?>
-<FormTemplates xmlns="http://schemas.microsoft.com/sharepoint/v3/contenttype/forms">
-  <Display>DocumentLibraryForm</Display>
-  <Edit>DocumentLibraryForm</Edit>
-  <New>DocumentLibraryForm</New>
-</FormTemplates>
+<p:properties xmlns:p="http://schemas.microsoft.com/office/2006/metadata/properties" xmlns:xsi="http://www.w3.org/2001/XMLSchema-instance" xmlns:pc="http://schemas.microsoft.com/office/infopath/2007/PartnerControls">
+  <documentManagement>
+    <SharedWithUsers xmlns="8f0ccb0b-2b45-4ecf-807d-d8fd9145fac4">
+      <UserInfo>
+        <DisplayName/>
+        <AccountId xsi:nil="true"/>
+        <AccountType/>
+      </UserInfo>
+    </SharedWithUsers>
+    <_Source xmlns="http://schemas.microsoft.com/sharepoint/v3/fields" xsi:nil="true"/>
+    <Language xmlns="http://schemas.microsoft.com/sharepoint/v3">English</Language>
+    <_ip_UnifiedCompliancePolicyUIAction xmlns="http://schemas.microsoft.com/sharepoint/v3" xsi:nil="true"/>
+    <j747ac98061d40f0aa7bd47e1db5675d xmlns="4ffa91fb-a0ff-4ac5-b2db-65c790d184a4">
+      <Terms xmlns="http://schemas.microsoft.com/office/infopath/2007/PartnerControls"/>
+    </j747ac98061d40f0aa7bd47e1db5675d>
+    <lcf76f155ced4ddcb4097134ff3c332f xmlns="c3fe2bc6-81ec-4aad-a296-b74ae9f31a66">
+      <Terms xmlns="http://schemas.microsoft.com/office/infopath/2007/PartnerControls"/>
+    </lcf76f155ced4ddcb4097134ff3c332f>
+    <External_x0020_Contributor xmlns="4ffa91fb-a0ff-4ac5-b2db-65c790d184a4" xsi:nil="true"/>
+    <TaxKeywordTaxHTField xmlns="4ffa91fb-a0ff-4ac5-b2db-65c790d184a4">
+      <Terms xmlns="http://schemas.microsoft.com/office/infopath/2007/PartnerControls"/>
+    </TaxKeywordTaxHTField>
+    <Record xmlns="4ffa91fb-a0ff-4ac5-b2db-65c790d184a4">Shared</Record>
+    <_ip_UnifiedCompliancePolicyProperties xmlns="http://schemas.microsoft.com/sharepoint/v3" xsi:nil="true"/>
+    <Rights xmlns="4ffa91fb-a0ff-4ac5-b2db-65c790d184a4" xsi:nil="true"/>
+    <Document_x0020_Creation_x0020_Date xmlns="4ffa91fb-a0ff-4ac5-b2db-65c790d184a4">2023-06-16T17:31:38+00:00</Document_x0020_Creation_x0020_Date>
+    <EPA_x0020_Office xmlns="4ffa91fb-a0ff-4ac5-b2db-65c790d184a4" xsi:nil="true"/>
+    <CategoryDescription xmlns="http://schemas.microsoft.com/sharepoint.v3" xsi:nil="true"/>
+    <Identifier xmlns="4ffa91fb-a0ff-4ac5-b2db-65c790d184a4" xsi:nil="true"/>
+    <_Coverage xmlns="http://schemas.microsoft.com/sharepoint/v3/fields" xsi:nil="true"/>
+    <Creator xmlns="4ffa91fb-a0ff-4ac5-b2db-65c790d184a4">
+      <UserInfo>
+        <DisplayName/>
+        <AccountId xsi:nil="true"/>
+        <AccountType/>
+      </UserInfo>
+    </Creator>
+    <EPA_x0020_Related_x0020_Documents xmlns="4ffa91fb-a0ff-4ac5-b2db-65c790d184a4" xsi:nil="true"/>
+    <EPA_x0020_Contributor xmlns="4ffa91fb-a0ff-4ac5-b2db-65c790d184a4">
+      <UserInfo>
+        <DisplayName/>
+        <AccountId xsi:nil="true"/>
+        <AccountType/>
+      </UserInfo>
+    </EPA_x0020_Contributor>
+    <TaxCatchAll xmlns="4ffa91fb-a0ff-4ac5-b2db-65c790d184a4" xsi:nil="true"/>
+  </documentManagement>
+</p:properties>
 </file>
 
 <file path=customXml/item2.xml><?xml version="1.0" encoding="utf-8"?>
@@ -9885,47 +10011,12 @@
 </file>
 
 <file path=customXml/item3.xml><?xml version="1.0" encoding="utf-8"?>
-<p:properties xmlns:p="http://schemas.microsoft.com/office/2006/metadata/properties" xmlns:xsi="http://www.w3.org/2001/XMLSchema-instance" xmlns:pc="http://schemas.microsoft.com/office/infopath/2007/PartnerControls">
-  <documentManagement>
-    <_Coverage xmlns="http://schemas.microsoft.com/sharepoint/v3/fields" xsi:nil="true"/>
-    <Record xmlns="4ffa91fb-a0ff-4ac5-b2db-65c790d184a4">Shared</Record>
-    <EPA_x0020_Office xmlns="4ffa91fb-a0ff-4ac5-b2db-65c790d184a4" xsi:nil="true"/>
-    <Document_x0020_Creation_x0020_Date xmlns="4ffa91fb-a0ff-4ac5-b2db-65c790d184a4">2023-04-11T08:24:54+00:00</Document_x0020_Creation_x0020_Date>
-    <EPA_x0020_Related_x0020_Documents xmlns="4ffa91fb-a0ff-4ac5-b2db-65c790d184a4" xsi:nil="true"/>
-    <_Source xmlns="http://schemas.microsoft.com/sharepoint/v3/fields" xsi:nil="true"/>
-    <CategoryDescription xmlns="http://schemas.microsoft.com/sharepoint.v3" xsi:nil="true"/>
-    <EPA_x0020_Contributor xmlns="4ffa91fb-a0ff-4ac5-b2db-65c790d184a4">
-      <UserInfo>
-        <DisplayName/>
-        <AccountId xsi:nil="true"/>
-        <AccountType/>
-      </UserInfo>
-    </EPA_x0020_Contributor>
-    <lcf76f155ced4ddcb4097134ff3c332f xmlns="c3fe2bc6-81ec-4aad-a296-b74ae9f31a66">
-      <Terms xmlns="http://schemas.microsoft.com/office/infopath/2007/PartnerControls"/>
-    </lcf76f155ced4ddcb4097134ff3c332f>
-    <TaxCatchAll xmlns="4ffa91fb-a0ff-4ac5-b2db-65c790d184a4" xsi:nil="true"/>
-    <TaxKeywordTaxHTField xmlns="4ffa91fb-a0ff-4ac5-b2db-65c790d184a4">
-      <Terms xmlns="http://schemas.microsoft.com/office/infopath/2007/PartnerControls"/>
-    </TaxKeywordTaxHTField>
-    <Rights xmlns="4ffa91fb-a0ff-4ac5-b2db-65c790d184a4" xsi:nil="true"/>
-    <External_x0020_Contributor xmlns="4ffa91fb-a0ff-4ac5-b2db-65c790d184a4" xsi:nil="true"/>
-    <Identifier xmlns="4ffa91fb-a0ff-4ac5-b2db-65c790d184a4" xsi:nil="true"/>
-    <_ip_UnifiedCompliancePolicyUIAction xmlns="http://schemas.microsoft.com/sharepoint/v3" xsi:nil="true"/>
-    <Creator xmlns="4ffa91fb-a0ff-4ac5-b2db-65c790d184a4">
-      <UserInfo>
-        <DisplayName/>
-        <AccountId xsi:nil="true"/>
-        <AccountType/>
-      </UserInfo>
-    </Creator>
-    <_ip_UnifiedCompliancePolicyProperties xmlns="http://schemas.microsoft.com/sharepoint/v3" xsi:nil="true"/>
-    <Language xmlns="http://schemas.microsoft.com/sharepoint/v3">English</Language>
-    <j747ac98061d40f0aa7bd47e1db5675d xmlns="4ffa91fb-a0ff-4ac5-b2db-65c790d184a4">
-      <Terms xmlns="http://schemas.microsoft.com/office/infopath/2007/PartnerControls"/>
-    </j747ac98061d40f0aa7bd47e1db5675d>
-  </documentManagement>
-</p:properties>
+<?mso-contentType ?>
+<FormTemplates xmlns="http://schemas.microsoft.com/sharepoint/v3/contenttype/forms">
+  <Display>DocumentLibraryForm</Display>
+  <Edit>DocumentLibraryForm</Edit>
+  <New>DocumentLibraryForm</New>
+</FormTemplates>
 </file>
 
 <file path=customXml/item4.xml><?xml version="1.0" encoding="utf-8"?>
@@ -9934,6 +10025,27 @@
 </file>
 
 <file path=customXml/itemProps1.xml><?xml version="1.0" encoding="utf-8"?>
+<ds:datastoreItem xmlns:ds="http://schemas.openxmlformats.org/officeDocument/2006/customXml" ds:itemID="{56B508E7-632F-46DC-BEB4-3727DC3FD51D}">
+  <ds:schemaRefs>
+    <ds:schemaRef ds:uri="http://schemas.microsoft.com/office/2006/metadata/properties"/>
+    <ds:schemaRef ds:uri="http://purl.org/dc/elements/1.1/"/>
+    <ds:schemaRef ds:uri="http://www.w3.org/XML/1998/namespace"/>
+    <ds:schemaRef ds:uri="http://schemas.openxmlformats.org/package/2006/metadata/core-properties"/>
+    <ds:schemaRef ds:uri="http://schemas.microsoft.com/office/2006/documentManagement/types"/>
+    <ds:schemaRef ds:uri="http://purl.org/dc/terms/"/>
+    <ds:schemaRef ds:uri="http://schemas.microsoft.com/office/infopath/2007/PartnerControls"/>
+    <ds:schemaRef ds:uri="6abd40b1-255a-4c6d-9f51-0ab055223958"/>
+    <ds:schemaRef ds:uri="782bd00c-d0de-45eb-9b7b-c6eb022f2513"/>
+    <ds:schemaRef ds:uri="http://purl.org/dc/dcmitype/"/>
+  </ds:schemaRefs>
+</ds:datastoreItem>
+</file>
+
+<file path=customXml/itemProps2.xml><?xml version="1.0" encoding="utf-8"?>
+<ds:datastoreItem xmlns:ds="http://schemas.openxmlformats.org/officeDocument/2006/customXml" ds:itemID="{1528E0A2-0F02-48B8-9D98-7C5850D5D456}"/>
+</file>
+
+<file path=customXml/itemProps3.xml><?xml version="1.0" encoding="utf-8"?>
 <ds:datastoreItem xmlns:ds="http://schemas.openxmlformats.org/officeDocument/2006/customXml" ds:itemID="{E1457DDF-9C17-465E-BEBC-C1A822ADDEAA}">
   <ds:schemaRefs>
     <ds:schemaRef ds:uri="http://schemas.microsoft.com/sharepoint/v3/contenttype/forms"/>
@@ -9941,54 +10053,6 @@
 </ds:datastoreItem>
 </file>
 
-<file path=customXml/itemProps2.xml><?xml version="1.0" encoding="utf-8"?>
-<ds:datastoreItem xmlns:ds="http://schemas.openxmlformats.org/officeDocument/2006/customXml" ds:itemID="{71EFFE12-A48A-4D51-83A8-4A8E7752E91D}">
-  <ds:schemaRefs>
-    <ds:schemaRef ds:uri="4ffa91fb-a0ff-4ac5-b2db-65c790d184a4"/>
-    <ds:schemaRef ds:uri="8f0ccb0b-2b45-4ecf-807d-d8fd9145fac4"/>
-    <ds:schemaRef ds:uri="c3fe2bc6-81ec-4aad-a296-b74ae9f31a66"/>
-    <ds:schemaRef ds:uri="http://purl.org/dc/elements/1.1/"/>
-    <ds:schemaRef ds:uri="http://purl.org/dc/terms/"/>
-    <ds:schemaRef ds:uri="http://schemas.microsoft.com/internal/obd"/>
-    <ds:schemaRef ds:uri="http://schemas.microsoft.com/office/2006/documentManagement/types"/>
-    <ds:schemaRef ds:uri="http://schemas.microsoft.com/office/2006/metadata/contentType"/>
-    <ds:schemaRef ds:uri="http://schemas.microsoft.com/office/2006/metadata/properties"/>
-    <ds:schemaRef ds:uri="http://schemas.microsoft.com/office/2006/metadata/properties/metaAttributes"/>
-    <ds:schemaRef ds:uri="http://schemas.microsoft.com/office/infopath/2007/PartnerControls"/>
-    <ds:schemaRef ds:uri="http://schemas.microsoft.com/sharepoint.v3"/>
-    <ds:schemaRef ds:uri="http://schemas.microsoft.com/sharepoint/v3"/>
-    <ds:schemaRef ds:uri="http://schemas.microsoft.com/sharepoint/v3/fields"/>
-    <ds:schemaRef ds:uri="http://schemas.openxmlformats.org/package/2006/metadata/core-properties"/>
-    <ds:schemaRef ds:uri="http://www.w3.org/2001/XMLSchema"/>
-  </ds:schemaRefs>
-</ds:datastoreItem>
-</file>
-
-<file path=customXml/itemProps3.xml><?xml version="1.0" encoding="utf-8"?>
-<ds:datastoreItem xmlns:ds="http://schemas.openxmlformats.org/officeDocument/2006/customXml" ds:itemID="{56B508E7-632F-46DC-BEB4-3727DC3FD51D}">
-  <ds:schemaRefs>
-    <ds:schemaRef ds:uri="4ffa91fb-a0ff-4ac5-b2db-65c790d184a4"/>
-    <ds:schemaRef ds:uri="8f0ccb0b-2b45-4ecf-807d-d8fd9145fac4"/>
-    <ds:schemaRef ds:uri="c3fe2bc6-81ec-4aad-a296-b74ae9f31a66"/>
-    <ds:schemaRef ds:uri="http://purl.org/dc/dcmitype/"/>
-    <ds:schemaRef ds:uri="http://purl.org/dc/elements/1.1/"/>
-    <ds:schemaRef ds:uri="http://purl.org/dc/terms/"/>
-    <ds:schemaRef ds:uri="http://schemas.microsoft.com/office/2006/documentManagement/types"/>
-    <ds:schemaRef ds:uri="http://schemas.microsoft.com/office/2006/metadata/properties"/>
-    <ds:schemaRef ds:uri="http://schemas.microsoft.com/office/infopath/2007/PartnerControls"/>
-    <ds:schemaRef ds:uri="http://schemas.microsoft.com/sharepoint.v3"/>
-    <ds:schemaRef ds:uri="http://schemas.microsoft.com/sharepoint/v3"/>
-    <ds:schemaRef ds:uri="http://schemas.microsoft.com/sharepoint/v3/fields"/>
-    <ds:schemaRef ds:uri="http://schemas.openxmlformats.org/package/2006/metadata/core-properties"/>
-    <ds:schemaRef ds:uri="http://www.w3.org/XML/1998/namespace"/>
-  </ds:schemaRefs>
-</ds:datastoreItem>
-</file>
-
 <file path=customXml/itemProps4.xml><?xml version="1.0" encoding="utf-8"?>
-<ds:datastoreItem xmlns:ds="http://schemas.openxmlformats.org/officeDocument/2006/customXml" ds:itemID="{3C7E442D-67AE-4E47-A991-4E464A95F37B}">
-  <ds:schemaRefs>
-    <ds:schemaRef ds:uri="Microsoft.SharePoint.Taxonomy.ContentTypeSync"/>
-  </ds:schemaRefs>
-</ds:datastoreItem>
+<ds:datastoreItem xmlns:ds="http://schemas.openxmlformats.org/officeDocument/2006/customXml" ds:itemID="{206B5337-00F9-41BC-AA3A-2D0738BABA5A}"/>
 </file>
--- a/erb_supporting_docs/Packaging_Resources/lib/ERB/Projects/Explore/Goals/Default_Goal/Supporting_DOC/Indicator_Card_Template.pptx
+++ b/erb_supporting_docs/Packaging_Resources/lib/ERB/Projects/Explore/Goals/Default_Goal/Supporting_DOC/Indicator_Card_Template.pptx
@@ -129,432 +129,99 @@
 <file path=ppt/changesInfos/changesInfo1.xml><?xml version="1.0" encoding="utf-8"?>
 <pc:chgInfo xmlns:a="http://schemas.openxmlformats.org/drawingml/2006/main" xmlns:r="http://schemas.openxmlformats.org/officeDocument/2006/relationships" xmlns:ac="http://schemas.microsoft.com/office/drawing/2013/main/command" xmlns:pc="http://schemas.microsoft.com/office/powerpoint/2013/main/command">
   <pc:docChgLst>
-    <pc:chgData name="Matsler, Marissa (she/her/hers)" userId="1410ffa4-cd32-4727-bdae-74e62a85ae1d" providerId="ADAL" clId="{9D2B54E9-2AB2-4536-8C94-4FF25EC11963}"/>
-    <pc:docChg chg="undo custSel addSld delSld modSld sldOrd">
-      <pc:chgData name="Matsler, Marissa (she/her/hers)" userId="1410ffa4-cd32-4727-bdae-74e62a85ae1d" providerId="ADAL" clId="{9D2B54E9-2AB2-4536-8C94-4FF25EC11963}" dt="2023-04-12T15:34:06.495" v="1830" actId="20577"/>
+    <pc:chgData name="Fry, Meridith (she/her/hers)" userId="744b0799-9c5f-4010-b84c-816c454cc486" providerId="ADAL" clId="{B448CFAC-879E-423A-8E7D-4DD1035F7C5E}"/>
+    <pc:docChg chg="custSel modSld">
+      <pc:chgData name="Fry, Meridith (she/her/hers)" userId="744b0799-9c5f-4010-b84c-816c454cc486" providerId="ADAL" clId="{B448CFAC-879E-423A-8E7D-4DD1035F7C5E}" dt="2023-06-14T16:46:49.366" v="31" actId="20577"/>
       <pc:docMkLst>
         <pc:docMk/>
       </pc:docMkLst>
-      <pc:sldChg chg="addSp delSp modSp new mod">
-        <pc:chgData name="Matsler, Marissa (she/her/hers)" userId="1410ffa4-cd32-4727-bdae-74e62a85ae1d" providerId="ADAL" clId="{9D2B54E9-2AB2-4536-8C94-4FF25EC11963}" dt="2023-04-11T15:28:53.529" v="12" actId="12788"/>
-        <pc:sldMkLst>
-          <pc:docMk/>
-          <pc:sldMk cId="3145412834" sldId="256"/>
-        </pc:sldMkLst>
-        <pc:spChg chg="del">
-          <ac:chgData name="Matsler, Marissa (she/her/hers)" userId="1410ffa4-cd32-4727-bdae-74e62a85ae1d" providerId="ADAL" clId="{9D2B54E9-2AB2-4536-8C94-4FF25EC11963}" dt="2023-04-11T15:25:16.444" v="1" actId="478"/>
-          <ac:spMkLst>
-            <pc:docMk/>
-            <pc:sldMk cId="3145412834" sldId="256"/>
-            <ac:spMk id="2" creationId="{7FECD414-C5E6-EC60-1AFA-0C1C1C4FD59B}"/>
-          </ac:spMkLst>
-        </pc:spChg>
-        <pc:spChg chg="del">
-          <ac:chgData name="Matsler, Marissa (she/her/hers)" userId="1410ffa4-cd32-4727-bdae-74e62a85ae1d" providerId="ADAL" clId="{9D2B54E9-2AB2-4536-8C94-4FF25EC11963}" dt="2023-04-11T15:25:18.695" v="2" actId="478"/>
-          <ac:spMkLst>
-            <pc:docMk/>
-            <pc:sldMk cId="3145412834" sldId="256"/>
-            <ac:spMk id="3" creationId="{6DC47A4F-D7E6-C1D9-DBC6-99268C37FB5D}"/>
-          </ac:spMkLst>
-        </pc:spChg>
-        <pc:picChg chg="mod">
-          <ac:chgData name="Matsler, Marissa (she/her/hers)" userId="1410ffa4-cd32-4727-bdae-74e62a85ae1d" providerId="ADAL" clId="{9D2B54E9-2AB2-4536-8C94-4FF25EC11963}" dt="2023-04-11T15:28:53.529" v="12" actId="12788"/>
-          <ac:picMkLst>
-            <pc:docMk/>
-            <pc:sldMk cId="3145412834" sldId="256"/>
-            <ac:picMk id="4" creationId="{C3277DBE-73E6-5781-4B8B-6E6B3551EEEB}"/>
-          </ac:picMkLst>
-        </pc:picChg>
-        <pc:picChg chg="add del mod">
-          <ac:chgData name="Matsler, Marissa (she/her/hers)" userId="1410ffa4-cd32-4727-bdae-74e62a85ae1d" providerId="ADAL" clId="{9D2B54E9-2AB2-4536-8C94-4FF25EC11963}" dt="2023-04-11T15:28:40.695" v="10" actId="478"/>
-          <ac:picMkLst>
-            <pc:docMk/>
-            <pc:sldMk cId="3145412834" sldId="256"/>
-            <ac:picMk id="5" creationId="{FA66653A-D7D0-56C9-F4C6-8C14C7890670}"/>
-          </ac:picMkLst>
-        </pc:picChg>
-      </pc:sldChg>
-      <pc:sldChg chg="addSp delSp modSp del mod">
-        <pc:chgData name="Matsler, Marissa (she/her/hers)" userId="1410ffa4-cd32-4727-bdae-74e62a85ae1d" providerId="ADAL" clId="{9D2B54E9-2AB2-4536-8C94-4FF25EC11963}" dt="2023-04-11T16:49:37.291" v="1273" actId="47"/>
-        <pc:sldMkLst>
-          <pc:docMk/>
-          <pc:sldMk cId="2637366253" sldId="257"/>
-        </pc:sldMkLst>
-        <pc:spChg chg="mod">
-          <ac:chgData name="Matsler, Marissa (she/her/hers)" userId="1410ffa4-cd32-4727-bdae-74e62a85ae1d" providerId="ADAL" clId="{9D2B54E9-2AB2-4536-8C94-4FF25EC11963}" dt="2023-04-11T15:39:25.485" v="415" actId="14100"/>
-          <ac:spMkLst>
-            <pc:docMk/>
-            <pc:sldMk cId="2637366253" sldId="257"/>
-            <ac:spMk id="2" creationId="{6427F933-EFFA-5187-6A06-328B41BF4BE4}"/>
-          </ac:spMkLst>
-        </pc:spChg>
-        <pc:spChg chg="del">
-          <ac:chgData name="Matsler, Marissa (she/her/hers)" userId="1410ffa4-cd32-4727-bdae-74e62a85ae1d" providerId="ADAL" clId="{9D2B54E9-2AB2-4536-8C94-4FF25EC11963}" dt="2023-04-11T15:29:01.853" v="13" actId="478"/>
-          <ac:spMkLst>
-            <pc:docMk/>
-            <pc:sldMk cId="2637366253" sldId="257"/>
-            <ac:spMk id="2" creationId="{FB6700A9-76CA-D098-5083-54850BD08518}"/>
-          </ac:spMkLst>
-        </pc:spChg>
-        <pc:spChg chg="del">
-          <ac:chgData name="Matsler, Marissa (she/her/hers)" userId="1410ffa4-cd32-4727-bdae-74e62a85ae1d" providerId="ADAL" clId="{9D2B54E9-2AB2-4536-8C94-4FF25EC11963}" dt="2023-04-11T15:29:08.427" v="14" actId="478"/>
-          <ac:spMkLst>
-            <pc:docMk/>
-            <pc:sldMk cId="2637366253" sldId="257"/>
-            <ac:spMk id="3" creationId="{BB743B56-31F4-3D6F-D955-B168161ED3AB}"/>
-          </ac:spMkLst>
-        </pc:spChg>
-        <pc:spChg chg="mod">
-          <ac:chgData name="Matsler, Marissa (she/her/hers)" userId="1410ffa4-cd32-4727-bdae-74e62a85ae1d" providerId="ADAL" clId="{9D2B54E9-2AB2-4536-8C94-4FF25EC11963}" dt="2023-04-11T15:39:56.182" v="422" actId="1076"/>
-          <ac:spMkLst>
-            <pc:docMk/>
-            <pc:sldMk cId="2637366253" sldId="257"/>
-            <ac:spMk id="3" creationId="{DAC9B4E7-F773-02AC-A796-357838431F91}"/>
-          </ac:spMkLst>
-        </pc:spChg>
-        <pc:spChg chg="add del mod">
-          <ac:chgData name="Matsler, Marissa (she/her/hers)" userId="1410ffa4-cd32-4727-bdae-74e62a85ae1d" providerId="ADAL" clId="{9D2B54E9-2AB2-4536-8C94-4FF25EC11963}" dt="2023-04-11T15:41:11.501" v="463" actId="113"/>
-          <ac:spMkLst>
-            <pc:docMk/>
-            <pc:sldMk cId="2637366253" sldId="257"/>
-            <ac:spMk id="4" creationId="{6774AB7A-3034-44B5-8BBD-58941BACFBE9}"/>
-          </ac:spMkLst>
-        </pc:spChg>
-        <pc:spChg chg="add mod">
-          <ac:chgData name="Matsler, Marissa (she/her/hers)" userId="1410ffa4-cd32-4727-bdae-74e62a85ae1d" providerId="ADAL" clId="{9D2B54E9-2AB2-4536-8C94-4FF25EC11963}" dt="2023-04-11T15:41:05.318" v="461" actId="113"/>
-          <ac:spMkLst>
-            <pc:docMk/>
-            <pc:sldMk cId="2637366253" sldId="257"/>
-            <ac:spMk id="5" creationId="{479FD662-7FA9-1241-E357-1CD586678554}"/>
-          </ac:spMkLst>
-        </pc:spChg>
-        <pc:spChg chg="add mod">
-          <ac:chgData name="Matsler, Marissa (she/her/hers)" userId="1410ffa4-cd32-4727-bdae-74e62a85ae1d" providerId="ADAL" clId="{9D2B54E9-2AB2-4536-8C94-4FF25EC11963}" dt="2023-04-11T15:32:45.522" v="325" actId="122"/>
-          <ac:spMkLst>
-            <pc:docMk/>
-            <pc:sldMk cId="2637366253" sldId="257"/>
-            <ac:spMk id="6" creationId="{12D96748-7879-EB94-1A2E-5EC08B30ED25}"/>
-          </ac:spMkLst>
-        </pc:spChg>
-        <pc:spChg chg="add mod">
-          <ac:chgData name="Matsler, Marissa (she/her/hers)" userId="1410ffa4-cd32-4727-bdae-74e62a85ae1d" providerId="ADAL" clId="{9D2B54E9-2AB2-4536-8C94-4FF25EC11963}" dt="2023-04-11T15:32:45.522" v="325" actId="122"/>
-          <ac:spMkLst>
-            <pc:docMk/>
-            <pc:sldMk cId="2637366253" sldId="257"/>
-            <ac:spMk id="7" creationId="{3CA638AD-DB85-3FDE-AFB4-1818C7B0907D}"/>
-          </ac:spMkLst>
-        </pc:spChg>
-        <pc:spChg chg="add del mod">
-          <ac:chgData name="Matsler, Marissa (she/her/hers)" userId="1410ffa4-cd32-4727-bdae-74e62a85ae1d" providerId="ADAL" clId="{9D2B54E9-2AB2-4536-8C94-4FF25EC11963}" dt="2023-04-11T15:38:10.490" v="401" actId="478"/>
-          <ac:spMkLst>
-            <pc:docMk/>
-            <pc:sldMk cId="2637366253" sldId="257"/>
-            <ac:spMk id="9" creationId="{8A82D74D-DE63-2321-EC6B-958869D70B81}"/>
-          </ac:spMkLst>
-        </pc:spChg>
-      </pc:sldChg>
-      <pc:sldChg chg="modSp del mod">
-        <pc:chgData name="Matsler, Marissa (she/her/hers)" userId="1410ffa4-cd32-4727-bdae-74e62a85ae1d" providerId="ADAL" clId="{9D2B54E9-2AB2-4536-8C94-4FF25EC11963}" dt="2023-04-11T16:51:30.428" v="1276" actId="47"/>
-        <pc:sldMkLst>
-          <pc:docMk/>
-          <pc:sldMk cId="3419876165" sldId="258"/>
-        </pc:sldMkLst>
-        <pc:spChg chg="mod">
-          <ac:chgData name="Matsler, Marissa (she/her/hers)" userId="1410ffa4-cd32-4727-bdae-74e62a85ae1d" providerId="ADAL" clId="{9D2B54E9-2AB2-4536-8C94-4FF25EC11963}" dt="2023-04-11T15:46:28.693" v="498" actId="20577"/>
-          <ac:spMkLst>
-            <pc:docMk/>
-            <pc:sldMk cId="3419876165" sldId="258"/>
-            <ac:spMk id="4" creationId="{6774AB7A-3034-44B5-8BBD-58941BACFBE9}"/>
-          </ac:spMkLst>
-        </pc:spChg>
-      </pc:sldChg>
       <pc:sldChg chg="modSp mod">
-        <pc:chgData name="Matsler, Marissa (she/her/hers)" userId="1410ffa4-cd32-4727-bdae-74e62a85ae1d" providerId="ADAL" clId="{9D2B54E9-2AB2-4536-8C94-4FF25EC11963}" dt="2023-04-11T16:41:53.800" v="798" actId="20577"/>
+        <pc:chgData name="Fry, Meridith (she/her/hers)" userId="744b0799-9c5f-4010-b84c-816c454cc486" providerId="ADAL" clId="{B448CFAC-879E-423A-8E7D-4DD1035F7C5E}" dt="2023-06-14T16:45:10.374" v="4" actId="33524"/>
         <pc:sldMkLst>
           <pc:docMk/>
           <pc:sldMk cId="3989611827" sldId="259"/>
         </pc:sldMkLst>
         <pc:spChg chg="mod">
-          <ac:chgData name="Matsler, Marissa (she/her/hers)" userId="1410ffa4-cd32-4727-bdae-74e62a85ae1d" providerId="ADAL" clId="{9D2B54E9-2AB2-4536-8C94-4FF25EC11963}" dt="2023-04-11T16:41:53.800" v="798" actId="20577"/>
+          <ac:chgData name="Fry, Meridith (she/her/hers)" userId="744b0799-9c5f-4010-b84c-816c454cc486" providerId="ADAL" clId="{B448CFAC-879E-423A-8E7D-4DD1035F7C5E}" dt="2023-06-14T16:45:10.374" v="4" actId="33524"/>
           <ac:spMkLst>
             <pc:docMk/>
             <pc:sldMk cId="3989611827" sldId="259"/>
             <ac:spMk id="4" creationId="{6774AB7A-3034-44B5-8BBD-58941BACFBE9}"/>
           </ac:spMkLst>
         </pc:spChg>
-        <pc:spChg chg="mod">
-          <ac:chgData name="Matsler, Marissa (she/her/hers)" userId="1410ffa4-cd32-4727-bdae-74e62a85ae1d" providerId="ADAL" clId="{9D2B54E9-2AB2-4536-8C94-4FF25EC11963}" dt="2023-04-11T16:30:20.455" v="583" actId="20577"/>
-          <ac:spMkLst>
-            <pc:docMk/>
-            <pc:sldMk cId="3989611827" sldId="259"/>
-            <ac:spMk id="5" creationId="{479FD662-7FA9-1241-E357-1CD586678554}"/>
-          </ac:spMkLst>
-        </pc:spChg>
       </pc:sldChg>
-      <pc:sldChg chg="delSp modSp add mod ord">
-        <pc:chgData name="Matsler, Marissa (she/her/hers)" userId="1410ffa4-cd32-4727-bdae-74e62a85ae1d" providerId="ADAL" clId="{9D2B54E9-2AB2-4536-8C94-4FF25EC11963}" dt="2023-04-11T16:48:58.520" v="1272" actId="20577"/>
+      <pc:sldChg chg="modSp mod">
+        <pc:chgData name="Fry, Meridith (she/her/hers)" userId="744b0799-9c5f-4010-b84c-816c454cc486" providerId="ADAL" clId="{B448CFAC-879E-423A-8E7D-4DD1035F7C5E}" dt="2023-06-14T16:44:35.796" v="1" actId="20577"/>
         <pc:sldMkLst>
           <pc:docMk/>
           <pc:sldMk cId="1226469851" sldId="260"/>
         </pc:sldMkLst>
         <pc:spChg chg="mod">
-          <ac:chgData name="Matsler, Marissa (she/her/hers)" userId="1410ffa4-cd32-4727-bdae-74e62a85ae1d" providerId="ADAL" clId="{9D2B54E9-2AB2-4536-8C94-4FF25EC11963}" dt="2023-04-11T16:44:21.575" v="834" actId="207"/>
-          <ac:spMkLst>
-            <pc:docMk/>
-            <pc:sldMk cId="1226469851" sldId="260"/>
-            <ac:spMk id="2" creationId="{6427F933-EFFA-5187-6A06-328B41BF4BE4}"/>
-          </ac:spMkLst>
-        </pc:spChg>
-        <pc:spChg chg="mod">
-          <ac:chgData name="Matsler, Marissa (she/her/hers)" userId="1410ffa4-cd32-4727-bdae-74e62a85ae1d" providerId="ADAL" clId="{9D2B54E9-2AB2-4536-8C94-4FF25EC11963}" dt="2023-04-11T16:44:26.034" v="835" actId="207"/>
-          <ac:spMkLst>
-            <pc:docMk/>
-            <pc:sldMk cId="1226469851" sldId="260"/>
-            <ac:spMk id="3" creationId="{DAC9B4E7-F773-02AC-A796-357838431F91}"/>
-          </ac:spMkLst>
-        </pc:spChg>
-        <pc:spChg chg="mod">
-          <ac:chgData name="Matsler, Marissa (she/her/hers)" userId="1410ffa4-cd32-4727-bdae-74e62a85ae1d" providerId="ADAL" clId="{9D2B54E9-2AB2-4536-8C94-4FF25EC11963}" dt="2023-04-11T16:48:58.520" v="1272" actId="20577"/>
+          <ac:chgData name="Fry, Meridith (she/her/hers)" userId="744b0799-9c5f-4010-b84c-816c454cc486" providerId="ADAL" clId="{B448CFAC-879E-423A-8E7D-4DD1035F7C5E}" dt="2023-06-14T16:44:35.796" v="1" actId="20577"/>
           <ac:spMkLst>
             <pc:docMk/>
             <pc:sldMk cId="1226469851" sldId="260"/>
             <ac:spMk id="4" creationId="{6774AB7A-3034-44B5-8BBD-58941BACFBE9}"/>
           </ac:spMkLst>
         </pc:spChg>
-        <pc:spChg chg="mod">
-          <ac:chgData name="Matsler, Marissa (she/her/hers)" userId="1410ffa4-cd32-4727-bdae-74e62a85ae1d" providerId="ADAL" clId="{9D2B54E9-2AB2-4536-8C94-4FF25EC11963}" dt="2023-04-11T16:48:19.677" v="1227" actId="20577"/>
-          <ac:spMkLst>
-            <pc:docMk/>
-            <pc:sldMk cId="1226469851" sldId="260"/>
-            <ac:spMk id="5" creationId="{479FD662-7FA9-1241-E357-1CD586678554}"/>
-          </ac:spMkLst>
-        </pc:spChg>
-        <pc:spChg chg="del">
-          <ac:chgData name="Matsler, Marissa (she/her/hers)" userId="1410ffa4-cd32-4727-bdae-74e62a85ae1d" providerId="ADAL" clId="{9D2B54E9-2AB2-4536-8C94-4FF25EC11963}" dt="2023-04-11T16:46:01.270" v="945" actId="478"/>
-          <ac:spMkLst>
-            <pc:docMk/>
-            <pc:sldMk cId="1226469851" sldId="260"/>
-            <ac:spMk id="9" creationId="{54FF9B3B-D48F-86CC-9B69-1201EE6DF0B4}"/>
-          </ac:spMkLst>
-        </pc:spChg>
-        <pc:spChg chg="del">
-          <ac:chgData name="Matsler, Marissa (she/her/hers)" userId="1410ffa4-cd32-4727-bdae-74e62a85ae1d" providerId="ADAL" clId="{9D2B54E9-2AB2-4536-8C94-4FF25EC11963}" dt="2023-04-11T16:46:05.895" v="946" actId="478"/>
-          <ac:spMkLst>
-            <pc:docMk/>
-            <pc:sldMk cId="1226469851" sldId="260"/>
-            <ac:spMk id="11" creationId="{1BBCA1B9-3604-1E3D-6503-2B434E7364F1}"/>
-          </ac:spMkLst>
-        </pc:spChg>
       </pc:sldChg>
-      <pc:sldChg chg="add">
-        <pc:chgData name="Matsler, Marissa (she/her/hers)" userId="1410ffa4-cd32-4727-bdae-74e62a85ae1d" providerId="ADAL" clId="{9D2B54E9-2AB2-4536-8C94-4FF25EC11963}" dt="2023-04-11T16:49:57.784" v="1274" actId="2890"/>
+      <pc:sldChg chg="modSp mod">
+        <pc:chgData name="Fry, Meridith (she/her/hers)" userId="744b0799-9c5f-4010-b84c-816c454cc486" providerId="ADAL" clId="{B448CFAC-879E-423A-8E7D-4DD1035F7C5E}" dt="2023-06-14T16:44:31.714" v="0" actId="20577"/>
         <pc:sldMkLst>
           <pc:docMk/>
           <pc:sldMk cId="3243331262" sldId="261"/>
         </pc:sldMkLst>
+        <pc:spChg chg="mod">
+          <ac:chgData name="Fry, Meridith (she/her/hers)" userId="744b0799-9c5f-4010-b84c-816c454cc486" providerId="ADAL" clId="{B448CFAC-879E-423A-8E7D-4DD1035F7C5E}" dt="2023-06-14T16:44:31.714" v="0" actId="20577"/>
+          <ac:spMkLst>
+            <pc:docMk/>
+            <pc:sldMk cId="3243331262" sldId="261"/>
+            <ac:spMk id="4" creationId="{6774AB7A-3034-44B5-8BBD-58941BACFBE9}"/>
+          </ac:spMkLst>
+        </pc:spChg>
       </pc:sldChg>
-      <pc:sldChg chg="add">
-        <pc:chgData name="Matsler, Marissa (she/her/hers)" userId="1410ffa4-cd32-4727-bdae-74e62a85ae1d" providerId="ADAL" clId="{9D2B54E9-2AB2-4536-8C94-4FF25EC11963}" dt="2023-04-11T16:49:59.924" v="1275" actId="2890"/>
+      <pc:sldChg chg="modSp mod">
+        <pc:chgData name="Fry, Meridith (she/her/hers)" userId="744b0799-9c5f-4010-b84c-816c454cc486" providerId="ADAL" clId="{B448CFAC-879E-423A-8E7D-4DD1035F7C5E}" dt="2023-06-14T16:44:57.791" v="2" actId="6549"/>
         <pc:sldMkLst>
           <pc:docMk/>
           <pc:sldMk cId="1997747637" sldId="262"/>
         </pc:sldMkLst>
+        <pc:spChg chg="mod">
+          <ac:chgData name="Fry, Meridith (she/her/hers)" userId="744b0799-9c5f-4010-b84c-816c454cc486" providerId="ADAL" clId="{B448CFAC-879E-423A-8E7D-4DD1035F7C5E}" dt="2023-06-14T16:44:57.791" v="2" actId="6549"/>
+          <ac:spMkLst>
+            <pc:docMk/>
+            <pc:sldMk cId="1997747637" sldId="262"/>
+            <ac:spMk id="4" creationId="{6774AB7A-3034-44B5-8BBD-58941BACFBE9}"/>
+          </ac:spMkLst>
+        </pc:spChg>
       </pc:sldChg>
-      <pc:sldChg chg="addSp delSp modSp add mod ord modNotesTx">
-        <pc:chgData name="Matsler, Marissa (she/her/hers)" userId="1410ffa4-cd32-4727-bdae-74e62a85ae1d" providerId="ADAL" clId="{9D2B54E9-2AB2-4536-8C94-4FF25EC11963}" dt="2023-04-12T15:28:39.224" v="1579" actId="20577"/>
+      <pc:sldChg chg="modSp mod">
+        <pc:chgData name="Fry, Meridith (she/her/hers)" userId="744b0799-9c5f-4010-b84c-816c454cc486" providerId="ADAL" clId="{B448CFAC-879E-423A-8E7D-4DD1035F7C5E}" dt="2023-06-14T16:45:21.341" v="6" actId="6549"/>
         <pc:sldMkLst>
           <pc:docMk/>
-          <pc:sldMk cId="431036989" sldId="265"/>
+          <pc:sldMk cId="3402338812" sldId="264"/>
         </pc:sldMkLst>
         <pc:spChg chg="mod">
-          <ac:chgData name="Matsler, Marissa (she/her/hers)" userId="1410ffa4-cd32-4727-bdae-74e62a85ae1d" providerId="ADAL" clId="{9D2B54E9-2AB2-4536-8C94-4FF25EC11963}" dt="2023-04-12T15:23:53.423" v="1350" actId="2085"/>
-          <ac:spMkLst>
-            <pc:docMk/>
-            <pc:sldMk cId="431036989" sldId="265"/>
-            <ac:spMk id="2" creationId="{6427F933-EFFA-5187-6A06-328B41BF4BE4}"/>
-          </ac:spMkLst>
-        </pc:spChg>
-        <pc:spChg chg="mod">
-          <ac:chgData name="Matsler, Marissa (she/her/hers)" userId="1410ffa4-cd32-4727-bdae-74e62a85ae1d" providerId="ADAL" clId="{9D2B54E9-2AB2-4536-8C94-4FF25EC11963}" dt="2023-04-12T15:23:53.423" v="1350" actId="2085"/>
-          <ac:spMkLst>
-            <pc:docMk/>
-            <pc:sldMk cId="431036989" sldId="265"/>
-            <ac:spMk id="3" creationId="{DAC9B4E7-F773-02AC-A796-357838431F91}"/>
-          </ac:spMkLst>
-        </pc:spChg>
-        <pc:spChg chg="mod">
-          <ac:chgData name="Matsler, Marissa (she/her/hers)" userId="1410ffa4-cd32-4727-bdae-74e62a85ae1d" providerId="ADAL" clId="{9D2B54E9-2AB2-4536-8C94-4FF25EC11963}" dt="2023-04-12T15:26:13.780" v="1437" actId="20577"/>
-          <ac:spMkLst>
-            <pc:docMk/>
-            <pc:sldMk cId="431036989" sldId="265"/>
+          <ac:chgData name="Fry, Meridith (she/her/hers)" userId="744b0799-9c5f-4010-b84c-816c454cc486" providerId="ADAL" clId="{B448CFAC-879E-423A-8E7D-4DD1035F7C5E}" dt="2023-06-14T16:45:21.341" v="6" actId="6549"/>
+          <ac:spMkLst>
+            <pc:docMk/>
+            <pc:sldMk cId="3402338812" sldId="264"/>
             <ac:spMk id="4" creationId="{6774AB7A-3034-44B5-8BBD-58941BACFBE9}"/>
           </ac:spMkLst>
         </pc:spChg>
-        <pc:spChg chg="mod">
-          <ac:chgData name="Matsler, Marissa (she/her/hers)" userId="1410ffa4-cd32-4727-bdae-74e62a85ae1d" providerId="ADAL" clId="{9D2B54E9-2AB2-4536-8C94-4FF25EC11963}" dt="2023-04-12T15:26:40.749" v="1500" actId="20577"/>
-          <ac:spMkLst>
-            <pc:docMk/>
-            <pc:sldMk cId="431036989" sldId="265"/>
-            <ac:spMk id="5" creationId="{479FD662-7FA9-1241-E357-1CD586678554}"/>
-          </ac:spMkLst>
-        </pc:spChg>
-        <pc:spChg chg="del">
-          <ac:chgData name="Matsler, Marissa (she/her/hers)" userId="1410ffa4-cd32-4727-bdae-74e62a85ae1d" providerId="ADAL" clId="{9D2B54E9-2AB2-4536-8C94-4FF25EC11963}" dt="2023-04-12T15:23:19.466" v="1292" actId="478"/>
-          <ac:spMkLst>
-            <pc:docMk/>
-            <pc:sldMk cId="431036989" sldId="265"/>
-            <ac:spMk id="6" creationId="{12D96748-7879-EB94-1A2E-5EC08B30ED25}"/>
-          </ac:spMkLst>
-        </pc:spChg>
-        <pc:spChg chg="del">
-          <ac:chgData name="Matsler, Marissa (she/her/hers)" userId="1410ffa4-cd32-4727-bdae-74e62a85ae1d" providerId="ADAL" clId="{9D2B54E9-2AB2-4536-8C94-4FF25EC11963}" dt="2023-04-12T15:23:21.283" v="1293" actId="478"/>
-          <ac:spMkLst>
-            <pc:docMk/>
-            <pc:sldMk cId="431036989" sldId="265"/>
-            <ac:spMk id="7" creationId="{3CA638AD-DB85-3FDE-AFB4-1818C7B0907D}"/>
-          </ac:spMkLst>
-        </pc:spChg>
-        <pc:spChg chg="add mod">
-          <ac:chgData name="Matsler, Marissa (she/her/hers)" userId="1410ffa4-cd32-4727-bdae-74e62a85ae1d" providerId="ADAL" clId="{9D2B54E9-2AB2-4536-8C94-4FF25EC11963}" dt="2023-04-12T15:21:07.366" v="1280" actId="1076"/>
-          <ac:spMkLst>
-            <pc:docMk/>
-            <pc:sldMk cId="431036989" sldId="265"/>
-            <ac:spMk id="8" creationId="{9DD20330-B97F-3A61-A7B4-44B06E88D786}"/>
-          </ac:spMkLst>
-        </pc:spChg>
-        <pc:spChg chg="add mod">
-          <ac:chgData name="Matsler, Marissa (she/her/hers)" userId="1410ffa4-cd32-4727-bdae-74e62a85ae1d" providerId="ADAL" clId="{9D2B54E9-2AB2-4536-8C94-4FF25EC11963}" dt="2023-04-12T15:24:39.407" v="1355" actId="1076"/>
-          <ac:spMkLst>
-            <pc:docMk/>
-            <pc:sldMk cId="431036989" sldId="265"/>
-            <ac:spMk id="9" creationId="{A579C18F-0E7F-564E-0CEA-83D7122FF0E9}"/>
-          </ac:spMkLst>
-        </pc:spChg>
-        <pc:spChg chg="del">
-          <ac:chgData name="Matsler, Marissa (she/her/hers)" userId="1410ffa4-cd32-4727-bdae-74e62a85ae1d" providerId="ADAL" clId="{9D2B54E9-2AB2-4536-8C94-4FF25EC11963}" dt="2023-04-12T15:20:56.410" v="1278" actId="478"/>
-          <ac:spMkLst>
-            <pc:docMk/>
-            <pc:sldMk cId="431036989" sldId="265"/>
-            <ac:spMk id="10" creationId="{5CE2C573-7270-5C96-F8CB-9B37D5E68572}"/>
-          </ac:spMkLst>
-        </pc:spChg>
-        <pc:spChg chg="add mod">
-          <ac:chgData name="Matsler, Marissa (she/her/hers)" userId="1410ffa4-cd32-4727-bdae-74e62a85ae1d" providerId="ADAL" clId="{9D2B54E9-2AB2-4536-8C94-4FF25EC11963}" dt="2023-04-12T15:26:55.318" v="1502" actId="1076"/>
-          <ac:spMkLst>
-            <pc:docMk/>
-            <pc:sldMk cId="431036989" sldId="265"/>
-            <ac:spMk id="12" creationId="{43E77EEF-946B-C55F-8F94-E89AA0506C65}"/>
-          </ac:spMkLst>
-        </pc:spChg>
-        <pc:spChg chg="add mod">
-          <ac:chgData name="Matsler, Marissa (she/her/hers)" userId="1410ffa4-cd32-4727-bdae-74e62a85ae1d" providerId="ADAL" clId="{9D2B54E9-2AB2-4536-8C94-4FF25EC11963}" dt="2023-04-12T15:23:59.291" v="1351" actId="1076"/>
-          <ac:spMkLst>
-            <pc:docMk/>
-            <pc:sldMk cId="431036989" sldId="265"/>
-            <ac:spMk id="13" creationId="{D9DBD911-9FDA-0456-B864-47FE5B607438}"/>
-          </ac:spMkLst>
-        </pc:spChg>
-        <pc:spChg chg="add mod">
-          <ac:chgData name="Matsler, Marissa (she/her/hers)" userId="1410ffa4-cd32-4727-bdae-74e62a85ae1d" providerId="ADAL" clId="{9D2B54E9-2AB2-4536-8C94-4FF25EC11963}" dt="2023-04-12T15:21:11.230" v="1281" actId="1076"/>
-          <ac:spMkLst>
-            <pc:docMk/>
-            <pc:sldMk cId="431036989" sldId="265"/>
-            <ac:spMk id="14" creationId="{A18FF217-5D5F-AD38-D8A7-6B99371ED79F}"/>
-          </ac:spMkLst>
-        </pc:spChg>
-        <pc:spChg chg="add mod">
-          <ac:chgData name="Matsler, Marissa (she/her/hers)" userId="1410ffa4-cd32-4727-bdae-74e62a85ae1d" providerId="ADAL" clId="{9D2B54E9-2AB2-4536-8C94-4FF25EC11963}" dt="2023-04-12T15:20:57.517" v="1279"/>
-          <ac:spMkLst>
-            <pc:docMk/>
-            <pc:sldMk cId="431036989" sldId="265"/>
-            <ac:spMk id="15" creationId="{3DA06D0A-88ED-BBC7-5940-82343BD55444}"/>
-          </ac:spMkLst>
-        </pc:spChg>
-        <pc:spChg chg="add mod">
-          <ac:chgData name="Matsler, Marissa (she/her/hers)" userId="1410ffa4-cd32-4727-bdae-74e62a85ae1d" providerId="ADAL" clId="{9D2B54E9-2AB2-4536-8C94-4FF25EC11963}" dt="2023-04-12T15:26:45.822" v="1501" actId="1076"/>
-          <ac:spMkLst>
-            <pc:docMk/>
-            <pc:sldMk cId="431036989" sldId="265"/>
-            <ac:spMk id="16" creationId="{189D932F-B59B-CC9B-9616-6439A08695C4}"/>
-          </ac:spMkLst>
-        </pc:spChg>
-        <pc:spChg chg="add mod">
-          <ac:chgData name="Matsler, Marissa (she/her/hers)" userId="1410ffa4-cd32-4727-bdae-74e62a85ae1d" providerId="ADAL" clId="{9D2B54E9-2AB2-4536-8C94-4FF25EC11963}" dt="2023-04-12T15:26:39.089" v="1499" actId="1076"/>
-          <ac:spMkLst>
-            <pc:docMk/>
-            <pc:sldMk cId="431036989" sldId="265"/>
-            <ac:spMk id="17" creationId="{F3C6138C-E5E0-1A0B-A2A5-3C52450E1C03}"/>
-          </ac:spMkLst>
-        </pc:spChg>
       </pc:sldChg>
-      <pc:sldChg chg="delSp modSp add mod modNotesTx">
-        <pc:chgData name="Matsler, Marissa (she/her/hers)" userId="1410ffa4-cd32-4727-bdae-74e62a85ae1d" providerId="ADAL" clId="{9D2B54E9-2AB2-4536-8C94-4FF25EC11963}" dt="2023-04-12T15:34:06.495" v="1830" actId="20577"/>
+      <pc:sldChg chg="modSp mod">
+        <pc:chgData name="Fry, Meridith (she/her/hers)" userId="744b0799-9c5f-4010-b84c-816c454cc486" providerId="ADAL" clId="{B448CFAC-879E-423A-8E7D-4DD1035F7C5E}" dt="2023-06-14T16:46:49.366" v="31" actId="20577"/>
         <pc:sldMkLst>
           <pc:docMk/>
-          <pc:sldMk cId="666423554" sldId="268"/>
+          <pc:sldMk cId="3524633860" sldId="267"/>
         </pc:sldMkLst>
         <pc:spChg chg="mod">
-          <ac:chgData name="Matsler, Marissa (she/her/hers)" userId="1410ffa4-cd32-4727-bdae-74e62a85ae1d" providerId="ADAL" clId="{9D2B54E9-2AB2-4536-8C94-4FF25EC11963}" dt="2023-04-12T15:33:40.535" v="1728" actId="2085"/>
-          <ac:spMkLst>
-            <pc:docMk/>
-            <pc:sldMk cId="666423554" sldId="268"/>
-            <ac:spMk id="2" creationId="{6427F933-EFFA-5187-6A06-328B41BF4BE4}"/>
-          </ac:spMkLst>
-        </pc:spChg>
-        <pc:spChg chg="mod">
-          <ac:chgData name="Matsler, Marissa (she/her/hers)" userId="1410ffa4-cd32-4727-bdae-74e62a85ae1d" providerId="ADAL" clId="{9D2B54E9-2AB2-4536-8C94-4FF25EC11963}" dt="2023-04-12T15:33:40.535" v="1728" actId="2085"/>
-          <ac:spMkLst>
-            <pc:docMk/>
-            <pc:sldMk cId="666423554" sldId="268"/>
-            <ac:spMk id="3" creationId="{DAC9B4E7-F773-02AC-A796-357838431F91}"/>
-          </ac:spMkLst>
-        </pc:spChg>
-        <pc:spChg chg="mod">
-          <ac:chgData name="Matsler, Marissa (she/her/hers)" userId="1410ffa4-cd32-4727-bdae-74e62a85ae1d" providerId="ADAL" clId="{9D2B54E9-2AB2-4536-8C94-4FF25EC11963}" dt="2023-04-12T15:32:18.278" v="1699" actId="1037"/>
-          <ac:spMkLst>
-            <pc:docMk/>
-            <pc:sldMk cId="666423554" sldId="268"/>
-            <ac:spMk id="5" creationId="{479FD662-7FA9-1241-E357-1CD586678554}"/>
-          </ac:spMkLst>
-        </pc:spChg>
-        <pc:spChg chg="del">
-          <ac:chgData name="Matsler, Marissa (she/her/hers)" userId="1410ffa4-cd32-4727-bdae-74e62a85ae1d" providerId="ADAL" clId="{9D2B54E9-2AB2-4536-8C94-4FF25EC11963}" dt="2023-04-12T15:32:03.408" v="1650" actId="478"/>
-          <ac:spMkLst>
-            <pc:docMk/>
-            <pc:sldMk cId="666423554" sldId="268"/>
-            <ac:spMk id="6" creationId="{12D96748-7879-EB94-1A2E-5EC08B30ED25}"/>
-          </ac:spMkLst>
-        </pc:spChg>
-        <pc:spChg chg="del">
-          <ac:chgData name="Matsler, Marissa (she/her/hers)" userId="1410ffa4-cd32-4727-bdae-74e62a85ae1d" providerId="ADAL" clId="{9D2B54E9-2AB2-4536-8C94-4FF25EC11963}" dt="2023-04-12T15:32:05.455" v="1651" actId="478"/>
-          <ac:spMkLst>
-            <pc:docMk/>
-            <pc:sldMk cId="666423554" sldId="268"/>
-            <ac:spMk id="7" creationId="{3CA638AD-DB85-3FDE-AFB4-1818C7B0907D}"/>
-          </ac:spMkLst>
-        </pc:spChg>
-        <pc:spChg chg="mod">
-          <ac:chgData name="Matsler, Marissa (she/her/hers)" userId="1410ffa4-cd32-4727-bdae-74e62a85ae1d" providerId="ADAL" clId="{9D2B54E9-2AB2-4536-8C94-4FF25EC11963}" dt="2023-04-12T15:32:26.369" v="1727" actId="1037"/>
-          <ac:spMkLst>
-            <pc:docMk/>
-            <pc:sldMk cId="666423554" sldId="268"/>
-            <ac:spMk id="14" creationId="{9A89CE7A-FF72-6CAA-8A4C-DA23A9F504A8}"/>
-          </ac:spMkLst>
-        </pc:spChg>
-        <pc:spChg chg="mod">
-          <ac:chgData name="Matsler, Marissa (she/her/hers)" userId="1410ffa4-cd32-4727-bdae-74e62a85ae1d" providerId="ADAL" clId="{9D2B54E9-2AB2-4536-8C94-4FF25EC11963}" dt="2023-04-12T15:32:26.369" v="1727" actId="1037"/>
-          <ac:spMkLst>
-            <pc:docMk/>
-            <pc:sldMk cId="666423554" sldId="268"/>
-            <ac:spMk id="16" creationId="{F4413BB9-0487-FFE2-C592-A6E606D83BAD}"/>
-          </ac:spMkLst>
-        </pc:spChg>
-        <pc:spChg chg="mod">
-          <ac:chgData name="Matsler, Marissa (she/her/hers)" userId="1410ffa4-cd32-4727-bdae-74e62a85ae1d" providerId="ADAL" clId="{9D2B54E9-2AB2-4536-8C94-4FF25EC11963}" dt="2023-04-12T15:32:26.369" v="1727" actId="1037"/>
-          <ac:spMkLst>
-            <pc:docMk/>
-            <pc:sldMk cId="666423554" sldId="268"/>
-            <ac:spMk id="17" creationId="{F73C36AA-3166-9782-E955-8EDEB2BA856A}"/>
+          <ac:chgData name="Fry, Meridith (she/her/hers)" userId="744b0799-9c5f-4010-b84c-816c454cc486" providerId="ADAL" clId="{B448CFAC-879E-423A-8E7D-4DD1035F7C5E}" dt="2023-06-14T16:46:49.366" v="31" actId="20577"/>
+          <ac:spMkLst>
+            <pc:docMk/>
+            <pc:sldMk cId="3524633860" sldId="267"/>
+            <ac:spMk id="4" creationId="{EA7FD89D-F11C-3331-50F1-55E61EDC50AA}"/>
           </ac:spMkLst>
         </pc:spChg>
       </pc:sldChg>
@@ -579,330 +246,6 @@
             <pc:docMk/>
             <pc:sldMk cId="3164985413" sldId="269"/>
             <ac:spMk id="3" creationId="{03205027-E5D7-1143-2288-6EFCC1A16DC7}"/>
-          </ac:spMkLst>
-        </pc:spChg>
-      </pc:sldChg>
-    </pc:docChg>
-  </pc:docChgLst>
-  <pc:docChgLst>
-    <pc:chgData name="Fry, Meridith (she/her/hers)" userId="S::fry.meridith@epa.gov::744b0799-9c5f-4010-b84c-816c454cc486" providerId="AD" clId="Web-{BCF4F10D-1701-433C-8F39-6EAF882CAC0B}"/>
-    <pc:docChg chg="modSld">
-      <pc:chgData name="Fry, Meridith (she/her/hers)" userId="S::fry.meridith@epa.gov::744b0799-9c5f-4010-b84c-816c454cc486" providerId="AD" clId="Web-{BCF4F10D-1701-433C-8F39-6EAF882CAC0B}" dt="2023-04-12T13:00:32.437" v="1" actId="20577"/>
-      <pc:docMkLst>
-        <pc:docMk/>
-      </pc:docMkLst>
-      <pc:sldChg chg="modSp">
-        <pc:chgData name="Fry, Meridith (she/her/hers)" userId="S::fry.meridith@epa.gov::744b0799-9c5f-4010-b84c-816c454cc486" providerId="AD" clId="Web-{BCF4F10D-1701-433C-8F39-6EAF882CAC0B}" dt="2023-04-12T13:00:32.437" v="1" actId="20577"/>
-        <pc:sldMkLst>
-          <pc:docMk/>
-          <pc:sldMk cId="3989611827" sldId="259"/>
-        </pc:sldMkLst>
-        <pc:spChg chg="mod">
-          <ac:chgData name="Fry, Meridith (she/her/hers)" userId="S::fry.meridith@epa.gov::744b0799-9c5f-4010-b84c-816c454cc486" providerId="AD" clId="Web-{BCF4F10D-1701-433C-8F39-6EAF882CAC0B}" dt="2023-04-12T13:00:32.437" v="1" actId="20577"/>
-          <ac:spMkLst>
-            <pc:docMk/>
-            <pc:sldMk cId="3989611827" sldId="259"/>
-            <ac:spMk id="4" creationId="{6774AB7A-3034-44B5-8BBD-58941BACFBE9}"/>
-          </ac:spMkLst>
-        </pc:spChg>
-      </pc:sldChg>
-    </pc:docChg>
-  </pc:docChgLst>
-  <pc:docChgLst>
-    <pc:chgData name="Roemer, Kelli" userId="S::roemer.kelli@epa.gov::cdc1d093-60ef-47f5-9329-cda3558f2540" providerId="AD" clId="Web-{AC588CDA-5816-5958-4E83-ABAB33815F28}"/>
-    <pc:docChg chg="addSld modSld sldOrd">
-      <pc:chgData name="Roemer, Kelli" userId="S::roemer.kelli@epa.gov::cdc1d093-60ef-47f5-9329-cda3558f2540" providerId="AD" clId="Web-{AC588CDA-5816-5958-4E83-ABAB33815F28}" dt="2023-04-11T16:57:36.370" v="1553" actId="1076"/>
-      <pc:docMkLst>
-        <pc:docMk/>
-      </pc:docMkLst>
-      <pc:sldChg chg="addSp modSp">
-        <pc:chgData name="Roemer, Kelli" userId="S::roemer.kelli@epa.gov::cdc1d093-60ef-47f5-9329-cda3558f2540" providerId="AD" clId="Web-{AC588CDA-5816-5958-4E83-ABAB33815F28}" dt="2023-04-11T16:43:39.913" v="1291" actId="20577"/>
-        <pc:sldMkLst>
-          <pc:docMk/>
-          <pc:sldMk cId="2637366253" sldId="257"/>
-        </pc:sldMkLst>
-        <pc:spChg chg="add mod ord">
-          <ac:chgData name="Roemer, Kelli" userId="S::roemer.kelli@epa.gov::cdc1d093-60ef-47f5-9329-cda3558f2540" providerId="AD" clId="Web-{AC588CDA-5816-5958-4E83-ABAB33815F28}" dt="2023-04-11T15:38:53.508" v="55" actId="14100"/>
-          <ac:spMkLst>
-            <pc:docMk/>
-            <pc:sldMk cId="2637366253" sldId="257"/>
-            <ac:spMk id="2" creationId="{6427F933-EFFA-5187-6A06-328B41BF4BE4}"/>
-          </ac:spMkLst>
-        </pc:spChg>
-        <pc:spChg chg="add mod ord">
-          <ac:chgData name="Roemer, Kelli" userId="S::roemer.kelli@epa.gov::cdc1d093-60ef-47f5-9329-cda3558f2540" providerId="AD" clId="Web-{AC588CDA-5816-5958-4E83-ABAB33815F28}" dt="2023-04-11T15:36:17.364" v="34"/>
-          <ac:spMkLst>
-            <pc:docMk/>
-            <pc:sldMk cId="2637366253" sldId="257"/>
-            <ac:spMk id="3" creationId="{DAC9B4E7-F773-02AC-A796-357838431F91}"/>
-          </ac:spMkLst>
-        </pc:spChg>
-        <pc:spChg chg="mod">
-          <ac:chgData name="Roemer, Kelli" userId="S::roemer.kelli@epa.gov::cdc1d093-60ef-47f5-9329-cda3558f2540" providerId="AD" clId="Web-{AC588CDA-5816-5958-4E83-ABAB33815F28}" dt="2023-04-11T16:43:19.740" v="1269" actId="20577"/>
-          <ac:spMkLst>
-            <pc:docMk/>
-            <pc:sldMk cId="2637366253" sldId="257"/>
-            <ac:spMk id="4" creationId="{6774AB7A-3034-44B5-8BBD-58941BACFBE9}"/>
-          </ac:spMkLst>
-        </pc:spChg>
-        <pc:spChg chg="mod">
-          <ac:chgData name="Roemer, Kelli" userId="S::roemer.kelli@epa.gov::cdc1d093-60ef-47f5-9329-cda3558f2540" providerId="AD" clId="Web-{AC588CDA-5816-5958-4E83-ABAB33815F28}" dt="2023-04-11T16:43:39.913" v="1291" actId="20577"/>
-          <ac:spMkLst>
-            <pc:docMk/>
-            <pc:sldMk cId="2637366253" sldId="257"/>
-            <ac:spMk id="5" creationId="{479FD662-7FA9-1241-E357-1CD586678554}"/>
-          </ac:spMkLst>
-        </pc:spChg>
-        <pc:picChg chg="add mod">
-          <ac:chgData name="Roemer, Kelli" userId="S::roemer.kelli@epa.gov::cdc1d093-60ef-47f5-9329-cda3558f2540" providerId="AD" clId="Web-{AC588CDA-5816-5958-4E83-ABAB33815F28}" dt="2023-04-11T15:36:54.552" v="40" actId="1076"/>
-          <ac:picMkLst>
-            <pc:docMk/>
-            <pc:sldMk cId="2637366253" sldId="257"/>
-            <ac:picMk id="8" creationId="{62A38EE5-B6F5-D8C4-0F85-75FC3F61DF4F}"/>
-          </ac:picMkLst>
-        </pc:picChg>
-      </pc:sldChg>
-      <pc:sldChg chg="modSp add replId">
-        <pc:chgData name="Roemer, Kelli" userId="S::roemer.kelli@epa.gov::cdc1d093-60ef-47f5-9329-cda3558f2540" providerId="AD" clId="Web-{AC588CDA-5816-5958-4E83-ABAB33815F28}" dt="2023-04-11T15:45:50.956" v="366" actId="1076"/>
-        <pc:sldMkLst>
-          <pc:docMk/>
-          <pc:sldMk cId="3419876165" sldId="258"/>
-        </pc:sldMkLst>
-        <pc:spChg chg="mod">
-          <ac:chgData name="Roemer, Kelli" userId="S::roemer.kelli@epa.gov::cdc1d093-60ef-47f5-9329-cda3558f2540" providerId="AD" clId="Web-{AC588CDA-5816-5958-4E83-ABAB33815F28}" dt="2023-04-11T15:41:46.309" v="127" actId="14100"/>
-          <ac:spMkLst>
-            <pc:docMk/>
-            <pc:sldMk cId="3419876165" sldId="258"/>
-            <ac:spMk id="2" creationId="{6427F933-EFFA-5187-6A06-328B41BF4BE4}"/>
-          </ac:spMkLst>
-        </pc:spChg>
-        <pc:spChg chg="mod">
-          <ac:chgData name="Roemer, Kelli" userId="S::roemer.kelli@epa.gov::cdc1d093-60ef-47f5-9329-cda3558f2540" providerId="AD" clId="Web-{AC588CDA-5816-5958-4E83-ABAB33815F28}" dt="2023-04-11T15:42:30.373" v="138" actId="14100"/>
-          <ac:spMkLst>
-            <pc:docMk/>
-            <pc:sldMk cId="3419876165" sldId="258"/>
-            <ac:spMk id="3" creationId="{DAC9B4E7-F773-02AC-A796-357838431F91}"/>
-          </ac:spMkLst>
-        </pc:spChg>
-        <pc:spChg chg="mod">
-          <ac:chgData name="Roemer, Kelli" userId="S::roemer.kelli@epa.gov::cdc1d093-60ef-47f5-9329-cda3558f2540" providerId="AD" clId="Web-{AC588CDA-5816-5958-4E83-ABAB33815F28}" dt="2023-04-11T15:42:06.716" v="134" actId="14100"/>
-          <ac:spMkLst>
-            <pc:docMk/>
-            <pc:sldMk cId="3419876165" sldId="258"/>
-            <ac:spMk id="4" creationId="{6774AB7A-3034-44B5-8BBD-58941BACFBE9}"/>
-          </ac:spMkLst>
-        </pc:spChg>
-        <pc:spChg chg="mod">
-          <ac:chgData name="Roemer, Kelli" userId="S::roemer.kelli@epa.gov::cdc1d093-60ef-47f5-9329-cda3558f2540" providerId="AD" clId="Web-{AC588CDA-5816-5958-4E83-ABAB33815F28}" dt="2023-04-11T15:45:50.956" v="366" actId="1076"/>
-          <ac:spMkLst>
-            <pc:docMk/>
-            <pc:sldMk cId="3419876165" sldId="258"/>
-            <ac:spMk id="5" creationId="{479FD662-7FA9-1241-E357-1CD586678554}"/>
-          </ac:spMkLst>
-        </pc:spChg>
-        <pc:spChg chg="mod">
-          <ac:chgData name="Roemer, Kelli" userId="S::roemer.kelli@epa.gov::cdc1d093-60ef-47f5-9329-cda3558f2540" providerId="AD" clId="Web-{AC588CDA-5816-5958-4E83-ABAB33815F28}" dt="2023-04-11T15:41:54.122" v="129" actId="1076"/>
-          <ac:spMkLst>
-            <pc:docMk/>
-            <pc:sldMk cId="3419876165" sldId="258"/>
-            <ac:spMk id="6" creationId="{12D96748-7879-EB94-1A2E-5EC08B30ED25}"/>
-          </ac:spMkLst>
-        </pc:spChg>
-        <pc:spChg chg="mod">
-          <ac:chgData name="Roemer, Kelli" userId="S::roemer.kelli@epa.gov::cdc1d093-60ef-47f5-9329-cda3558f2540" providerId="AD" clId="Web-{AC588CDA-5816-5958-4E83-ABAB33815F28}" dt="2023-04-11T15:42:12.982" v="135" actId="1076"/>
-          <ac:spMkLst>
-            <pc:docMk/>
-            <pc:sldMk cId="3419876165" sldId="258"/>
-            <ac:spMk id="7" creationId="{3CA638AD-DB85-3FDE-AFB4-1818C7B0907D}"/>
-          </ac:spMkLst>
-        </pc:spChg>
-        <pc:picChg chg="mod">
-          <ac:chgData name="Roemer, Kelli" userId="S::roemer.kelli@epa.gov::cdc1d093-60ef-47f5-9329-cda3558f2540" providerId="AD" clId="Web-{AC588CDA-5816-5958-4E83-ABAB33815F28}" dt="2023-04-11T15:41:56.606" v="130" actId="1076"/>
-          <ac:picMkLst>
-            <pc:docMk/>
-            <pc:sldMk cId="3419876165" sldId="258"/>
-            <ac:picMk id="8" creationId="{62A38EE5-B6F5-D8C4-0F85-75FC3F61DF4F}"/>
-          </ac:picMkLst>
-        </pc:picChg>
-      </pc:sldChg>
-      <pc:sldChg chg="addSp delSp modSp add ord replId">
-        <pc:chgData name="Roemer, Kelli" userId="S::roemer.kelli@epa.gov::cdc1d093-60ef-47f5-9329-cda3558f2540" providerId="AD" clId="Web-{AC588CDA-5816-5958-4E83-ABAB33815F28}" dt="2023-04-11T16:53:28.317" v="1547" actId="1076"/>
-        <pc:sldMkLst>
-          <pc:docMk/>
-          <pc:sldMk cId="3989611827" sldId="259"/>
-        </pc:sldMkLst>
-        <pc:spChg chg="mod">
-          <ac:chgData name="Roemer, Kelli" userId="S::roemer.kelli@epa.gov::cdc1d093-60ef-47f5-9329-cda3558f2540" providerId="AD" clId="Web-{AC588CDA-5816-5958-4E83-ABAB33815F28}" dt="2023-04-11T16:53:28.130" v="1537" actId="1076"/>
-          <ac:spMkLst>
-            <pc:docMk/>
-            <pc:sldMk cId="3989611827" sldId="259"/>
-            <ac:spMk id="2" creationId="{6427F933-EFFA-5187-6A06-328B41BF4BE4}"/>
-          </ac:spMkLst>
-        </pc:spChg>
-        <pc:spChg chg="mod">
-          <ac:chgData name="Roemer, Kelli" userId="S::roemer.kelli@epa.gov::cdc1d093-60ef-47f5-9329-cda3558f2540" providerId="AD" clId="Web-{AC588CDA-5816-5958-4E83-ABAB33815F28}" dt="2023-04-11T16:53:28.114" v="1536" actId="1076"/>
-          <ac:spMkLst>
-            <pc:docMk/>
-            <pc:sldMk cId="3989611827" sldId="259"/>
-            <ac:spMk id="3" creationId="{DAC9B4E7-F773-02AC-A796-357838431F91}"/>
-          </ac:spMkLst>
-        </pc:spChg>
-        <pc:spChg chg="mod">
-          <ac:chgData name="Roemer, Kelli" userId="S::roemer.kelli@epa.gov::cdc1d093-60ef-47f5-9329-cda3558f2540" providerId="AD" clId="Web-{AC588CDA-5816-5958-4E83-ABAB33815F28}" dt="2023-04-11T16:53:28.161" v="1538" actId="1076"/>
-          <ac:spMkLst>
-            <pc:docMk/>
-            <pc:sldMk cId="3989611827" sldId="259"/>
-            <ac:spMk id="4" creationId="{6774AB7A-3034-44B5-8BBD-58941BACFBE9}"/>
-          </ac:spMkLst>
-        </pc:spChg>
-        <pc:spChg chg="mod">
-          <ac:chgData name="Roemer, Kelli" userId="S::roemer.kelli@epa.gov::cdc1d093-60ef-47f5-9329-cda3558f2540" providerId="AD" clId="Web-{AC588CDA-5816-5958-4E83-ABAB33815F28}" dt="2023-04-11T16:53:28.192" v="1539" actId="1076"/>
-          <ac:spMkLst>
-            <pc:docMk/>
-            <pc:sldMk cId="3989611827" sldId="259"/>
-            <ac:spMk id="5" creationId="{479FD662-7FA9-1241-E357-1CD586678554}"/>
-          </ac:spMkLst>
-        </pc:spChg>
-        <pc:spChg chg="mod">
-          <ac:chgData name="Roemer, Kelli" userId="S::roemer.kelli@epa.gov::cdc1d093-60ef-47f5-9329-cda3558f2540" providerId="AD" clId="Web-{AC588CDA-5816-5958-4E83-ABAB33815F28}" dt="2023-04-11T16:53:28.208" v="1540" actId="1076"/>
-          <ac:spMkLst>
-            <pc:docMk/>
-            <pc:sldMk cId="3989611827" sldId="259"/>
-            <ac:spMk id="6" creationId="{12D96748-7879-EB94-1A2E-5EC08B30ED25}"/>
-          </ac:spMkLst>
-        </pc:spChg>
-        <pc:spChg chg="mod">
-          <ac:chgData name="Roemer, Kelli" userId="S::roemer.kelli@epa.gov::cdc1d093-60ef-47f5-9329-cda3558f2540" providerId="AD" clId="Web-{AC588CDA-5816-5958-4E83-ABAB33815F28}" dt="2023-04-11T16:53:28.224" v="1541" actId="1076"/>
-          <ac:spMkLst>
-            <pc:docMk/>
-            <pc:sldMk cId="3989611827" sldId="259"/>
-            <ac:spMk id="7" creationId="{3CA638AD-DB85-3FDE-AFB4-1818C7B0907D}"/>
-          </ac:spMkLst>
-        </pc:spChg>
-        <pc:spChg chg="add mod">
-          <ac:chgData name="Roemer, Kelli" userId="S::roemer.kelli@epa.gov::cdc1d093-60ef-47f5-9329-cda3558f2540" providerId="AD" clId="Web-{AC588CDA-5816-5958-4E83-ABAB33815F28}" dt="2023-04-11T16:53:28.255" v="1543" actId="1076"/>
-          <ac:spMkLst>
-            <pc:docMk/>
-            <pc:sldMk cId="3989611827" sldId="259"/>
-            <ac:spMk id="9" creationId="{54FF9B3B-D48F-86CC-9B69-1201EE6DF0B4}"/>
-          </ac:spMkLst>
-        </pc:spChg>
-        <pc:spChg chg="add del mod">
-          <ac:chgData name="Roemer, Kelli" userId="S::roemer.kelli@epa.gov::cdc1d093-60ef-47f5-9329-cda3558f2540" providerId="AD" clId="Web-{AC588CDA-5816-5958-4E83-ABAB33815F28}" dt="2023-04-11T16:42:07.864" v="1155"/>
-          <ac:spMkLst>
-            <pc:docMk/>
-            <pc:sldMk cId="3989611827" sldId="259"/>
-            <ac:spMk id="10" creationId="{FFDA3786-1848-E891-CDEE-D409511ED976}"/>
-          </ac:spMkLst>
-        </pc:spChg>
-        <pc:spChg chg="add mod">
-          <ac:chgData name="Roemer, Kelli" userId="S::roemer.kelli@epa.gov::cdc1d093-60ef-47f5-9329-cda3558f2540" providerId="AD" clId="Web-{AC588CDA-5816-5958-4E83-ABAB33815F28}" dt="2023-04-11T16:53:28.270" v="1544" actId="1076"/>
-          <ac:spMkLst>
-            <pc:docMk/>
-            <pc:sldMk cId="3989611827" sldId="259"/>
-            <ac:spMk id="11" creationId="{1BBCA1B9-3604-1E3D-6503-2B434E7364F1}"/>
-          </ac:spMkLst>
-        </pc:spChg>
-        <pc:spChg chg="add mod">
-          <ac:chgData name="Roemer, Kelli" userId="S::roemer.kelli@epa.gov::cdc1d093-60ef-47f5-9329-cda3558f2540" providerId="AD" clId="Web-{AC588CDA-5816-5958-4E83-ABAB33815F28}" dt="2023-04-11T16:53:28.286" v="1545" actId="1076"/>
-          <ac:spMkLst>
-            <pc:docMk/>
-            <pc:sldMk cId="3989611827" sldId="259"/>
-            <ac:spMk id="12" creationId="{8878BA11-5CB8-2150-0942-7A7E0CD71B28}"/>
-          </ac:spMkLst>
-        </pc:spChg>
-        <pc:spChg chg="add mod">
-          <ac:chgData name="Roemer, Kelli" userId="S::roemer.kelli@epa.gov::cdc1d093-60ef-47f5-9329-cda3558f2540" providerId="AD" clId="Web-{AC588CDA-5816-5958-4E83-ABAB33815F28}" dt="2023-04-11T16:53:28.302" v="1546" actId="1076"/>
-          <ac:spMkLst>
-            <pc:docMk/>
-            <pc:sldMk cId="3989611827" sldId="259"/>
-            <ac:spMk id="13" creationId="{32F63358-C413-5F0C-AA2C-84B1790960E2}"/>
-          </ac:spMkLst>
-        </pc:spChg>
-        <pc:spChg chg="add del mod">
-          <ac:chgData name="Roemer, Kelli" userId="S::roemer.kelli@epa.gov::cdc1d093-60ef-47f5-9329-cda3558f2540" providerId="AD" clId="Web-{AC588CDA-5816-5958-4E83-ABAB33815F28}" dt="2023-04-11T16:33:10.898" v="921"/>
-          <ac:spMkLst>
-            <pc:docMk/>
-            <pc:sldMk cId="3989611827" sldId="259"/>
-            <ac:spMk id="13" creationId="{7A66CEAE-EF97-B875-0D78-1A566D812C67}"/>
-          </ac:spMkLst>
-        </pc:spChg>
-        <pc:spChg chg="add mod">
-          <ac:chgData name="Roemer, Kelli" userId="S::roemer.kelli@epa.gov::cdc1d093-60ef-47f5-9329-cda3558f2540" providerId="AD" clId="Web-{AC588CDA-5816-5958-4E83-ABAB33815F28}" dt="2023-04-11T16:53:28.317" v="1547" actId="1076"/>
-          <ac:spMkLst>
-            <pc:docMk/>
-            <pc:sldMk cId="3989611827" sldId="259"/>
-            <ac:spMk id="14" creationId="{9A89CE7A-FF72-6CAA-8A4C-DA23A9F504A8}"/>
-          </ac:spMkLst>
-        </pc:spChg>
-        <pc:graphicFrameChg chg="add del mod">
-          <ac:chgData name="Roemer, Kelli" userId="S::roemer.kelli@epa.gov::cdc1d093-60ef-47f5-9329-cda3558f2540" providerId="AD" clId="Web-{AC588CDA-5816-5958-4E83-ABAB33815F28}" dt="2023-04-11T15:47:36.599" v="428"/>
-          <ac:graphicFrameMkLst>
-            <pc:docMk/>
-            <pc:sldMk cId="3989611827" sldId="259"/>
-            <ac:graphicFrameMk id="10" creationId="{72F8E9C2-D29B-E27E-9A5C-C267A0924F14}"/>
-          </ac:graphicFrameMkLst>
-        </pc:graphicFrameChg>
-        <pc:graphicFrameChg chg="add del mod modGraphic">
-          <ac:chgData name="Roemer, Kelli" userId="S::roemer.kelli@epa.gov::cdc1d093-60ef-47f5-9329-cda3558f2540" providerId="AD" clId="Web-{AC588CDA-5816-5958-4E83-ABAB33815F28}" dt="2023-04-11T15:47:37.911" v="429"/>
-          <ac:graphicFrameMkLst>
-            <pc:docMk/>
-            <pc:sldMk cId="3989611827" sldId="259"/>
-            <ac:graphicFrameMk id="12" creationId="{8FE1B662-2B44-BE38-5642-71A1B583DD2B}"/>
-          </ac:graphicFrameMkLst>
-        </pc:graphicFrameChg>
-        <pc:picChg chg="mod">
-          <ac:chgData name="Roemer, Kelli" userId="S::roemer.kelli@epa.gov::cdc1d093-60ef-47f5-9329-cda3558f2540" providerId="AD" clId="Web-{AC588CDA-5816-5958-4E83-ABAB33815F28}" dt="2023-04-11T16:53:28.239" v="1542" actId="1076"/>
-          <ac:picMkLst>
-            <pc:docMk/>
-            <pc:sldMk cId="3989611827" sldId="259"/>
-            <ac:picMk id="8" creationId="{62A38EE5-B6F5-D8C4-0F85-75FC3F61DF4F}"/>
-          </ac:picMkLst>
-        </pc:picChg>
-      </pc:sldChg>
-      <pc:sldChg chg="addSp delSp modSp">
-        <pc:chgData name="Roemer, Kelli" userId="S::roemer.kelli@epa.gov::cdc1d093-60ef-47f5-9329-cda3558f2540" providerId="AD" clId="Web-{AC588CDA-5816-5958-4E83-ABAB33815F28}" dt="2023-04-11T16:57:36.370" v="1553" actId="1076"/>
-        <pc:sldMkLst>
-          <pc:docMk/>
-          <pc:sldMk cId="1997747637" sldId="262"/>
-        </pc:sldMkLst>
-        <pc:picChg chg="del">
-          <ac:chgData name="Roemer, Kelli" userId="S::roemer.kelli@epa.gov::cdc1d093-60ef-47f5-9329-cda3558f2540" providerId="AD" clId="Web-{AC588CDA-5816-5958-4E83-ABAB33815F28}" dt="2023-04-11T16:57:25.776" v="1551"/>
-          <ac:picMkLst>
-            <pc:docMk/>
-            <pc:sldMk cId="1997747637" sldId="262"/>
-            <ac:picMk id="8" creationId="{62A38EE5-B6F5-D8C4-0F85-75FC3F61DF4F}"/>
-          </ac:picMkLst>
-        </pc:picChg>
-        <pc:picChg chg="add mod">
-          <ac:chgData name="Roemer, Kelli" userId="S::roemer.kelli@epa.gov::cdc1d093-60ef-47f5-9329-cda3558f2540" providerId="AD" clId="Web-{AC588CDA-5816-5958-4E83-ABAB33815F28}" dt="2023-04-11T16:57:36.370" v="1553" actId="1076"/>
-          <ac:picMkLst>
-            <pc:docMk/>
-            <pc:sldMk cId="1997747637" sldId="262"/>
-            <ac:picMk id="9" creationId="{A61B9695-802D-F3DD-9A24-13B86C05C7AA}"/>
-          </ac:picMkLst>
-        </pc:picChg>
-      </pc:sldChg>
-      <pc:sldChg chg="delSp add replId">
-        <pc:chgData name="Roemer, Kelli" userId="S::roemer.kelli@epa.gov::cdc1d093-60ef-47f5-9329-cda3558f2540" providerId="AD" clId="Web-{AC588CDA-5816-5958-4E83-ABAB33815F28}" dt="2023-04-11T16:50:38.891" v="1294"/>
-        <pc:sldMkLst>
-          <pc:docMk/>
-          <pc:sldMk cId="1124510751" sldId="263"/>
-        </pc:sldMkLst>
-        <pc:spChg chg="del">
-          <ac:chgData name="Roemer, Kelli" userId="S::roemer.kelli@epa.gov::cdc1d093-60ef-47f5-9329-cda3558f2540" providerId="AD" clId="Web-{AC588CDA-5816-5958-4E83-ABAB33815F28}" dt="2023-04-11T16:50:36.376" v="1293"/>
-          <ac:spMkLst>
-            <pc:docMk/>
-            <pc:sldMk cId="1124510751" sldId="263"/>
-            <ac:spMk id="9" creationId="{54FF9B3B-D48F-86CC-9B69-1201EE6DF0B4}"/>
-          </ac:spMkLst>
-        </pc:spChg>
-        <pc:spChg chg="del">
-          <ac:chgData name="Roemer, Kelli" userId="S::roemer.kelli@epa.gov::cdc1d093-60ef-47f5-9329-cda3558f2540" providerId="AD" clId="Web-{AC588CDA-5816-5958-4E83-ABAB33815F28}" dt="2023-04-11T16:50:38.891" v="1294"/>
-          <ac:spMkLst>
-            <pc:docMk/>
-            <pc:sldMk cId="1124510751" sldId="263"/>
-            <ac:spMk id="11" creationId="{1BBCA1B9-3604-1E3D-6503-2B434E7364F1}"/>
           </ac:spMkLst>
         </pc:spChg>
       </pc:sldChg>
@@ -1260,99 +603,300 @@
     </pc:docChg>
   </pc:docChgLst>
   <pc:docChgLst>
-    <pc:chgData name="Fry, Meridith (she/her/hers)" userId="744b0799-9c5f-4010-b84c-816c454cc486" providerId="ADAL" clId="{B448CFAC-879E-423A-8E7D-4DD1035F7C5E}"/>
-    <pc:docChg chg="custSel modSld">
-      <pc:chgData name="Fry, Meridith (she/her/hers)" userId="744b0799-9c5f-4010-b84c-816c454cc486" providerId="ADAL" clId="{B448CFAC-879E-423A-8E7D-4DD1035F7C5E}" dt="2023-06-14T16:46:49.366" v="31" actId="20577"/>
+    <pc:chgData name="Roemer, Kelli" userId="S::roemer.kelli@epa.gov::cdc1d093-60ef-47f5-9329-cda3558f2540" providerId="AD" clId="Web-{AC588CDA-5816-5958-4E83-ABAB33815F28}"/>
+    <pc:docChg chg="addSld modSld sldOrd">
+      <pc:chgData name="Roemer, Kelli" userId="S::roemer.kelli@epa.gov::cdc1d093-60ef-47f5-9329-cda3558f2540" providerId="AD" clId="Web-{AC588CDA-5816-5958-4E83-ABAB33815F28}" dt="2023-04-11T16:57:36.370" v="1553" actId="1076"/>
       <pc:docMkLst>
         <pc:docMk/>
       </pc:docMkLst>
-      <pc:sldChg chg="modSp mod">
-        <pc:chgData name="Fry, Meridith (she/her/hers)" userId="744b0799-9c5f-4010-b84c-816c454cc486" providerId="ADAL" clId="{B448CFAC-879E-423A-8E7D-4DD1035F7C5E}" dt="2023-06-14T16:45:10.374" v="4" actId="33524"/>
+      <pc:sldChg chg="addSp modSp">
+        <pc:chgData name="Roemer, Kelli" userId="S::roemer.kelli@epa.gov::cdc1d093-60ef-47f5-9329-cda3558f2540" providerId="AD" clId="Web-{AC588CDA-5816-5958-4E83-ABAB33815F28}" dt="2023-04-11T16:43:39.913" v="1291" actId="20577"/>
+        <pc:sldMkLst>
+          <pc:docMk/>
+          <pc:sldMk cId="2637366253" sldId="257"/>
+        </pc:sldMkLst>
+        <pc:spChg chg="add mod ord">
+          <ac:chgData name="Roemer, Kelli" userId="S::roemer.kelli@epa.gov::cdc1d093-60ef-47f5-9329-cda3558f2540" providerId="AD" clId="Web-{AC588CDA-5816-5958-4E83-ABAB33815F28}" dt="2023-04-11T15:38:53.508" v="55" actId="14100"/>
+          <ac:spMkLst>
+            <pc:docMk/>
+            <pc:sldMk cId="2637366253" sldId="257"/>
+            <ac:spMk id="2" creationId="{6427F933-EFFA-5187-6A06-328B41BF4BE4}"/>
+          </ac:spMkLst>
+        </pc:spChg>
+        <pc:spChg chg="add mod ord">
+          <ac:chgData name="Roemer, Kelli" userId="S::roemer.kelli@epa.gov::cdc1d093-60ef-47f5-9329-cda3558f2540" providerId="AD" clId="Web-{AC588CDA-5816-5958-4E83-ABAB33815F28}" dt="2023-04-11T15:36:17.364" v="34"/>
+          <ac:spMkLst>
+            <pc:docMk/>
+            <pc:sldMk cId="2637366253" sldId="257"/>
+            <ac:spMk id="3" creationId="{DAC9B4E7-F773-02AC-A796-357838431F91}"/>
+          </ac:spMkLst>
+        </pc:spChg>
+        <pc:spChg chg="mod">
+          <ac:chgData name="Roemer, Kelli" userId="S::roemer.kelli@epa.gov::cdc1d093-60ef-47f5-9329-cda3558f2540" providerId="AD" clId="Web-{AC588CDA-5816-5958-4E83-ABAB33815F28}" dt="2023-04-11T16:43:19.740" v="1269" actId="20577"/>
+          <ac:spMkLst>
+            <pc:docMk/>
+            <pc:sldMk cId="2637366253" sldId="257"/>
+            <ac:spMk id="4" creationId="{6774AB7A-3034-44B5-8BBD-58941BACFBE9}"/>
+          </ac:spMkLst>
+        </pc:spChg>
+        <pc:spChg chg="mod">
+          <ac:chgData name="Roemer, Kelli" userId="S::roemer.kelli@epa.gov::cdc1d093-60ef-47f5-9329-cda3558f2540" providerId="AD" clId="Web-{AC588CDA-5816-5958-4E83-ABAB33815F28}" dt="2023-04-11T16:43:39.913" v="1291" actId="20577"/>
+          <ac:spMkLst>
+            <pc:docMk/>
+            <pc:sldMk cId="2637366253" sldId="257"/>
+            <ac:spMk id="5" creationId="{479FD662-7FA9-1241-E357-1CD586678554}"/>
+          </ac:spMkLst>
+        </pc:spChg>
+        <pc:picChg chg="add mod">
+          <ac:chgData name="Roemer, Kelli" userId="S::roemer.kelli@epa.gov::cdc1d093-60ef-47f5-9329-cda3558f2540" providerId="AD" clId="Web-{AC588CDA-5816-5958-4E83-ABAB33815F28}" dt="2023-04-11T15:36:54.552" v="40" actId="1076"/>
+          <ac:picMkLst>
+            <pc:docMk/>
+            <pc:sldMk cId="2637366253" sldId="257"/>
+            <ac:picMk id="8" creationId="{62A38EE5-B6F5-D8C4-0F85-75FC3F61DF4F}"/>
+          </ac:picMkLst>
+        </pc:picChg>
+      </pc:sldChg>
+      <pc:sldChg chg="modSp add replId">
+        <pc:chgData name="Roemer, Kelli" userId="S::roemer.kelli@epa.gov::cdc1d093-60ef-47f5-9329-cda3558f2540" providerId="AD" clId="Web-{AC588CDA-5816-5958-4E83-ABAB33815F28}" dt="2023-04-11T15:45:50.956" v="366" actId="1076"/>
+        <pc:sldMkLst>
+          <pc:docMk/>
+          <pc:sldMk cId="3419876165" sldId="258"/>
+        </pc:sldMkLst>
+        <pc:spChg chg="mod">
+          <ac:chgData name="Roemer, Kelli" userId="S::roemer.kelli@epa.gov::cdc1d093-60ef-47f5-9329-cda3558f2540" providerId="AD" clId="Web-{AC588CDA-5816-5958-4E83-ABAB33815F28}" dt="2023-04-11T15:41:46.309" v="127" actId="14100"/>
+          <ac:spMkLst>
+            <pc:docMk/>
+            <pc:sldMk cId="3419876165" sldId="258"/>
+            <ac:spMk id="2" creationId="{6427F933-EFFA-5187-6A06-328B41BF4BE4}"/>
+          </ac:spMkLst>
+        </pc:spChg>
+        <pc:spChg chg="mod">
+          <ac:chgData name="Roemer, Kelli" userId="S::roemer.kelli@epa.gov::cdc1d093-60ef-47f5-9329-cda3558f2540" providerId="AD" clId="Web-{AC588CDA-5816-5958-4E83-ABAB33815F28}" dt="2023-04-11T15:42:30.373" v="138" actId="14100"/>
+          <ac:spMkLst>
+            <pc:docMk/>
+            <pc:sldMk cId="3419876165" sldId="258"/>
+            <ac:spMk id="3" creationId="{DAC9B4E7-F773-02AC-A796-357838431F91}"/>
+          </ac:spMkLst>
+        </pc:spChg>
+        <pc:spChg chg="mod">
+          <ac:chgData name="Roemer, Kelli" userId="S::roemer.kelli@epa.gov::cdc1d093-60ef-47f5-9329-cda3558f2540" providerId="AD" clId="Web-{AC588CDA-5816-5958-4E83-ABAB33815F28}" dt="2023-04-11T15:42:06.716" v="134" actId="14100"/>
+          <ac:spMkLst>
+            <pc:docMk/>
+            <pc:sldMk cId="3419876165" sldId="258"/>
+            <ac:spMk id="4" creationId="{6774AB7A-3034-44B5-8BBD-58941BACFBE9}"/>
+          </ac:spMkLst>
+        </pc:spChg>
+        <pc:spChg chg="mod">
+          <ac:chgData name="Roemer, Kelli" userId="S::roemer.kelli@epa.gov::cdc1d093-60ef-47f5-9329-cda3558f2540" providerId="AD" clId="Web-{AC588CDA-5816-5958-4E83-ABAB33815F28}" dt="2023-04-11T15:45:50.956" v="366" actId="1076"/>
+          <ac:spMkLst>
+            <pc:docMk/>
+            <pc:sldMk cId="3419876165" sldId="258"/>
+            <ac:spMk id="5" creationId="{479FD662-7FA9-1241-E357-1CD586678554}"/>
+          </ac:spMkLst>
+        </pc:spChg>
+        <pc:spChg chg="mod">
+          <ac:chgData name="Roemer, Kelli" userId="S::roemer.kelli@epa.gov::cdc1d093-60ef-47f5-9329-cda3558f2540" providerId="AD" clId="Web-{AC588CDA-5816-5958-4E83-ABAB33815F28}" dt="2023-04-11T15:41:54.122" v="129" actId="1076"/>
+          <ac:spMkLst>
+            <pc:docMk/>
+            <pc:sldMk cId="3419876165" sldId="258"/>
+            <ac:spMk id="6" creationId="{12D96748-7879-EB94-1A2E-5EC08B30ED25}"/>
+          </ac:spMkLst>
+        </pc:spChg>
+        <pc:spChg chg="mod">
+          <ac:chgData name="Roemer, Kelli" userId="S::roemer.kelli@epa.gov::cdc1d093-60ef-47f5-9329-cda3558f2540" providerId="AD" clId="Web-{AC588CDA-5816-5958-4E83-ABAB33815F28}" dt="2023-04-11T15:42:12.982" v="135" actId="1076"/>
+          <ac:spMkLst>
+            <pc:docMk/>
+            <pc:sldMk cId="3419876165" sldId="258"/>
+            <ac:spMk id="7" creationId="{3CA638AD-DB85-3FDE-AFB4-1818C7B0907D}"/>
+          </ac:spMkLst>
+        </pc:spChg>
+        <pc:picChg chg="mod">
+          <ac:chgData name="Roemer, Kelli" userId="S::roemer.kelli@epa.gov::cdc1d093-60ef-47f5-9329-cda3558f2540" providerId="AD" clId="Web-{AC588CDA-5816-5958-4E83-ABAB33815F28}" dt="2023-04-11T15:41:56.606" v="130" actId="1076"/>
+          <ac:picMkLst>
+            <pc:docMk/>
+            <pc:sldMk cId="3419876165" sldId="258"/>
+            <ac:picMk id="8" creationId="{62A38EE5-B6F5-D8C4-0F85-75FC3F61DF4F}"/>
+          </ac:picMkLst>
+        </pc:picChg>
+      </pc:sldChg>
+      <pc:sldChg chg="addSp delSp modSp add ord replId">
+        <pc:chgData name="Roemer, Kelli" userId="S::roemer.kelli@epa.gov::cdc1d093-60ef-47f5-9329-cda3558f2540" providerId="AD" clId="Web-{AC588CDA-5816-5958-4E83-ABAB33815F28}" dt="2023-04-11T16:53:28.317" v="1547" actId="1076"/>
         <pc:sldMkLst>
           <pc:docMk/>
           <pc:sldMk cId="3989611827" sldId="259"/>
         </pc:sldMkLst>
         <pc:spChg chg="mod">
-          <ac:chgData name="Fry, Meridith (she/her/hers)" userId="744b0799-9c5f-4010-b84c-816c454cc486" providerId="ADAL" clId="{B448CFAC-879E-423A-8E7D-4DD1035F7C5E}" dt="2023-06-14T16:45:10.374" v="4" actId="33524"/>
+          <ac:chgData name="Roemer, Kelli" userId="S::roemer.kelli@epa.gov::cdc1d093-60ef-47f5-9329-cda3558f2540" providerId="AD" clId="Web-{AC588CDA-5816-5958-4E83-ABAB33815F28}" dt="2023-04-11T16:53:28.130" v="1537" actId="1076"/>
+          <ac:spMkLst>
+            <pc:docMk/>
+            <pc:sldMk cId="3989611827" sldId="259"/>
+            <ac:spMk id="2" creationId="{6427F933-EFFA-5187-6A06-328B41BF4BE4}"/>
+          </ac:spMkLst>
+        </pc:spChg>
+        <pc:spChg chg="mod">
+          <ac:chgData name="Roemer, Kelli" userId="S::roemer.kelli@epa.gov::cdc1d093-60ef-47f5-9329-cda3558f2540" providerId="AD" clId="Web-{AC588CDA-5816-5958-4E83-ABAB33815F28}" dt="2023-04-11T16:53:28.114" v="1536" actId="1076"/>
+          <ac:spMkLst>
+            <pc:docMk/>
+            <pc:sldMk cId="3989611827" sldId="259"/>
+            <ac:spMk id="3" creationId="{DAC9B4E7-F773-02AC-A796-357838431F91}"/>
+          </ac:spMkLst>
+        </pc:spChg>
+        <pc:spChg chg="mod">
+          <ac:chgData name="Roemer, Kelli" userId="S::roemer.kelli@epa.gov::cdc1d093-60ef-47f5-9329-cda3558f2540" providerId="AD" clId="Web-{AC588CDA-5816-5958-4E83-ABAB33815F28}" dt="2023-04-11T16:53:28.161" v="1538" actId="1076"/>
           <ac:spMkLst>
             <pc:docMk/>
             <pc:sldMk cId="3989611827" sldId="259"/>
             <ac:spMk id="4" creationId="{6774AB7A-3034-44B5-8BBD-58941BACFBE9}"/>
           </ac:spMkLst>
         </pc:spChg>
+        <pc:spChg chg="mod">
+          <ac:chgData name="Roemer, Kelli" userId="S::roemer.kelli@epa.gov::cdc1d093-60ef-47f5-9329-cda3558f2540" providerId="AD" clId="Web-{AC588CDA-5816-5958-4E83-ABAB33815F28}" dt="2023-04-11T16:53:28.192" v="1539" actId="1076"/>
+          <ac:spMkLst>
+            <pc:docMk/>
+            <pc:sldMk cId="3989611827" sldId="259"/>
+            <ac:spMk id="5" creationId="{479FD662-7FA9-1241-E357-1CD586678554}"/>
+          </ac:spMkLst>
+        </pc:spChg>
+        <pc:spChg chg="mod">
+          <ac:chgData name="Roemer, Kelli" userId="S::roemer.kelli@epa.gov::cdc1d093-60ef-47f5-9329-cda3558f2540" providerId="AD" clId="Web-{AC588CDA-5816-5958-4E83-ABAB33815F28}" dt="2023-04-11T16:53:28.208" v="1540" actId="1076"/>
+          <ac:spMkLst>
+            <pc:docMk/>
+            <pc:sldMk cId="3989611827" sldId="259"/>
+            <ac:spMk id="6" creationId="{12D96748-7879-EB94-1A2E-5EC08B30ED25}"/>
+          </ac:spMkLst>
+        </pc:spChg>
+        <pc:spChg chg="mod">
+          <ac:chgData name="Roemer, Kelli" userId="S::roemer.kelli@epa.gov::cdc1d093-60ef-47f5-9329-cda3558f2540" providerId="AD" clId="Web-{AC588CDA-5816-5958-4E83-ABAB33815F28}" dt="2023-04-11T16:53:28.224" v="1541" actId="1076"/>
+          <ac:spMkLst>
+            <pc:docMk/>
+            <pc:sldMk cId="3989611827" sldId="259"/>
+            <ac:spMk id="7" creationId="{3CA638AD-DB85-3FDE-AFB4-1818C7B0907D}"/>
+          </ac:spMkLst>
+        </pc:spChg>
+        <pc:spChg chg="add mod">
+          <ac:chgData name="Roemer, Kelli" userId="S::roemer.kelli@epa.gov::cdc1d093-60ef-47f5-9329-cda3558f2540" providerId="AD" clId="Web-{AC588CDA-5816-5958-4E83-ABAB33815F28}" dt="2023-04-11T16:53:28.255" v="1543" actId="1076"/>
+          <ac:spMkLst>
+            <pc:docMk/>
+            <pc:sldMk cId="3989611827" sldId="259"/>
+            <ac:spMk id="9" creationId="{54FF9B3B-D48F-86CC-9B69-1201EE6DF0B4}"/>
+          </ac:spMkLst>
+        </pc:spChg>
+        <pc:spChg chg="add del mod">
+          <ac:chgData name="Roemer, Kelli" userId="S::roemer.kelli@epa.gov::cdc1d093-60ef-47f5-9329-cda3558f2540" providerId="AD" clId="Web-{AC588CDA-5816-5958-4E83-ABAB33815F28}" dt="2023-04-11T16:42:07.864" v="1155"/>
+          <ac:spMkLst>
+            <pc:docMk/>
+            <pc:sldMk cId="3989611827" sldId="259"/>
+            <ac:spMk id="10" creationId="{FFDA3786-1848-E891-CDEE-D409511ED976}"/>
+          </ac:spMkLst>
+        </pc:spChg>
+        <pc:spChg chg="add mod">
+          <ac:chgData name="Roemer, Kelli" userId="S::roemer.kelli@epa.gov::cdc1d093-60ef-47f5-9329-cda3558f2540" providerId="AD" clId="Web-{AC588CDA-5816-5958-4E83-ABAB33815F28}" dt="2023-04-11T16:53:28.270" v="1544" actId="1076"/>
+          <ac:spMkLst>
+            <pc:docMk/>
+            <pc:sldMk cId="3989611827" sldId="259"/>
+            <ac:spMk id="11" creationId="{1BBCA1B9-3604-1E3D-6503-2B434E7364F1}"/>
+          </ac:spMkLst>
+        </pc:spChg>
+        <pc:spChg chg="add mod">
+          <ac:chgData name="Roemer, Kelli" userId="S::roemer.kelli@epa.gov::cdc1d093-60ef-47f5-9329-cda3558f2540" providerId="AD" clId="Web-{AC588CDA-5816-5958-4E83-ABAB33815F28}" dt="2023-04-11T16:53:28.286" v="1545" actId="1076"/>
+          <ac:spMkLst>
+            <pc:docMk/>
+            <pc:sldMk cId="3989611827" sldId="259"/>
+            <ac:spMk id="12" creationId="{8878BA11-5CB8-2150-0942-7A7E0CD71B28}"/>
+          </ac:spMkLst>
+        </pc:spChg>
+        <pc:spChg chg="add mod">
+          <ac:chgData name="Roemer, Kelli" userId="S::roemer.kelli@epa.gov::cdc1d093-60ef-47f5-9329-cda3558f2540" providerId="AD" clId="Web-{AC588CDA-5816-5958-4E83-ABAB33815F28}" dt="2023-04-11T16:53:28.302" v="1546" actId="1076"/>
+          <ac:spMkLst>
+            <pc:docMk/>
+            <pc:sldMk cId="3989611827" sldId="259"/>
+            <ac:spMk id="13" creationId="{32F63358-C413-5F0C-AA2C-84B1790960E2}"/>
+          </ac:spMkLst>
+        </pc:spChg>
+        <pc:spChg chg="add del mod">
+          <ac:chgData name="Roemer, Kelli" userId="S::roemer.kelli@epa.gov::cdc1d093-60ef-47f5-9329-cda3558f2540" providerId="AD" clId="Web-{AC588CDA-5816-5958-4E83-ABAB33815F28}" dt="2023-04-11T16:33:10.898" v="921"/>
+          <ac:spMkLst>
+            <pc:docMk/>
+            <pc:sldMk cId="3989611827" sldId="259"/>
+            <ac:spMk id="13" creationId="{7A66CEAE-EF97-B875-0D78-1A566D812C67}"/>
+          </ac:spMkLst>
+        </pc:spChg>
+        <pc:spChg chg="add mod">
+          <ac:chgData name="Roemer, Kelli" userId="S::roemer.kelli@epa.gov::cdc1d093-60ef-47f5-9329-cda3558f2540" providerId="AD" clId="Web-{AC588CDA-5816-5958-4E83-ABAB33815F28}" dt="2023-04-11T16:53:28.317" v="1547" actId="1076"/>
+          <ac:spMkLst>
+            <pc:docMk/>
+            <pc:sldMk cId="3989611827" sldId="259"/>
+            <ac:spMk id="14" creationId="{9A89CE7A-FF72-6CAA-8A4C-DA23A9F504A8}"/>
+          </ac:spMkLst>
+        </pc:spChg>
+        <pc:graphicFrameChg chg="add del mod">
+          <ac:chgData name="Roemer, Kelli" userId="S::roemer.kelli@epa.gov::cdc1d093-60ef-47f5-9329-cda3558f2540" providerId="AD" clId="Web-{AC588CDA-5816-5958-4E83-ABAB33815F28}" dt="2023-04-11T15:47:36.599" v="428"/>
+          <ac:graphicFrameMkLst>
+            <pc:docMk/>
+            <pc:sldMk cId="3989611827" sldId="259"/>
+            <ac:graphicFrameMk id="10" creationId="{72F8E9C2-D29B-E27E-9A5C-C267A0924F14}"/>
+          </ac:graphicFrameMkLst>
+        </pc:graphicFrameChg>
+        <pc:graphicFrameChg chg="add del mod modGraphic">
+          <ac:chgData name="Roemer, Kelli" userId="S::roemer.kelli@epa.gov::cdc1d093-60ef-47f5-9329-cda3558f2540" providerId="AD" clId="Web-{AC588CDA-5816-5958-4E83-ABAB33815F28}" dt="2023-04-11T15:47:37.911" v="429"/>
+          <ac:graphicFrameMkLst>
+            <pc:docMk/>
+            <pc:sldMk cId="3989611827" sldId="259"/>
+            <ac:graphicFrameMk id="12" creationId="{8FE1B662-2B44-BE38-5642-71A1B583DD2B}"/>
+          </ac:graphicFrameMkLst>
+        </pc:graphicFrameChg>
+        <pc:picChg chg="mod">
+          <ac:chgData name="Roemer, Kelli" userId="S::roemer.kelli@epa.gov::cdc1d093-60ef-47f5-9329-cda3558f2540" providerId="AD" clId="Web-{AC588CDA-5816-5958-4E83-ABAB33815F28}" dt="2023-04-11T16:53:28.239" v="1542" actId="1076"/>
+          <ac:picMkLst>
+            <pc:docMk/>
+            <pc:sldMk cId="3989611827" sldId="259"/>
+            <ac:picMk id="8" creationId="{62A38EE5-B6F5-D8C4-0F85-75FC3F61DF4F}"/>
+          </ac:picMkLst>
+        </pc:picChg>
       </pc:sldChg>
-      <pc:sldChg chg="modSp mod">
-        <pc:chgData name="Fry, Meridith (she/her/hers)" userId="744b0799-9c5f-4010-b84c-816c454cc486" providerId="ADAL" clId="{B448CFAC-879E-423A-8E7D-4DD1035F7C5E}" dt="2023-06-14T16:44:35.796" v="1" actId="20577"/>
-        <pc:sldMkLst>
-          <pc:docMk/>
-          <pc:sldMk cId="1226469851" sldId="260"/>
-        </pc:sldMkLst>
-        <pc:spChg chg="mod">
-          <ac:chgData name="Fry, Meridith (she/her/hers)" userId="744b0799-9c5f-4010-b84c-816c454cc486" providerId="ADAL" clId="{B448CFAC-879E-423A-8E7D-4DD1035F7C5E}" dt="2023-06-14T16:44:35.796" v="1" actId="20577"/>
-          <ac:spMkLst>
-            <pc:docMk/>
-            <pc:sldMk cId="1226469851" sldId="260"/>
-            <ac:spMk id="4" creationId="{6774AB7A-3034-44B5-8BBD-58941BACFBE9}"/>
-          </ac:spMkLst>
-        </pc:spChg>
-      </pc:sldChg>
-      <pc:sldChg chg="modSp mod">
-        <pc:chgData name="Fry, Meridith (she/her/hers)" userId="744b0799-9c5f-4010-b84c-816c454cc486" providerId="ADAL" clId="{B448CFAC-879E-423A-8E7D-4DD1035F7C5E}" dt="2023-06-14T16:44:31.714" v="0" actId="20577"/>
-        <pc:sldMkLst>
-          <pc:docMk/>
-          <pc:sldMk cId="3243331262" sldId="261"/>
-        </pc:sldMkLst>
-        <pc:spChg chg="mod">
-          <ac:chgData name="Fry, Meridith (she/her/hers)" userId="744b0799-9c5f-4010-b84c-816c454cc486" providerId="ADAL" clId="{B448CFAC-879E-423A-8E7D-4DD1035F7C5E}" dt="2023-06-14T16:44:31.714" v="0" actId="20577"/>
-          <ac:spMkLst>
-            <pc:docMk/>
-            <pc:sldMk cId="3243331262" sldId="261"/>
-            <ac:spMk id="4" creationId="{6774AB7A-3034-44B5-8BBD-58941BACFBE9}"/>
-          </ac:spMkLst>
-        </pc:spChg>
-      </pc:sldChg>
-      <pc:sldChg chg="modSp mod">
-        <pc:chgData name="Fry, Meridith (she/her/hers)" userId="744b0799-9c5f-4010-b84c-816c454cc486" providerId="ADAL" clId="{B448CFAC-879E-423A-8E7D-4DD1035F7C5E}" dt="2023-06-14T16:44:57.791" v="2" actId="6549"/>
+      <pc:sldChg chg="addSp delSp modSp">
+        <pc:chgData name="Roemer, Kelli" userId="S::roemer.kelli@epa.gov::cdc1d093-60ef-47f5-9329-cda3558f2540" providerId="AD" clId="Web-{AC588CDA-5816-5958-4E83-ABAB33815F28}" dt="2023-04-11T16:57:36.370" v="1553" actId="1076"/>
         <pc:sldMkLst>
           <pc:docMk/>
           <pc:sldMk cId="1997747637" sldId="262"/>
         </pc:sldMkLst>
-        <pc:spChg chg="mod">
-          <ac:chgData name="Fry, Meridith (she/her/hers)" userId="744b0799-9c5f-4010-b84c-816c454cc486" providerId="ADAL" clId="{B448CFAC-879E-423A-8E7D-4DD1035F7C5E}" dt="2023-06-14T16:44:57.791" v="2" actId="6549"/>
-          <ac:spMkLst>
+        <pc:picChg chg="del">
+          <ac:chgData name="Roemer, Kelli" userId="S::roemer.kelli@epa.gov::cdc1d093-60ef-47f5-9329-cda3558f2540" providerId="AD" clId="Web-{AC588CDA-5816-5958-4E83-ABAB33815F28}" dt="2023-04-11T16:57:25.776" v="1551"/>
+          <ac:picMkLst>
             <pc:docMk/>
             <pc:sldMk cId="1997747637" sldId="262"/>
-            <ac:spMk id="4" creationId="{6774AB7A-3034-44B5-8BBD-58941BACFBE9}"/>
-          </ac:spMkLst>
-        </pc:spChg>
+            <ac:picMk id="8" creationId="{62A38EE5-B6F5-D8C4-0F85-75FC3F61DF4F}"/>
+          </ac:picMkLst>
+        </pc:picChg>
+        <pc:picChg chg="add mod">
+          <ac:chgData name="Roemer, Kelli" userId="S::roemer.kelli@epa.gov::cdc1d093-60ef-47f5-9329-cda3558f2540" providerId="AD" clId="Web-{AC588CDA-5816-5958-4E83-ABAB33815F28}" dt="2023-04-11T16:57:36.370" v="1553" actId="1076"/>
+          <ac:picMkLst>
+            <pc:docMk/>
+            <pc:sldMk cId="1997747637" sldId="262"/>
+            <ac:picMk id="9" creationId="{A61B9695-802D-F3DD-9A24-13B86C05C7AA}"/>
+          </ac:picMkLst>
+        </pc:picChg>
       </pc:sldChg>
-      <pc:sldChg chg="modSp mod">
-        <pc:chgData name="Fry, Meridith (she/her/hers)" userId="744b0799-9c5f-4010-b84c-816c454cc486" providerId="ADAL" clId="{B448CFAC-879E-423A-8E7D-4DD1035F7C5E}" dt="2023-06-14T16:45:21.341" v="6" actId="6549"/>
+      <pc:sldChg chg="delSp add replId">
+        <pc:chgData name="Roemer, Kelli" userId="S::roemer.kelli@epa.gov::cdc1d093-60ef-47f5-9329-cda3558f2540" providerId="AD" clId="Web-{AC588CDA-5816-5958-4E83-ABAB33815F28}" dt="2023-04-11T16:50:38.891" v="1294"/>
         <pc:sldMkLst>
           <pc:docMk/>
-          <pc:sldMk cId="3402338812" sldId="264"/>
+          <pc:sldMk cId="1124510751" sldId="263"/>
         </pc:sldMkLst>
-        <pc:spChg chg="mod">
-          <ac:chgData name="Fry, Meridith (she/her/hers)" userId="744b0799-9c5f-4010-b84c-816c454cc486" providerId="ADAL" clId="{B448CFAC-879E-423A-8E7D-4DD1035F7C5E}" dt="2023-06-14T16:45:21.341" v="6" actId="6549"/>
-          <ac:spMkLst>
-            <pc:docMk/>
-            <pc:sldMk cId="3402338812" sldId="264"/>
-            <ac:spMk id="4" creationId="{6774AB7A-3034-44B5-8BBD-58941BACFBE9}"/>
-          </ac:spMkLst>
-        </pc:spChg>
-      </pc:sldChg>
-      <pc:sldChg chg="modSp mod">
-        <pc:chgData name="Fry, Meridith (she/her/hers)" userId="744b0799-9c5f-4010-b84c-816c454cc486" providerId="ADAL" clId="{B448CFAC-879E-423A-8E7D-4DD1035F7C5E}" dt="2023-06-14T16:46:49.366" v="31" actId="20577"/>
-        <pc:sldMkLst>
-          <pc:docMk/>
-          <pc:sldMk cId="3524633860" sldId="267"/>
-        </pc:sldMkLst>
-        <pc:spChg chg="mod">
-          <ac:chgData name="Fry, Meridith (she/her/hers)" userId="744b0799-9c5f-4010-b84c-816c454cc486" providerId="ADAL" clId="{B448CFAC-879E-423A-8E7D-4DD1035F7C5E}" dt="2023-06-14T16:46:49.366" v="31" actId="20577"/>
-          <ac:spMkLst>
-            <pc:docMk/>
-            <pc:sldMk cId="3524633860" sldId="267"/>
-            <ac:spMk id="4" creationId="{EA7FD89D-F11C-3331-50F1-55E61EDC50AA}"/>
+        <pc:spChg chg="del">
+          <ac:chgData name="Roemer, Kelli" userId="S::roemer.kelli@epa.gov::cdc1d093-60ef-47f5-9329-cda3558f2540" providerId="AD" clId="Web-{AC588CDA-5816-5958-4E83-ABAB33815F28}" dt="2023-04-11T16:50:36.376" v="1293"/>
+          <ac:spMkLst>
+            <pc:docMk/>
+            <pc:sldMk cId="1124510751" sldId="263"/>
+            <ac:spMk id="9" creationId="{54FF9B3B-D48F-86CC-9B69-1201EE6DF0B4}"/>
+          </ac:spMkLst>
+        </pc:spChg>
+        <pc:spChg chg="del">
+          <ac:chgData name="Roemer, Kelli" userId="S::roemer.kelli@epa.gov::cdc1d093-60ef-47f5-9329-cda3558f2540" providerId="AD" clId="Web-{AC588CDA-5816-5958-4E83-ABAB33815F28}" dt="2023-04-11T16:50:38.891" v="1294"/>
+          <ac:spMkLst>
+            <pc:docMk/>
+            <pc:sldMk cId="1124510751" sldId="263"/>
+            <ac:spMk id="11" creationId="{1BBCA1B9-3604-1E3D-6503-2B434E7364F1}"/>
           </ac:spMkLst>
         </pc:spChg>
       </pc:sldChg>
@@ -1556,6 +1100,486 @@
           <pc:docMk/>
           <pc:sldMk cId="3164985413" sldId="269"/>
         </pc:sldMkLst>
+      </pc:sldChg>
+    </pc:docChg>
+  </pc:docChgLst>
+  <pc:docChgLst>
+    <pc:chgData name="Shacklette, Maureen" userId="1d12f89e-544e-4f34-af1a-d8ed9ac87626" providerId="ADAL" clId="{D6147DF5-79DA-413C-96D0-6113F7C7A150}"/>
+    <pc:docChg chg="modSld">
+      <pc:chgData name="Shacklette, Maureen" userId="1d12f89e-544e-4f34-af1a-d8ed9ac87626" providerId="ADAL" clId="{D6147DF5-79DA-413C-96D0-6113F7C7A150}" dt="2023-08-02T19:38:49.881" v="5" actId="20577"/>
+      <pc:docMkLst>
+        <pc:docMk/>
+      </pc:docMkLst>
+      <pc:sldChg chg="modSp mod">
+        <pc:chgData name="Shacklette, Maureen" userId="1d12f89e-544e-4f34-af1a-d8ed9ac87626" providerId="ADAL" clId="{D6147DF5-79DA-413C-96D0-6113F7C7A150}" dt="2023-08-02T19:38:49.881" v="5" actId="20577"/>
+        <pc:sldMkLst>
+          <pc:docMk/>
+          <pc:sldMk cId="3524633860" sldId="267"/>
+        </pc:sldMkLst>
+        <pc:spChg chg="mod">
+          <ac:chgData name="Shacklette, Maureen" userId="1d12f89e-544e-4f34-af1a-d8ed9ac87626" providerId="ADAL" clId="{D6147DF5-79DA-413C-96D0-6113F7C7A150}" dt="2023-08-02T19:38:49.881" v="5" actId="20577"/>
+          <ac:spMkLst>
+            <pc:docMk/>
+            <pc:sldMk cId="3524633860" sldId="267"/>
+            <ac:spMk id="4" creationId="{EA7FD89D-F11C-3331-50F1-55E61EDC50AA}"/>
+          </ac:spMkLst>
+        </pc:spChg>
+      </pc:sldChg>
+    </pc:docChg>
+  </pc:docChgLst>
+  <pc:docChgLst>
+    <pc:chgData name="Matsler, Marissa (she/her/hers)" userId="1410ffa4-cd32-4727-bdae-74e62a85ae1d" providerId="ADAL" clId="{9D2B54E9-2AB2-4536-8C94-4FF25EC11963}"/>
+    <pc:docChg chg="undo custSel addSld delSld modSld sldOrd">
+      <pc:chgData name="Matsler, Marissa (she/her/hers)" userId="1410ffa4-cd32-4727-bdae-74e62a85ae1d" providerId="ADAL" clId="{9D2B54E9-2AB2-4536-8C94-4FF25EC11963}" dt="2023-04-12T15:34:06.495" v="1830" actId="20577"/>
+      <pc:docMkLst>
+        <pc:docMk/>
+      </pc:docMkLst>
+      <pc:sldChg chg="addSp delSp modSp new mod">
+        <pc:chgData name="Matsler, Marissa (she/her/hers)" userId="1410ffa4-cd32-4727-bdae-74e62a85ae1d" providerId="ADAL" clId="{9D2B54E9-2AB2-4536-8C94-4FF25EC11963}" dt="2023-04-11T15:28:53.529" v="12" actId="12788"/>
+        <pc:sldMkLst>
+          <pc:docMk/>
+          <pc:sldMk cId="3145412834" sldId="256"/>
+        </pc:sldMkLst>
+        <pc:spChg chg="del">
+          <ac:chgData name="Matsler, Marissa (she/her/hers)" userId="1410ffa4-cd32-4727-bdae-74e62a85ae1d" providerId="ADAL" clId="{9D2B54E9-2AB2-4536-8C94-4FF25EC11963}" dt="2023-04-11T15:25:16.444" v="1" actId="478"/>
+          <ac:spMkLst>
+            <pc:docMk/>
+            <pc:sldMk cId="3145412834" sldId="256"/>
+            <ac:spMk id="2" creationId="{7FECD414-C5E6-EC60-1AFA-0C1C1C4FD59B}"/>
+          </ac:spMkLst>
+        </pc:spChg>
+        <pc:spChg chg="del">
+          <ac:chgData name="Matsler, Marissa (she/her/hers)" userId="1410ffa4-cd32-4727-bdae-74e62a85ae1d" providerId="ADAL" clId="{9D2B54E9-2AB2-4536-8C94-4FF25EC11963}" dt="2023-04-11T15:25:18.695" v="2" actId="478"/>
+          <ac:spMkLst>
+            <pc:docMk/>
+            <pc:sldMk cId="3145412834" sldId="256"/>
+            <ac:spMk id="3" creationId="{6DC47A4F-D7E6-C1D9-DBC6-99268C37FB5D}"/>
+          </ac:spMkLst>
+        </pc:spChg>
+        <pc:picChg chg="mod">
+          <ac:chgData name="Matsler, Marissa (she/her/hers)" userId="1410ffa4-cd32-4727-bdae-74e62a85ae1d" providerId="ADAL" clId="{9D2B54E9-2AB2-4536-8C94-4FF25EC11963}" dt="2023-04-11T15:28:53.529" v="12" actId="12788"/>
+          <ac:picMkLst>
+            <pc:docMk/>
+            <pc:sldMk cId="3145412834" sldId="256"/>
+            <ac:picMk id="4" creationId="{C3277DBE-73E6-5781-4B8B-6E6B3551EEEB}"/>
+          </ac:picMkLst>
+        </pc:picChg>
+        <pc:picChg chg="add del mod">
+          <ac:chgData name="Matsler, Marissa (she/her/hers)" userId="1410ffa4-cd32-4727-bdae-74e62a85ae1d" providerId="ADAL" clId="{9D2B54E9-2AB2-4536-8C94-4FF25EC11963}" dt="2023-04-11T15:28:40.695" v="10" actId="478"/>
+          <ac:picMkLst>
+            <pc:docMk/>
+            <pc:sldMk cId="3145412834" sldId="256"/>
+            <ac:picMk id="5" creationId="{FA66653A-D7D0-56C9-F4C6-8C14C7890670}"/>
+          </ac:picMkLst>
+        </pc:picChg>
+      </pc:sldChg>
+      <pc:sldChg chg="addSp delSp modSp del mod">
+        <pc:chgData name="Matsler, Marissa (she/her/hers)" userId="1410ffa4-cd32-4727-bdae-74e62a85ae1d" providerId="ADAL" clId="{9D2B54E9-2AB2-4536-8C94-4FF25EC11963}" dt="2023-04-11T16:49:37.291" v="1273" actId="47"/>
+        <pc:sldMkLst>
+          <pc:docMk/>
+          <pc:sldMk cId="2637366253" sldId="257"/>
+        </pc:sldMkLst>
+        <pc:spChg chg="mod">
+          <ac:chgData name="Matsler, Marissa (she/her/hers)" userId="1410ffa4-cd32-4727-bdae-74e62a85ae1d" providerId="ADAL" clId="{9D2B54E9-2AB2-4536-8C94-4FF25EC11963}" dt="2023-04-11T15:39:25.485" v="415" actId="14100"/>
+          <ac:spMkLst>
+            <pc:docMk/>
+            <pc:sldMk cId="2637366253" sldId="257"/>
+            <ac:spMk id="2" creationId="{6427F933-EFFA-5187-6A06-328B41BF4BE4}"/>
+          </ac:spMkLst>
+        </pc:spChg>
+        <pc:spChg chg="del">
+          <ac:chgData name="Matsler, Marissa (she/her/hers)" userId="1410ffa4-cd32-4727-bdae-74e62a85ae1d" providerId="ADAL" clId="{9D2B54E9-2AB2-4536-8C94-4FF25EC11963}" dt="2023-04-11T15:29:01.853" v="13" actId="478"/>
+          <ac:spMkLst>
+            <pc:docMk/>
+            <pc:sldMk cId="2637366253" sldId="257"/>
+            <ac:spMk id="2" creationId="{FB6700A9-76CA-D098-5083-54850BD08518}"/>
+          </ac:spMkLst>
+        </pc:spChg>
+        <pc:spChg chg="del">
+          <ac:chgData name="Matsler, Marissa (she/her/hers)" userId="1410ffa4-cd32-4727-bdae-74e62a85ae1d" providerId="ADAL" clId="{9D2B54E9-2AB2-4536-8C94-4FF25EC11963}" dt="2023-04-11T15:29:08.427" v="14" actId="478"/>
+          <ac:spMkLst>
+            <pc:docMk/>
+            <pc:sldMk cId="2637366253" sldId="257"/>
+            <ac:spMk id="3" creationId="{BB743B56-31F4-3D6F-D955-B168161ED3AB}"/>
+          </ac:spMkLst>
+        </pc:spChg>
+        <pc:spChg chg="mod">
+          <ac:chgData name="Matsler, Marissa (she/her/hers)" userId="1410ffa4-cd32-4727-bdae-74e62a85ae1d" providerId="ADAL" clId="{9D2B54E9-2AB2-4536-8C94-4FF25EC11963}" dt="2023-04-11T15:39:56.182" v="422" actId="1076"/>
+          <ac:spMkLst>
+            <pc:docMk/>
+            <pc:sldMk cId="2637366253" sldId="257"/>
+            <ac:spMk id="3" creationId="{DAC9B4E7-F773-02AC-A796-357838431F91}"/>
+          </ac:spMkLst>
+        </pc:spChg>
+        <pc:spChg chg="add del mod">
+          <ac:chgData name="Matsler, Marissa (she/her/hers)" userId="1410ffa4-cd32-4727-bdae-74e62a85ae1d" providerId="ADAL" clId="{9D2B54E9-2AB2-4536-8C94-4FF25EC11963}" dt="2023-04-11T15:41:11.501" v="463" actId="113"/>
+          <ac:spMkLst>
+            <pc:docMk/>
+            <pc:sldMk cId="2637366253" sldId="257"/>
+            <ac:spMk id="4" creationId="{6774AB7A-3034-44B5-8BBD-58941BACFBE9}"/>
+          </ac:spMkLst>
+        </pc:spChg>
+        <pc:spChg chg="add mod">
+          <ac:chgData name="Matsler, Marissa (she/her/hers)" userId="1410ffa4-cd32-4727-bdae-74e62a85ae1d" providerId="ADAL" clId="{9D2B54E9-2AB2-4536-8C94-4FF25EC11963}" dt="2023-04-11T15:41:05.318" v="461" actId="113"/>
+          <ac:spMkLst>
+            <pc:docMk/>
+            <pc:sldMk cId="2637366253" sldId="257"/>
+            <ac:spMk id="5" creationId="{479FD662-7FA9-1241-E357-1CD586678554}"/>
+          </ac:spMkLst>
+        </pc:spChg>
+        <pc:spChg chg="add mod">
+          <ac:chgData name="Matsler, Marissa (she/her/hers)" userId="1410ffa4-cd32-4727-bdae-74e62a85ae1d" providerId="ADAL" clId="{9D2B54E9-2AB2-4536-8C94-4FF25EC11963}" dt="2023-04-11T15:32:45.522" v="325" actId="122"/>
+          <ac:spMkLst>
+            <pc:docMk/>
+            <pc:sldMk cId="2637366253" sldId="257"/>
+            <ac:spMk id="6" creationId="{12D96748-7879-EB94-1A2E-5EC08B30ED25}"/>
+          </ac:spMkLst>
+        </pc:spChg>
+        <pc:spChg chg="add mod">
+          <ac:chgData name="Matsler, Marissa (she/her/hers)" userId="1410ffa4-cd32-4727-bdae-74e62a85ae1d" providerId="ADAL" clId="{9D2B54E9-2AB2-4536-8C94-4FF25EC11963}" dt="2023-04-11T15:32:45.522" v="325" actId="122"/>
+          <ac:spMkLst>
+            <pc:docMk/>
+            <pc:sldMk cId="2637366253" sldId="257"/>
+            <ac:spMk id="7" creationId="{3CA638AD-DB85-3FDE-AFB4-1818C7B0907D}"/>
+          </ac:spMkLst>
+        </pc:spChg>
+        <pc:spChg chg="add del mod">
+          <ac:chgData name="Matsler, Marissa (she/her/hers)" userId="1410ffa4-cd32-4727-bdae-74e62a85ae1d" providerId="ADAL" clId="{9D2B54E9-2AB2-4536-8C94-4FF25EC11963}" dt="2023-04-11T15:38:10.490" v="401" actId="478"/>
+          <ac:spMkLst>
+            <pc:docMk/>
+            <pc:sldMk cId="2637366253" sldId="257"/>
+            <ac:spMk id="9" creationId="{8A82D74D-DE63-2321-EC6B-958869D70B81}"/>
+          </ac:spMkLst>
+        </pc:spChg>
+      </pc:sldChg>
+      <pc:sldChg chg="modSp del mod">
+        <pc:chgData name="Matsler, Marissa (she/her/hers)" userId="1410ffa4-cd32-4727-bdae-74e62a85ae1d" providerId="ADAL" clId="{9D2B54E9-2AB2-4536-8C94-4FF25EC11963}" dt="2023-04-11T16:51:30.428" v="1276" actId="47"/>
+        <pc:sldMkLst>
+          <pc:docMk/>
+          <pc:sldMk cId="3419876165" sldId="258"/>
+        </pc:sldMkLst>
+        <pc:spChg chg="mod">
+          <ac:chgData name="Matsler, Marissa (she/her/hers)" userId="1410ffa4-cd32-4727-bdae-74e62a85ae1d" providerId="ADAL" clId="{9D2B54E9-2AB2-4536-8C94-4FF25EC11963}" dt="2023-04-11T15:46:28.693" v="498" actId="20577"/>
+          <ac:spMkLst>
+            <pc:docMk/>
+            <pc:sldMk cId="3419876165" sldId="258"/>
+            <ac:spMk id="4" creationId="{6774AB7A-3034-44B5-8BBD-58941BACFBE9}"/>
+          </ac:spMkLst>
+        </pc:spChg>
+      </pc:sldChg>
+      <pc:sldChg chg="modSp mod">
+        <pc:chgData name="Matsler, Marissa (she/her/hers)" userId="1410ffa4-cd32-4727-bdae-74e62a85ae1d" providerId="ADAL" clId="{9D2B54E9-2AB2-4536-8C94-4FF25EC11963}" dt="2023-04-11T16:41:53.800" v="798" actId="20577"/>
+        <pc:sldMkLst>
+          <pc:docMk/>
+          <pc:sldMk cId="3989611827" sldId="259"/>
+        </pc:sldMkLst>
+        <pc:spChg chg="mod">
+          <ac:chgData name="Matsler, Marissa (she/her/hers)" userId="1410ffa4-cd32-4727-bdae-74e62a85ae1d" providerId="ADAL" clId="{9D2B54E9-2AB2-4536-8C94-4FF25EC11963}" dt="2023-04-11T16:41:53.800" v="798" actId="20577"/>
+          <ac:spMkLst>
+            <pc:docMk/>
+            <pc:sldMk cId="3989611827" sldId="259"/>
+            <ac:spMk id="4" creationId="{6774AB7A-3034-44B5-8BBD-58941BACFBE9}"/>
+          </ac:spMkLst>
+        </pc:spChg>
+        <pc:spChg chg="mod">
+          <ac:chgData name="Matsler, Marissa (she/her/hers)" userId="1410ffa4-cd32-4727-bdae-74e62a85ae1d" providerId="ADAL" clId="{9D2B54E9-2AB2-4536-8C94-4FF25EC11963}" dt="2023-04-11T16:30:20.455" v="583" actId="20577"/>
+          <ac:spMkLst>
+            <pc:docMk/>
+            <pc:sldMk cId="3989611827" sldId="259"/>
+            <ac:spMk id="5" creationId="{479FD662-7FA9-1241-E357-1CD586678554}"/>
+          </ac:spMkLst>
+        </pc:spChg>
+      </pc:sldChg>
+      <pc:sldChg chg="delSp modSp add mod ord">
+        <pc:chgData name="Matsler, Marissa (she/her/hers)" userId="1410ffa4-cd32-4727-bdae-74e62a85ae1d" providerId="ADAL" clId="{9D2B54E9-2AB2-4536-8C94-4FF25EC11963}" dt="2023-04-11T16:48:58.520" v="1272" actId="20577"/>
+        <pc:sldMkLst>
+          <pc:docMk/>
+          <pc:sldMk cId="1226469851" sldId="260"/>
+        </pc:sldMkLst>
+        <pc:spChg chg="mod">
+          <ac:chgData name="Matsler, Marissa (she/her/hers)" userId="1410ffa4-cd32-4727-bdae-74e62a85ae1d" providerId="ADAL" clId="{9D2B54E9-2AB2-4536-8C94-4FF25EC11963}" dt="2023-04-11T16:44:21.575" v="834" actId="207"/>
+          <ac:spMkLst>
+            <pc:docMk/>
+            <pc:sldMk cId="1226469851" sldId="260"/>
+            <ac:spMk id="2" creationId="{6427F933-EFFA-5187-6A06-328B41BF4BE4}"/>
+          </ac:spMkLst>
+        </pc:spChg>
+        <pc:spChg chg="mod">
+          <ac:chgData name="Matsler, Marissa (she/her/hers)" userId="1410ffa4-cd32-4727-bdae-74e62a85ae1d" providerId="ADAL" clId="{9D2B54E9-2AB2-4536-8C94-4FF25EC11963}" dt="2023-04-11T16:44:26.034" v="835" actId="207"/>
+          <ac:spMkLst>
+            <pc:docMk/>
+            <pc:sldMk cId="1226469851" sldId="260"/>
+            <ac:spMk id="3" creationId="{DAC9B4E7-F773-02AC-A796-357838431F91}"/>
+          </ac:spMkLst>
+        </pc:spChg>
+        <pc:spChg chg="mod">
+          <ac:chgData name="Matsler, Marissa (she/her/hers)" userId="1410ffa4-cd32-4727-bdae-74e62a85ae1d" providerId="ADAL" clId="{9D2B54E9-2AB2-4536-8C94-4FF25EC11963}" dt="2023-04-11T16:48:58.520" v="1272" actId="20577"/>
+          <ac:spMkLst>
+            <pc:docMk/>
+            <pc:sldMk cId="1226469851" sldId="260"/>
+            <ac:spMk id="4" creationId="{6774AB7A-3034-44B5-8BBD-58941BACFBE9}"/>
+          </ac:spMkLst>
+        </pc:spChg>
+        <pc:spChg chg="mod">
+          <ac:chgData name="Matsler, Marissa (she/her/hers)" userId="1410ffa4-cd32-4727-bdae-74e62a85ae1d" providerId="ADAL" clId="{9D2B54E9-2AB2-4536-8C94-4FF25EC11963}" dt="2023-04-11T16:48:19.677" v="1227" actId="20577"/>
+          <ac:spMkLst>
+            <pc:docMk/>
+            <pc:sldMk cId="1226469851" sldId="260"/>
+            <ac:spMk id="5" creationId="{479FD662-7FA9-1241-E357-1CD586678554}"/>
+          </ac:spMkLst>
+        </pc:spChg>
+        <pc:spChg chg="del">
+          <ac:chgData name="Matsler, Marissa (she/her/hers)" userId="1410ffa4-cd32-4727-bdae-74e62a85ae1d" providerId="ADAL" clId="{9D2B54E9-2AB2-4536-8C94-4FF25EC11963}" dt="2023-04-11T16:46:01.270" v="945" actId="478"/>
+          <ac:spMkLst>
+            <pc:docMk/>
+            <pc:sldMk cId="1226469851" sldId="260"/>
+            <ac:spMk id="9" creationId="{54FF9B3B-D48F-86CC-9B69-1201EE6DF0B4}"/>
+          </ac:spMkLst>
+        </pc:spChg>
+        <pc:spChg chg="del">
+          <ac:chgData name="Matsler, Marissa (she/her/hers)" userId="1410ffa4-cd32-4727-bdae-74e62a85ae1d" providerId="ADAL" clId="{9D2B54E9-2AB2-4536-8C94-4FF25EC11963}" dt="2023-04-11T16:46:05.895" v="946" actId="478"/>
+          <ac:spMkLst>
+            <pc:docMk/>
+            <pc:sldMk cId="1226469851" sldId="260"/>
+            <ac:spMk id="11" creationId="{1BBCA1B9-3604-1E3D-6503-2B434E7364F1}"/>
+          </ac:spMkLst>
+        </pc:spChg>
+      </pc:sldChg>
+      <pc:sldChg chg="add">
+        <pc:chgData name="Matsler, Marissa (she/her/hers)" userId="1410ffa4-cd32-4727-bdae-74e62a85ae1d" providerId="ADAL" clId="{9D2B54E9-2AB2-4536-8C94-4FF25EC11963}" dt="2023-04-11T16:49:57.784" v="1274" actId="2890"/>
+        <pc:sldMkLst>
+          <pc:docMk/>
+          <pc:sldMk cId="3243331262" sldId="261"/>
+        </pc:sldMkLst>
+      </pc:sldChg>
+      <pc:sldChg chg="add">
+        <pc:chgData name="Matsler, Marissa (she/her/hers)" userId="1410ffa4-cd32-4727-bdae-74e62a85ae1d" providerId="ADAL" clId="{9D2B54E9-2AB2-4536-8C94-4FF25EC11963}" dt="2023-04-11T16:49:59.924" v="1275" actId="2890"/>
+        <pc:sldMkLst>
+          <pc:docMk/>
+          <pc:sldMk cId="1997747637" sldId="262"/>
+        </pc:sldMkLst>
+      </pc:sldChg>
+      <pc:sldChg chg="addSp delSp modSp add mod ord modNotesTx">
+        <pc:chgData name="Matsler, Marissa (she/her/hers)" userId="1410ffa4-cd32-4727-bdae-74e62a85ae1d" providerId="ADAL" clId="{9D2B54E9-2AB2-4536-8C94-4FF25EC11963}" dt="2023-04-12T15:28:39.224" v="1579" actId="20577"/>
+        <pc:sldMkLst>
+          <pc:docMk/>
+          <pc:sldMk cId="431036989" sldId="265"/>
+        </pc:sldMkLst>
+        <pc:spChg chg="mod">
+          <ac:chgData name="Matsler, Marissa (she/her/hers)" userId="1410ffa4-cd32-4727-bdae-74e62a85ae1d" providerId="ADAL" clId="{9D2B54E9-2AB2-4536-8C94-4FF25EC11963}" dt="2023-04-12T15:23:53.423" v="1350" actId="2085"/>
+          <ac:spMkLst>
+            <pc:docMk/>
+            <pc:sldMk cId="431036989" sldId="265"/>
+            <ac:spMk id="2" creationId="{6427F933-EFFA-5187-6A06-328B41BF4BE4}"/>
+          </ac:spMkLst>
+        </pc:spChg>
+        <pc:spChg chg="mod">
+          <ac:chgData name="Matsler, Marissa (she/her/hers)" userId="1410ffa4-cd32-4727-bdae-74e62a85ae1d" providerId="ADAL" clId="{9D2B54E9-2AB2-4536-8C94-4FF25EC11963}" dt="2023-04-12T15:23:53.423" v="1350" actId="2085"/>
+          <ac:spMkLst>
+            <pc:docMk/>
+            <pc:sldMk cId="431036989" sldId="265"/>
+            <ac:spMk id="3" creationId="{DAC9B4E7-F773-02AC-A796-357838431F91}"/>
+          </ac:spMkLst>
+        </pc:spChg>
+        <pc:spChg chg="mod">
+          <ac:chgData name="Matsler, Marissa (she/her/hers)" userId="1410ffa4-cd32-4727-bdae-74e62a85ae1d" providerId="ADAL" clId="{9D2B54E9-2AB2-4536-8C94-4FF25EC11963}" dt="2023-04-12T15:26:13.780" v="1437" actId="20577"/>
+          <ac:spMkLst>
+            <pc:docMk/>
+            <pc:sldMk cId="431036989" sldId="265"/>
+            <ac:spMk id="4" creationId="{6774AB7A-3034-44B5-8BBD-58941BACFBE9}"/>
+          </ac:spMkLst>
+        </pc:spChg>
+        <pc:spChg chg="mod">
+          <ac:chgData name="Matsler, Marissa (she/her/hers)" userId="1410ffa4-cd32-4727-bdae-74e62a85ae1d" providerId="ADAL" clId="{9D2B54E9-2AB2-4536-8C94-4FF25EC11963}" dt="2023-04-12T15:26:40.749" v="1500" actId="20577"/>
+          <ac:spMkLst>
+            <pc:docMk/>
+            <pc:sldMk cId="431036989" sldId="265"/>
+            <ac:spMk id="5" creationId="{479FD662-7FA9-1241-E357-1CD586678554}"/>
+          </ac:spMkLst>
+        </pc:spChg>
+        <pc:spChg chg="del">
+          <ac:chgData name="Matsler, Marissa (she/her/hers)" userId="1410ffa4-cd32-4727-bdae-74e62a85ae1d" providerId="ADAL" clId="{9D2B54E9-2AB2-4536-8C94-4FF25EC11963}" dt="2023-04-12T15:23:19.466" v="1292" actId="478"/>
+          <ac:spMkLst>
+            <pc:docMk/>
+            <pc:sldMk cId="431036989" sldId="265"/>
+            <ac:spMk id="6" creationId="{12D96748-7879-EB94-1A2E-5EC08B30ED25}"/>
+          </ac:spMkLst>
+        </pc:spChg>
+        <pc:spChg chg="del">
+          <ac:chgData name="Matsler, Marissa (she/her/hers)" userId="1410ffa4-cd32-4727-bdae-74e62a85ae1d" providerId="ADAL" clId="{9D2B54E9-2AB2-4536-8C94-4FF25EC11963}" dt="2023-04-12T15:23:21.283" v="1293" actId="478"/>
+          <ac:spMkLst>
+            <pc:docMk/>
+            <pc:sldMk cId="431036989" sldId="265"/>
+            <ac:spMk id="7" creationId="{3CA638AD-DB85-3FDE-AFB4-1818C7B0907D}"/>
+          </ac:spMkLst>
+        </pc:spChg>
+        <pc:spChg chg="add mod">
+          <ac:chgData name="Matsler, Marissa (she/her/hers)" userId="1410ffa4-cd32-4727-bdae-74e62a85ae1d" providerId="ADAL" clId="{9D2B54E9-2AB2-4536-8C94-4FF25EC11963}" dt="2023-04-12T15:21:07.366" v="1280" actId="1076"/>
+          <ac:spMkLst>
+            <pc:docMk/>
+            <pc:sldMk cId="431036989" sldId="265"/>
+            <ac:spMk id="8" creationId="{9DD20330-B97F-3A61-A7B4-44B06E88D786}"/>
+          </ac:spMkLst>
+        </pc:spChg>
+        <pc:spChg chg="add mod">
+          <ac:chgData name="Matsler, Marissa (she/her/hers)" userId="1410ffa4-cd32-4727-bdae-74e62a85ae1d" providerId="ADAL" clId="{9D2B54E9-2AB2-4536-8C94-4FF25EC11963}" dt="2023-04-12T15:24:39.407" v="1355" actId="1076"/>
+          <ac:spMkLst>
+            <pc:docMk/>
+            <pc:sldMk cId="431036989" sldId="265"/>
+            <ac:spMk id="9" creationId="{A579C18F-0E7F-564E-0CEA-83D7122FF0E9}"/>
+          </ac:spMkLst>
+        </pc:spChg>
+        <pc:spChg chg="del">
+          <ac:chgData name="Matsler, Marissa (she/her/hers)" userId="1410ffa4-cd32-4727-bdae-74e62a85ae1d" providerId="ADAL" clId="{9D2B54E9-2AB2-4536-8C94-4FF25EC11963}" dt="2023-04-12T15:20:56.410" v="1278" actId="478"/>
+          <ac:spMkLst>
+            <pc:docMk/>
+            <pc:sldMk cId="431036989" sldId="265"/>
+            <ac:spMk id="10" creationId="{5CE2C573-7270-5C96-F8CB-9B37D5E68572}"/>
+          </ac:spMkLst>
+        </pc:spChg>
+        <pc:spChg chg="add mod">
+          <ac:chgData name="Matsler, Marissa (she/her/hers)" userId="1410ffa4-cd32-4727-bdae-74e62a85ae1d" providerId="ADAL" clId="{9D2B54E9-2AB2-4536-8C94-4FF25EC11963}" dt="2023-04-12T15:26:55.318" v="1502" actId="1076"/>
+          <ac:spMkLst>
+            <pc:docMk/>
+            <pc:sldMk cId="431036989" sldId="265"/>
+            <ac:spMk id="12" creationId="{43E77EEF-946B-C55F-8F94-E89AA0506C65}"/>
+          </ac:spMkLst>
+        </pc:spChg>
+        <pc:spChg chg="add mod">
+          <ac:chgData name="Matsler, Marissa (she/her/hers)" userId="1410ffa4-cd32-4727-bdae-74e62a85ae1d" providerId="ADAL" clId="{9D2B54E9-2AB2-4536-8C94-4FF25EC11963}" dt="2023-04-12T15:23:59.291" v="1351" actId="1076"/>
+          <ac:spMkLst>
+            <pc:docMk/>
+            <pc:sldMk cId="431036989" sldId="265"/>
+            <ac:spMk id="13" creationId="{D9DBD911-9FDA-0456-B864-47FE5B607438}"/>
+          </ac:spMkLst>
+        </pc:spChg>
+        <pc:spChg chg="add mod">
+          <ac:chgData name="Matsler, Marissa (she/her/hers)" userId="1410ffa4-cd32-4727-bdae-74e62a85ae1d" providerId="ADAL" clId="{9D2B54E9-2AB2-4536-8C94-4FF25EC11963}" dt="2023-04-12T15:21:11.230" v="1281" actId="1076"/>
+          <ac:spMkLst>
+            <pc:docMk/>
+            <pc:sldMk cId="431036989" sldId="265"/>
+            <ac:spMk id="14" creationId="{A18FF217-5D5F-AD38-D8A7-6B99371ED79F}"/>
+          </ac:spMkLst>
+        </pc:spChg>
+        <pc:spChg chg="add mod">
+          <ac:chgData name="Matsler, Marissa (she/her/hers)" userId="1410ffa4-cd32-4727-bdae-74e62a85ae1d" providerId="ADAL" clId="{9D2B54E9-2AB2-4536-8C94-4FF25EC11963}" dt="2023-04-12T15:20:57.517" v="1279"/>
+          <ac:spMkLst>
+            <pc:docMk/>
+            <pc:sldMk cId="431036989" sldId="265"/>
+            <ac:spMk id="15" creationId="{3DA06D0A-88ED-BBC7-5940-82343BD55444}"/>
+          </ac:spMkLst>
+        </pc:spChg>
+        <pc:spChg chg="add mod">
+          <ac:chgData name="Matsler, Marissa (she/her/hers)" userId="1410ffa4-cd32-4727-bdae-74e62a85ae1d" providerId="ADAL" clId="{9D2B54E9-2AB2-4536-8C94-4FF25EC11963}" dt="2023-04-12T15:26:45.822" v="1501" actId="1076"/>
+          <ac:spMkLst>
+            <pc:docMk/>
+            <pc:sldMk cId="431036989" sldId="265"/>
+            <ac:spMk id="16" creationId="{189D932F-B59B-CC9B-9616-6439A08695C4}"/>
+          </ac:spMkLst>
+        </pc:spChg>
+        <pc:spChg chg="add mod">
+          <ac:chgData name="Matsler, Marissa (she/her/hers)" userId="1410ffa4-cd32-4727-bdae-74e62a85ae1d" providerId="ADAL" clId="{9D2B54E9-2AB2-4536-8C94-4FF25EC11963}" dt="2023-04-12T15:26:39.089" v="1499" actId="1076"/>
+          <ac:spMkLst>
+            <pc:docMk/>
+            <pc:sldMk cId="431036989" sldId="265"/>
+            <ac:spMk id="17" creationId="{F3C6138C-E5E0-1A0B-A2A5-3C52450E1C03}"/>
+          </ac:spMkLst>
+        </pc:spChg>
+      </pc:sldChg>
+      <pc:sldChg chg="delSp modSp add mod modNotesTx">
+        <pc:chgData name="Matsler, Marissa (she/her/hers)" userId="1410ffa4-cd32-4727-bdae-74e62a85ae1d" providerId="ADAL" clId="{9D2B54E9-2AB2-4536-8C94-4FF25EC11963}" dt="2023-04-12T15:34:06.495" v="1830" actId="20577"/>
+        <pc:sldMkLst>
+          <pc:docMk/>
+          <pc:sldMk cId="666423554" sldId="268"/>
+        </pc:sldMkLst>
+        <pc:spChg chg="mod">
+          <ac:chgData name="Matsler, Marissa (she/her/hers)" userId="1410ffa4-cd32-4727-bdae-74e62a85ae1d" providerId="ADAL" clId="{9D2B54E9-2AB2-4536-8C94-4FF25EC11963}" dt="2023-04-12T15:33:40.535" v="1728" actId="2085"/>
+          <ac:spMkLst>
+            <pc:docMk/>
+            <pc:sldMk cId="666423554" sldId="268"/>
+            <ac:spMk id="2" creationId="{6427F933-EFFA-5187-6A06-328B41BF4BE4}"/>
+          </ac:spMkLst>
+        </pc:spChg>
+        <pc:spChg chg="mod">
+          <ac:chgData name="Matsler, Marissa (she/her/hers)" userId="1410ffa4-cd32-4727-bdae-74e62a85ae1d" providerId="ADAL" clId="{9D2B54E9-2AB2-4536-8C94-4FF25EC11963}" dt="2023-04-12T15:33:40.535" v="1728" actId="2085"/>
+          <ac:spMkLst>
+            <pc:docMk/>
+            <pc:sldMk cId="666423554" sldId="268"/>
+            <ac:spMk id="3" creationId="{DAC9B4E7-F773-02AC-A796-357838431F91}"/>
+          </ac:spMkLst>
+        </pc:spChg>
+        <pc:spChg chg="mod">
+          <ac:chgData name="Matsler, Marissa (she/her/hers)" userId="1410ffa4-cd32-4727-bdae-74e62a85ae1d" providerId="ADAL" clId="{9D2B54E9-2AB2-4536-8C94-4FF25EC11963}" dt="2023-04-12T15:32:18.278" v="1699" actId="1037"/>
+          <ac:spMkLst>
+            <pc:docMk/>
+            <pc:sldMk cId="666423554" sldId="268"/>
+            <ac:spMk id="5" creationId="{479FD662-7FA9-1241-E357-1CD586678554}"/>
+          </ac:spMkLst>
+        </pc:spChg>
+        <pc:spChg chg="del">
+          <ac:chgData name="Matsler, Marissa (she/her/hers)" userId="1410ffa4-cd32-4727-bdae-74e62a85ae1d" providerId="ADAL" clId="{9D2B54E9-2AB2-4536-8C94-4FF25EC11963}" dt="2023-04-12T15:32:03.408" v="1650" actId="478"/>
+          <ac:spMkLst>
+            <pc:docMk/>
+            <pc:sldMk cId="666423554" sldId="268"/>
+            <ac:spMk id="6" creationId="{12D96748-7879-EB94-1A2E-5EC08B30ED25}"/>
+          </ac:spMkLst>
+        </pc:spChg>
+        <pc:spChg chg="del">
+          <ac:chgData name="Matsler, Marissa (she/her/hers)" userId="1410ffa4-cd32-4727-bdae-74e62a85ae1d" providerId="ADAL" clId="{9D2B54E9-2AB2-4536-8C94-4FF25EC11963}" dt="2023-04-12T15:32:05.455" v="1651" actId="478"/>
+          <ac:spMkLst>
+            <pc:docMk/>
+            <pc:sldMk cId="666423554" sldId="268"/>
+            <ac:spMk id="7" creationId="{3CA638AD-DB85-3FDE-AFB4-1818C7B0907D}"/>
+          </ac:spMkLst>
+        </pc:spChg>
+        <pc:spChg chg="mod">
+          <ac:chgData name="Matsler, Marissa (she/her/hers)" userId="1410ffa4-cd32-4727-bdae-74e62a85ae1d" providerId="ADAL" clId="{9D2B54E9-2AB2-4536-8C94-4FF25EC11963}" dt="2023-04-12T15:32:26.369" v="1727" actId="1037"/>
+          <ac:spMkLst>
+            <pc:docMk/>
+            <pc:sldMk cId="666423554" sldId="268"/>
+            <ac:spMk id="14" creationId="{9A89CE7A-FF72-6CAA-8A4C-DA23A9F504A8}"/>
+          </ac:spMkLst>
+        </pc:spChg>
+        <pc:spChg chg="mod">
+          <ac:chgData name="Matsler, Marissa (she/her/hers)" userId="1410ffa4-cd32-4727-bdae-74e62a85ae1d" providerId="ADAL" clId="{9D2B54E9-2AB2-4536-8C94-4FF25EC11963}" dt="2023-04-12T15:32:26.369" v="1727" actId="1037"/>
+          <ac:spMkLst>
+            <pc:docMk/>
+            <pc:sldMk cId="666423554" sldId="268"/>
+            <ac:spMk id="16" creationId="{F4413BB9-0487-FFE2-C592-A6E606D83BAD}"/>
+          </ac:spMkLst>
+        </pc:spChg>
+        <pc:spChg chg="mod">
+          <ac:chgData name="Matsler, Marissa (she/her/hers)" userId="1410ffa4-cd32-4727-bdae-74e62a85ae1d" providerId="ADAL" clId="{9D2B54E9-2AB2-4536-8C94-4FF25EC11963}" dt="2023-04-12T15:32:26.369" v="1727" actId="1037"/>
+          <ac:spMkLst>
+            <pc:docMk/>
+            <pc:sldMk cId="666423554" sldId="268"/>
+            <ac:spMk id="17" creationId="{F73C36AA-3166-9782-E955-8EDEB2BA856A}"/>
+          </ac:spMkLst>
+        </pc:spChg>
+      </pc:sldChg>
+    </pc:docChg>
+  </pc:docChgLst>
+  <pc:docChgLst>
+    <pc:chgData name="Fry, Meridith (she/her/hers)" userId="S::fry.meridith@epa.gov::744b0799-9c5f-4010-b84c-816c454cc486" providerId="AD" clId="Web-{BCF4F10D-1701-433C-8F39-6EAF882CAC0B}"/>
+    <pc:docChg chg="modSld">
+      <pc:chgData name="Fry, Meridith (she/her/hers)" userId="S::fry.meridith@epa.gov::744b0799-9c5f-4010-b84c-816c454cc486" providerId="AD" clId="Web-{BCF4F10D-1701-433C-8F39-6EAF882CAC0B}" dt="2023-04-12T13:00:32.437" v="1" actId="20577"/>
+      <pc:docMkLst>
+        <pc:docMk/>
+      </pc:docMkLst>
+      <pc:sldChg chg="modSp">
+        <pc:chgData name="Fry, Meridith (she/her/hers)" userId="S::fry.meridith@epa.gov::744b0799-9c5f-4010-b84c-816c454cc486" providerId="AD" clId="Web-{BCF4F10D-1701-433C-8F39-6EAF882CAC0B}" dt="2023-04-12T13:00:32.437" v="1" actId="20577"/>
+        <pc:sldMkLst>
+          <pc:docMk/>
+          <pc:sldMk cId="3989611827" sldId="259"/>
+        </pc:sldMkLst>
+        <pc:spChg chg="mod">
+          <ac:chgData name="Fry, Meridith (she/her/hers)" userId="S::fry.meridith@epa.gov::744b0799-9c5f-4010-b84c-816c454cc486" providerId="AD" clId="Web-{BCF4F10D-1701-433C-8F39-6EAF882CAC0B}" dt="2023-04-12T13:00:32.437" v="1" actId="20577"/>
+          <ac:spMkLst>
+            <pc:docMk/>
+            <pc:sldMk cId="3989611827" sldId="259"/>
+            <ac:spMk id="4" creationId="{6774AB7A-3034-44B5-8BBD-58941BACFBE9}"/>
+          </ac:spMkLst>
+        </pc:spChg>
       </pc:sldChg>
     </pc:docChg>
   </pc:docChgLst>
@@ -1644,7 +1668,7 @@
           <a:p>
             <a:fld id="{9E6ED5E1-6901-4F50-9885-93F2D4E535B8}" type="datetimeFigureOut">
               <a:rPr lang="en-US" smtClean="0"/>
-              <a:t>6/14/2023</a:t>
+              <a:t>8/2/2023</a:t>
             </a:fld>
             <a:endParaRPr lang="en-US"/>
           </a:p>
@@ -2142,7 +2166,7 @@
           <a:p>
             <a:fld id="{F92F5159-0039-4F61-9C82-ED7B693482C3}" type="datetimeFigureOut">
               <a:rPr lang="en-US" smtClean="0"/>
-              <a:t>6/14/2023</a:t>
+              <a:t>8/2/2023</a:t>
             </a:fld>
             <a:endParaRPr lang="en-US"/>
           </a:p>
@@ -2340,7 +2364,7 @@
           <a:p>
             <a:fld id="{F92F5159-0039-4F61-9C82-ED7B693482C3}" type="datetimeFigureOut">
               <a:rPr lang="en-US" smtClean="0"/>
-              <a:t>6/14/2023</a:t>
+              <a:t>8/2/2023</a:t>
             </a:fld>
             <a:endParaRPr lang="en-US"/>
           </a:p>
@@ -2548,7 +2572,7 @@
           <a:p>
             <a:fld id="{F92F5159-0039-4F61-9C82-ED7B693482C3}" type="datetimeFigureOut">
               <a:rPr lang="en-US" smtClean="0"/>
-              <a:t>6/14/2023</a:t>
+              <a:t>8/2/2023</a:t>
             </a:fld>
             <a:endParaRPr lang="en-US"/>
           </a:p>
@@ -2746,7 +2770,7 @@
           <a:p>
             <a:fld id="{F92F5159-0039-4F61-9C82-ED7B693482C3}" type="datetimeFigureOut">
               <a:rPr lang="en-US" smtClean="0"/>
-              <a:t>6/14/2023</a:t>
+              <a:t>8/2/2023</a:t>
             </a:fld>
             <a:endParaRPr lang="en-US"/>
           </a:p>
@@ -3021,7 +3045,7 @@
           <a:p>
             <a:fld id="{F92F5159-0039-4F61-9C82-ED7B693482C3}" type="datetimeFigureOut">
               <a:rPr lang="en-US" smtClean="0"/>
-              <a:t>6/14/2023</a:t>
+              <a:t>8/2/2023</a:t>
             </a:fld>
             <a:endParaRPr lang="en-US"/>
           </a:p>
@@ -3286,7 +3310,7 @@
           <a:p>
             <a:fld id="{F92F5159-0039-4F61-9C82-ED7B693482C3}" type="datetimeFigureOut">
               <a:rPr lang="en-US" smtClean="0"/>
-              <a:t>6/14/2023</a:t>
+              <a:t>8/2/2023</a:t>
             </a:fld>
             <a:endParaRPr lang="en-US"/>
           </a:p>
@@ -3698,7 +3722,7 @@
           <a:p>
             <a:fld id="{F92F5159-0039-4F61-9C82-ED7B693482C3}" type="datetimeFigureOut">
               <a:rPr lang="en-US" smtClean="0"/>
-              <a:t>6/14/2023</a:t>
+              <a:t>8/2/2023</a:t>
             </a:fld>
             <a:endParaRPr lang="en-US"/>
           </a:p>
@@ -3839,7 +3863,7 @@
           <a:p>
             <a:fld id="{F92F5159-0039-4F61-9C82-ED7B693482C3}" type="datetimeFigureOut">
               <a:rPr lang="en-US" smtClean="0"/>
-              <a:t>6/14/2023</a:t>
+              <a:t>8/2/2023</a:t>
             </a:fld>
             <a:endParaRPr lang="en-US"/>
           </a:p>
@@ -3952,7 +3976,7 @@
           <a:p>
             <a:fld id="{F92F5159-0039-4F61-9C82-ED7B693482C3}" type="datetimeFigureOut">
               <a:rPr lang="en-US" smtClean="0"/>
-              <a:t>6/14/2023</a:t>
+              <a:t>8/2/2023</a:t>
             </a:fld>
             <a:endParaRPr lang="en-US"/>
           </a:p>
@@ -4263,7 +4287,7 @@
           <a:p>
             <a:fld id="{F92F5159-0039-4F61-9C82-ED7B693482C3}" type="datetimeFigureOut">
               <a:rPr lang="en-US" smtClean="0"/>
-              <a:t>6/14/2023</a:t>
+              <a:t>8/2/2023</a:t>
             </a:fld>
             <a:endParaRPr lang="en-US"/>
           </a:p>
@@ -4551,7 +4575,7 @@
           <a:p>
             <a:fld id="{F92F5159-0039-4F61-9C82-ED7B693482C3}" type="datetimeFigureOut">
               <a:rPr lang="en-US" smtClean="0"/>
-              <a:t>6/14/2023</a:t>
+              <a:t>8/2/2023</a:t>
             </a:fld>
             <a:endParaRPr lang="en-US"/>
           </a:p>
@@ -4792,7 +4816,7 @@
           <a:p>
             <a:fld id="{F92F5159-0039-4F61-9C82-ED7B693482C3}" type="datetimeFigureOut">
               <a:rPr lang="en-US" smtClean="0"/>
-              <a:t>6/14/2023</a:t>
+              <a:t>8/2/2023</a:t>
             </a:fld>
             <a:endParaRPr lang="en-US"/>
           </a:p>
@@ -5325,7 +5349,7 @@
               <a:rPr lang="en-US" sz="2000" b="1" dirty="0">
                 <a:cs typeface="Calibri" panose="020F0502020204030204"/>
               </a:rPr>
-              <a:t>How do to this: </a:t>
+              <a:t>How to do this: </a:t>
             </a:r>
           </a:p>
           <a:p>
@@ -9509,59 +9533,17 @@
 </file>
 
 <file path=customXml/item1.xml><?xml version="1.0" encoding="utf-8"?>
-<p:properties xmlns:p="http://schemas.microsoft.com/office/2006/metadata/properties" xmlns:xsi="http://www.w3.org/2001/XMLSchema-instance" xmlns:pc="http://schemas.microsoft.com/office/infopath/2007/PartnerControls">
-  <documentManagement>
-    <SharedWithUsers xmlns="8f0ccb0b-2b45-4ecf-807d-d8fd9145fac4">
-      <UserInfo>
-        <DisplayName/>
-        <AccountId xsi:nil="true"/>
-        <AccountType/>
-      </UserInfo>
-    </SharedWithUsers>
-    <_Source xmlns="http://schemas.microsoft.com/sharepoint/v3/fields" xsi:nil="true"/>
-    <Language xmlns="http://schemas.microsoft.com/sharepoint/v3">English</Language>
-    <_ip_UnifiedCompliancePolicyUIAction xmlns="http://schemas.microsoft.com/sharepoint/v3" xsi:nil="true"/>
-    <j747ac98061d40f0aa7bd47e1db5675d xmlns="4ffa91fb-a0ff-4ac5-b2db-65c790d184a4">
-      <Terms xmlns="http://schemas.microsoft.com/office/infopath/2007/PartnerControls"/>
-    </j747ac98061d40f0aa7bd47e1db5675d>
-    <lcf76f155ced4ddcb4097134ff3c332f xmlns="c3fe2bc6-81ec-4aad-a296-b74ae9f31a66">
-      <Terms xmlns="http://schemas.microsoft.com/office/infopath/2007/PartnerControls"/>
-    </lcf76f155ced4ddcb4097134ff3c332f>
-    <External_x0020_Contributor xmlns="4ffa91fb-a0ff-4ac5-b2db-65c790d184a4" xsi:nil="true"/>
-    <TaxKeywordTaxHTField xmlns="4ffa91fb-a0ff-4ac5-b2db-65c790d184a4">
-      <Terms xmlns="http://schemas.microsoft.com/office/infopath/2007/PartnerControls"/>
-    </TaxKeywordTaxHTField>
-    <Record xmlns="4ffa91fb-a0ff-4ac5-b2db-65c790d184a4">Shared</Record>
-    <_ip_UnifiedCompliancePolicyProperties xmlns="http://schemas.microsoft.com/sharepoint/v3" xsi:nil="true"/>
-    <Rights xmlns="4ffa91fb-a0ff-4ac5-b2db-65c790d184a4" xsi:nil="true"/>
-    <Document_x0020_Creation_x0020_Date xmlns="4ffa91fb-a0ff-4ac5-b2db-65c790d184a4">2023-06-16T17:31:38+00:00</Document_x0020_Creation_x0020_Date>
-    <EPA_x0020_Office xmlns="4ffa91fb-a0ff-4ac5-b2db-65c790d184a4" xsi:nil="true"/>
-    <CategoryDescription xmlns="http://schemas.microsoft.com/sharepoint.v3" xsi:nil="true"/>
-    <Identifier xmlns="4ffa91fb-a0ff-4ac5-b2db-65c790d184a4" xsi:nil="true"/>
-    <_Coverage xmlns="http://schemas.microsoft.com/sharepoint/v3/fields" xsi:nil="true"/>
-    <Creator xmlns="4ffa91fb-a0ff-4ac5-b2db-65c790d184a4">
-      <UserInfo>
-        <DisplayName/>
-        <AccountId xsi:nil="true"/>
-        <AccountType/>
-      </UserInfo>
-    </Creator>
-    <EPA_x0020_Related_x0020_Documents xmlns="4ffa91fb-a0ff-4ac5-b2db-65c790d184a4" xsi:nil="true"/>
-    <EPA_x0020_Contributor xmlns="4ffa91fb-a0ff-4ac5-b2db-65c790d184a4">
-      <UserInfo>
-        <DisplayName/>
-        <AccountId xsi:nil="true"/>
-        <AccountType/>
-      </UserInfo>
-    </EPA_x0020_Contributor>
-    <TaxCatchAll xmlns="4ffa91fb-a0ff-4ac5-b2db-65c790d184a4" xsi:nil="true"/>
-  </documentManagement>
-</p:properties>
+<?mso-contentType ?>
+<FormTemplates xmlns="http://schemas.microsoft.com/sharepoint/v3/contenttype/forms">
+  <Display>DocumentLibraryForm</Display>
+  <Edit>DocumentLibraryForm</Edit>
+  <New>DocumentLibraryForm</New>
+</FormTemplates>
 </file>
 
 <file path=customXml/item2.xml><?xml version="1.0" encoding="utf-8"?>
-<ct:contentTypeSchema xmlns:ct="http://schemas.microsoft.com/office/2006/metadata/contentType" xmlns:ma="http://schemas.microsoft.com/office/2006/metadata/properties/metaAttributes" ct:_="" ma:_="" ma:contentTypeName="Document" ma:contentTypeID="0x010100BCAB26B0D8085F48A9144F3A5DA03370" ma:contentTypeVersion="16" ma:contentTypeDescription="Create a new document." ma:contentTypeScope="" ma:versionID="6126d18dd34a033e834faa43c7012a8f">
-  <xsd:schema xmlns:xsd="http://www.w3.org/2001/XMLSchema" xmlns:xs="http://www.w3.org/2001/XMLSchema" xmlns:p="http://schemas.microsoft.com/office/2006/metadata/properties" xmlns:ns1="http://schemas.microsoft.com/sharepoint/v3" xmlns:ns2="4ffa91fb-a0ff-4ac5-b2db-65c790d184a4" xmlns:ns3="http://schemas.microsoft.com/sharepoint.v3" xmlns:ns4="http://schemas.microsoft.com/sharepoint/v3/fields" xmlns:ns5="c3fe2bc6-81ec-4aad-a296-b74ae9f31a66" xmlns:ns6="8f0ccb0b-2b45-4ecf-807d-d8fd9145fac4" targetNamespace="http://schemas.microsoft.com/office/2006/metadata/properties" ma:root="true" ma:fieldsID="6017fc57cf11e672346f592896667005" ns1:_="" ns2:_="" ns3:_="" ns4:_="" ns5:_="" ns6:_="">
+<ct:contentTypeSchema xmlns:ct="http://schemas.microsoft.com/office/2006/metadata/contentType" xmlns:ma="http://schemas.microsoft.com/office/2006/metadata/properties/metaAttributes" ct:_="" ma:_="" ma:contentTypeName="Document" ma:contentTypeID="0x010100BCAB26B0D8085F48A9144F3A5DA03370" ma:contentTypeVersion="17" ma:contentTypeDescription="Create a new document." ma:contentTypeScope="" ma:versionID="9ab2f48ef6492263f693cc32ef027b3b">
+  <xsd:schema xmlns:xsd="http://www.w3.org/2001/XMLSchema" xmlns:xs="http://www.w3.org/2001/XMLSchema" xmlns:p="http://schemas.microsoft.com/office/2006/metadata/properties" xmlns:ns1="http://schemas.microsoft.com/sharepoint/v3" xmlns:ns2="4ffa91fb-a0ff-4ac5-b2db-65c790d184a4" xmlns:ns3="http://schemas.microsoft.com/sharepoint.v3" xmlns:ns4="http://schemas.microsoft.com/sharepoint/v3/fields" xmlns:ns5="c3fe2bc6-81ec-4aad-a296-b74ae9f31a66" xmlns:ns6="8f0ccb0b-2b45-4ecf-807d-d8fd9145fac4" targetNamespace="http://schemas.microsoft.com/office/2006/metadata/properties" ma:root="true" ma:fieldsID="58b37a4ef94e70e8a2ec92d8baea6fcf" ns1:_="" ns2:_="" ns3:_="" ns4:_="" ns5:_="" ns6:_="">
     <xsd:import namespace="http://schemas.microsoft.com/sharepoint/v3"/>
     <xsd:import namespace="4ffa91fb-a0ff-4ac5-b2db-65c790d184a4"/>
     <xsd:import namespace="http://schemas.microsoft.com/sharepoint.v3"/>
@@ -9604,6 +9586,7 @@
                 <xsd:element ref="ns5:lcf76f155ced4ddcb4097134ff3c332f" minOccurs="0"/>
                 <xsd:element ref="ns1:_ip_UnifiedCompliancePolicyProperties" minOccurs="0"/>
                 <xsd:element ref="ns1:_ip_UnifiedCompliancePolicyUIAction" minOccurs="0"/>
+                <xsd:element ref="ns5:MediaServiceObjectDetectorVersions" minOccurs="0"/>
               </xsd:all>
             </xsd:complexType>
           </xsd:element>
@@ -9880,6 +9863,11 @@
         </xsd:sequence>
       </xsd:complexType>
     </xsd:element>
+    <xsd:element name="MediaServiceObjectDetectorVersions" ma:index="42" nillable="true" ma:displayName="MediaServiceObjectDetectorVersions" ma:hidden="true" ma:indexed="true" ma:internalName="MediaServiceObjectDetectorVersions" ma:readOnly="true">
+      <xsd:simpleType>
+        <xsd:restriction base="dms:Text"/>
+      </xsd:simpleType>
+    </xsd:element>
   </xsd:schema>
   <xsd:schema xmlns:xsd="http://www.w3.org/2001/XMLSchema" xmlns:xs="http://www.w3.org/2001/XMLSchema" xmlns:dms="http://schemas.microsoft.com/office/2006/documentManagement/types" xmlns:pc="http://schemas.microsoft.com/office/infopath/2007/PartnerControls" targetNamespace="8f0ccb0b-2b45-4ecf-807d-d8fd9145fac4" elementFormDefault="qualified">
     <xsd:import namespace="http://schemas.microsoft.com/office/2006/documentManagement/types"/>
@@ -10011,12 +9999,54 @@
 </file>
 
 <file path=customXml/item3.xml><?xml version="1.0" encoding="utf-8"?>
-<?mso-contentType ?>
-<FormTemplates xmlns="http://schemas.microsoft.com/sharepoint/v3/contenttype/forms">
-  <Display>DocumentLibraryForm</Display>
-  <Edit>DocumentLibraryForm</Edit>
-  <New>DocumentLibraryForm</New>
-</FormTemplates>
+<p:properties xmlns:p="http://schemas.microsoft.com/office/2006/metadata/properties" xmlns:xsi="http://www.w3.org/2001/XMLSchema-instance" xmlns:pc="http://schemas.microsoft.com/office/infopath/2007/PartnerControls">
+  <documentManagement>
+    <SharedWithUsers xmlns="8f0ccb0b-2b45-4ecf-807d-d8fd9145fac4">
+      <UserInfo>
+        <DisplayName/>
+        <AccountId xsi:nil="true"/>
+        <AccountType/>
+      </UserInfo>
+    </SharedWithUsers>
+    <_Source xmlns="http://schemas.microsoft.com/sharepoint/v3/fields" xsi:nil="true"/>
+    <Language xmlns="http://schemas.microsoft.com/sharepoint/v3">English</Language>
+    <_ip_UnifiedCompliancePolicyUIAction xmlns="http://schemas.microsoft.com/sharepoint/v3" xsi:nil="true"/>
+    <j747ac98061d40f0aa7bd47e1db5675d xmlns="4ffa91fb-a0ff-4ac5-b2db-65c790d184a4">
+      <Terms xmlns="http://schemas.microsoft.com/office/infopath/2007/PartnerControls"/>
+    </j747ac98061d40f0aa7bd47e1db5675d>
+    <lcf76f155ced4ddcb4097134ff3c332f xmlns="c3fe2bc6-81ec-4aad-a296-b74ae9f31a66">
+      <Terms xmlns="http://schemas.microsoft.com/office/infopath/2007/PartnerControls"/>
+    </lcf76f155ced4ddcb4097134ff3c332f>
+    <External_x0020_Contributor xmlns="4ffa91fb-a0ff-4ac5-b2db-65c790d184a4" xsi:nil="true"/>
+    <TaxKeywordTaxHTField xmlns="4ffa91fb-a0ff-4ac5-b2db-65c790d184a4">
+      <Terms xmlns="http://schemas.microsoft.com/office/infopath/2007/PartnerControls"/>
+    </TaxKeywordTaxHTField>
+    <Record xmlns="4ffa91fb-a0ff-4ac5-b2db-65c790d184a4">Shared</Record>
+    <_ip_UnifiedCompliancePolicyProperties xmlns="http://schemas.microsoft.com/sharepoint/v3" xsi:nil="true"/>
+    <Rights xmlns="4ffa91fb-a0ff-4ac5-b2db-65c790d184a4" xsi:nil="true"/>
+    <Document_x0020_Creation_x0020_Date xmlns="4ffa91fb-a0ff-4ac5-b2db-65c790d184a4">2023-08-06T21:30:59+00:00</Document_x0020_Creation_x0020_Date>
+    <EPA_x0020_Office xmlns="4ffa91fb-a0ff-4ac5-b2db-65c790d184a4" xsi:nil="true"/>
+    <CategoryDescription xmlns="http://schemas.microsoft.com/sharepoint.v3" xsi:nil="true"/>
+    <Identifier xmlns="4ffa91fb-a0ff-4ac5-b2db-65c790d184a4" xsi:nil="true"/>
+    <_Coverage xmlns="http://schemas.microsoft.com/sharepoint/v3/fields" xsi:nil="true"/>
+    <Creator xmlns="4ffa91fb-a0ff-4ac5-b2db-65c790d184a4">
+      <UserInfo>
+        <DisplayName/>
+        <AccountId xsi:nil="true"/>
+        <AccountType/>
+      </UserInfo>
+    </Creator>
+    <EPA_x0020_Related_x0020_Documents xmlns="4ffa91fb-a0ff-4ac5-b2db-65c790d184a4" xsi:nil="true"/>
+    <EPA_x0020_Contributor xmlns="4ffa91fb-a0ff-4ac5-b2db-65c790d184a4">
+      <UserInfo>
+        <DisplayName/>
+        <AccountId xsi:nil="true"/>
+        <AccountType/>
+      </UserInfo>
+    </EPA_x0020_Contributor>
+    <TaxCatchAll xmlns="4ffa91fb-a0ff-4ac5-b2db-65c790d184a4" xsi:nil="true"/>
+  </documentManagement>
+</p:properties>
 </file>
 
 <file path=customXml/item4.xml><?xml version="1.0" encoding="utf-8"?>
@@ -10025,27 +10055,6 @@
 </file>
 
 <file path=customXml/itemProps1.xml><?xml version="1.0" encoding="utf-8"?>
-<ds:datastoreItem xmlns:ds="http://schemas.openxmlformats.org/officeDocument/2006/customXml" ds:itemID="{56B508E7-632F-46DC-BEB4-3727DC3FD51D}">
-  <ds:schemaRefs>
-    <ds:schemaRef ds:uri="http://schemas.microsoft.com/office/2006/metadata/properties"/>
-    <ds:schemaRef ds:uri="http://purl.org/dc/elements/1.1/"/>
-    <ds:schemaRef ds:uri="http://www.w3.org/XML/1998/namespace"/>
-    <ds:schemaRef ds:uri="http://schemas.openxmlformats.org/package/2006/metadata/core-properties"/>
-    <ds:schemaRef ds:uri="http://schemas.microsoft.com/office/2006/documentManagement/types"/>
-    <ds:schemaRef ds:uri="http://purl.org/dc/terms/"/>
-    <ds:schemaRef ds:uri="http://schemas.microsoft.com/office/infopath/2007/PartnerControls"/>
-    <ds:schemaRef ds:uri="6abd40b1-255a-4c6d-9f51-0ab055223958"/>
-    <ds:schemaRef ds:uri="782bd00c-d0de-45eb-9b7b-c6eb022f2513"/>
-    <ds:schemaRef ds:uri="http://purl.org/dc/dcmitype/"/>
-  </ds:schemaRefs>
-</ds:datastoreItem>
-</file>
-
-<file path=customXml/itemProps2.xml><?xml version="1.0" encoding="utf-8"?>
-<ds:datastoreItem xmlns:ds="http://schemas.openxmlformats.org/officeDocument/2006/customXml" ds:itemID="{1528E0A2-0F02-48B8-9D98-7C5850D5D456}"/>
-</file>
-
-<file path=customXml/itemProps3.xml><?xml version="1.0" encoding="utf-8"?>
 <ds:datastoreItem xmlns:ds="http://schemas.openxmlformats.org/officeDocument/2006/customXml" ds:itemID="{E1457DDF-9C17-465E-BEBC-C1A822ADDEAA}">
   <ds:schemaRefs>
     <ds:schemaRef ds:uri="http://schemas.microsoft.com/sharepoint/v3/contenttype/forms"/>
@@ -10053,6 +10062,27 @@
 </ds:datastoreItem>
 </file>
 
+<file path=customXml/itemProps2.xml><?xml version="1.0" encoding="utf-8"?>
+<ds:datastoreItem xmlns:ds="http://schemas.openxmlformats.org/officeDocument/2006/customXml" ds:itemID="{B62B08A3-E2E6-40C3-BE81-96AFE48CBB99}"/>
+</file>
+
+<file path=customXml/itemProps3.xml><?xml version="1.0" encoding="utf-8"?>
+<ds:datastoreItem xmlns:ds="http://schemas.openxmlformats.org/officeDocument/2006/customXml" ds:itemID="{56B508E7-632F-46DC-BEB4-3727DC3FD51D}">
+  <ds:schemaRefs>
+    <ds:schemaRef ds:uri="6abd40b1-255a-4c6d-9f51-0ab055223958"/>
+    <ds:schemaRef ds:uri="http://purl.org/dc/elements/1.1/"/>
+    <ds:schemaRef ds:uri="http://www.w3.org/XML/1998/namespace"/>
+    <ds:schemaRef ds:uri="http://schemas.microsoft.com/office/2006/documentManagement/types"/>
+    <ds:schemaRef ds:uri="http://schemas.microsoft.com/office/infopath/2007/PartnerControls"/>
+    <ds:schemaRef ds:uri="http://purl.org/dc/terms/"/>
+    <ds:schemaRef ds:uri="http://schemas.microsoft.com/office/2006/metadata/properties"/>
+    <ds:schemaRef ds:uri="http://schemas.openxmlformats.org/package/2006/metadata/core-properties"/>
+    <ds:schemaRef ds:uri="782bd00c-d0de-45eb-9b7b-c6eb022f2513"/>
+    <ds:schemaRef ds:uri="http://purl.org/dc/dcmitype/"/>
+  </ds:schemaRefs>
+</ds:datastoreItem>
+</file>
+
 <file path=customXml/itemProps4.xml><?xml version="1.0" encoding="utf-8"?>
-<ds:datastoreItem xmlns:ds="http://schemas.openxmlformats.org/officeDocument/2006/customXml" ds:itemID="{206B5337-00F9-41BC-AA3A-2D0738BABA5A}"/>
+<ds:datastoreItem xmlns:ds="http://schemas.openxmlformats.org/officeDocument/2006/customXml" ds:itemID="{88F55962-47D0-4DED-919B-2050A390B9E6}"/>
 </file>